--- a/ausarbeitung/Wolken (1).pptx
+++ b/ausarbeitung/Wolken (1).pptx
@@ -536,6 +536,50 @@
           <a:bodyPr/>
           <a:lstStyle/>
           <a:p>
+            <a:pPr marL="0" marR="0" lvl="0" indent="0" algn="l" defTabSz="914400" rtl="0" eaLnBrk="1" fontAlgn="auto" latinLnBrk="0" hangingPunct="1">
+              <a:lnSpc>
+                <a:spcPct val="100000"/>
+              </a:lnSpc>
+              <a:spcBef>
+                <a:spcPts val="0"/>
+              </a:spcBef>
+              <a:spcAft>
+                <a:spcPts val="0"/>
+              </a:spcAft>
+              <a:buClrTx/>
+              <a:buSzTx/>
+              <a:buFontTx/>
+              <a:buNone/>
+              <a:tabLst/>
+              <a:defRPr/>
+            </a:pPr>
+            <a:r>
+              <a:rPr lang="de-DE" sz="1200" b="0" i="0" u="none" strike="noStrike" kern="1200" dirty="0">
+                <a:solidFill>
+                  <a:schemeClr val="tx1"/>
+                </a:solidFill>
+                <a:effectLst/>
+                <a:latin typeface="+mn-lt"/>
+                <a:ea typeface="+mn-ea"/>
+                <a:cs typeface="+mn-cs"/>
+                <a:hlinkClick r:id="rId3"/>
+              </a:rPr>
+              <a:t>Weltorganisation für Meteorologie</a:t>
+            </a:r>
+            <a:endParaRPr lang="de-DE" sz="1200" b="0" i="0" kern="1200" dirty="0">
+              <a:solidFill>
+                <a:schemeClr val="tx1"/>
+              </a:solidFill>
+              <a:effectLst/>
+              <a:latin typeface="+mn-lt"/>
+              <a:ea typeface="+mn-ea"/>
+              <a:cs typeface="+mn-cs"/>
+            </a:endParaRPr>
+          </a:p>
+          <a:p>
+            <a:endParaRPr lang="de-DE" dirty="0"/>
+          </a:p>
+          <a:p>
             <a:r>
               <a:rPr lang="de-DE" dirty="0"/>
               <a:t>Dafür eigene </a:t>
@@ -636,45 +680,13 @@
           <a:p>
             <a:r>
               <a:rPr lang="de-DE" dirty="0"/>
-              <a:t>Haben vor allem am unteren Rand der Bilder oft noch Boden zu sehen </a:t>
+              <a:t>Gutes Ergebnis </a:t>
             </a:r>
             <a:r>
               <a:rPr lang="de-DE" dirty="0">
                 <a:sym typeface="Wingdings" panose="05000000000000000000" pitchFamily="2" charset="2"/>
               </a:rPr>
-              <a:t> wegbekommen da sonst </a:t>
-            </a:r>
-            <a:r>
-              <a:rPr lang="de-DE" dirty="0" err="1">
-                <a:sym typeface="Wingdings" panose="05000000000000000000" pitchFamily="2" charset="2"/>
-              </a:rPr>
-              <a:t>verfälschung</a:t>
-            </a:r>
-            <a:r>
-              <a:rPr lang="de-DE" dirty="0">
-                <a:sym typeface="Wingdings" panose="05000000000000000000" pitchFamily="2" charset="2"/>
-              </a:rPr>
-              <a:t> der Merkmale</a:t>
-            </a:r>
-          </a:p>
-          <a:p>
-            <a:r>
-              <a:rPr lang="de-DE" dirty="0">
-                <a:sym typeface="Wingdings" panose="05000000000000000000" pitchFamily="2" charset="2"/>
-              </a:rPr>
-              <a:t>Eigene Funktion geschrieben: Zunächst komplett standardmäßig </a:t>
-            </a:r>
-            <a:r>
-              <a:rPr lang="de-DE" dirty="0" err="1">
-                <a:sym typeface="Wingdings" panose="05000000000000000000" pitchFamily="2" charset="2"/>
-              </a:rPr>
-              <a:t>binarisieren</a:t>
-            </a:r>
-            <a:r>
-              <a:rPr lang="de-DE" dirty="0">
-                <a:sym typeface="Wingdings" panose="05000000000000000000" pitchFamily="2" charset="2"/>
-              </a:rPr>
-              <a:t>, danach von unten heran eine kleine Box bauen  prüft den Schwarzanteil (nicht Wolke) zum Weißanteil (Wolke), sobald dieser einen bestimmen Wert erreicht  untere Grenze gefunden und Bild wieder auf Standardformat bringen.</a:t>
+              <a:t></a:t>
             </a:r>
             <a:endParaRPr lang="de-DE" dirty="0"/>
           </a:p>
@@ -697,7 +709,7 @@
           <a:p>
             <a:fld id="{FFA30538-EFC0-4593-81AF-509E83D5B3F4}" type="slidenum">
               <a:rPr lang="de-DE" smtClean="0"/>
-              <a:t>12</a:t>
+              <a:t>11</a:t>
             </a:fld>
             <a:endParaRPr lang="de-DE"/>
           </a:p>
@@ -706,7 +718,7 @@
     </p:spTree>
     <p:extLst>
       <p:ext uri="{BB962C8B-B14F-4D97-AF65-F5344CB8AC3E}">
-        <p14:creationId xmlns:p14="http://schemas.microsoft.com/office/powerpoint/2010/main" val="529956990"/>
+        <p14:creationId xmlns:p14="http://schemas.microsoft.com/office/powerpoint/2010/main" val="142956413"/>
       </p:ext>
     </p:extLst>
   </p:cSld>
@@ -762,45 +774,13 @@
           <a:p>
             <a:r>
               <a:rPr lang="de-DE" dirty="0"/>
-              <a:t>Haben vor allem am unteren Rand der Bilder oft noch Boden zu sehen </a:t>
+              <a:t>Gutes Ergebnis </a:t>
             </a:r>
             <a:r>
               <a:rPr lang="de-DE" dirty="0">
                 <a:sym typeface="Wingdings" panose="05000000000000000000" pitchFamily="2" charset="2"/>
               </a:rPr>
-              <a:t> wegbekommen da sonst </a:t>
-            </a:r>
-            <a:r>
-              <a:rPr lang="de-DE" dirty="0" err="1">
-                <a:sym typeface="Wingdings" panose="05000000000000000000" pitchFamily="2" charset="2"/>
-              </a:rPr>
-              <a:t>verfälschung</a:t>
-            </a:r>
-            <a:r>
-              <a:rPr lang="de-DE" dirty="0">
-                <a:sym typeface="Wingdings" panose="05000000000000000000" pitchFamily="2" charset="2"/>
-              </a:rPr>
-              <a:t> der Merkmale</a:t>
-            </a:r>
-          </a:p>
-          <a:p>
-            <a:r>
-              <a:rPr lang="de-DE" dirty="0">
-                <a:sym typeface="Wingdings" panose="05000000000000000000" pitchFamily="2" charset="2"/>
-              </a:rPr>
-              <a:t>Eigene Funktion geschrieben: Zunächst komplett standardmäßig </a:t>
-            </a:r>
-            <a:r>
-              <a:rPr lang="de-DE" dirty="0" err="1">
-                <a:sym typeface="Wingdings" panose="05000000000000000000" pitchFamily="2" charset="2"/>
-              </a:rPr>
-              <a:t>binarisieren</a:t>
-            </a:r>
-            <a:r>
-              <a:rPr lang="de-DE" dirty="0">
-                <a:sym typeface="Wingdings" panose="05000000000000000000" pitchFamily="2" charset="2"/>
-              </a:rPr>
-              <a:t>, danach von unten heran eine kleine Box bauen  prüft den Schwarzanteil (nicht Wolke) zum Weißanteil (Wolke), sobald dieser einen bestimmen Wert erreicht  untere Grenze gefunden und Bild wieder auf Standardformat bringen.</a:t>
+              <a:t></a:t>
             </a:r>
             <a:endParaRPr lang="de-DE" dirty="0"/>
           </a:p>
@@ -823,7 +803,7 @@
           <a:p>
             <a:fld id="{FFA30538-EFC0-4593-81AF-509E83D5B3F4}" type="slidenum">
               <a:rPr lang="de-DE" smtClean="0"/>
-              <a:t>13</a:t>
+              <a:t>12</a:t>
             </a:fld>
             <a:endParaRPr lang="de-DE"/>
           </a:p>
@@ -832,7 +812,7 @@
     </p:spTree>
     <p:extLst>
       <p:ext uri="{BB962C8B-B14F-4D97-AF65-F5344CB8AC3E}">
-        <p14:creationId xmlns:p14="http://schemas.microsoft.com/office/powerpoint/2010/main" val="500637885"/>
+        <p14:creationId xmlns:p14="http://schemas.microsoft.com/office/powerpoint/2010/main" val="529956990"/>
       </p:ext>
     </p:extLst>
   </p:cSld>
@@ -888,45 +868,21 @@
           <a:p>
             <a:r>
               <a:rPr lang="de-DE" dirty="0"/>
-              <a:t>Haben vor allem am unteren Rand der Bilder oft noch Boden zu sehen </a:t>
+              <a:t>Schlechtes Ergebnis :C… manche Bilder funktionieren so halt </a:t>
+            </a:r>
+            <a:r>
+              <a:rPr lang="de-DE" dirty="0" err="1"/>
+              <a:t>nich</a:t>
+            </a:r>
+            <a:r>
+              <a:rPr lang="de-DE" dirty="0"/>
+              <a:t> </a:t>
             </a:r>
             <a:r>
               <a:rPr lang="de-DE" dirty="0">
                 <a:sym typeface="Wingdings" panose="05000000000000000000" pitchFamily="2" charset="2"/>
               </a:rPr>
-              <a:t> wegbekommen da sonst </a:t>
-            </a:r>
-            <a:r>
-              <a:rPr lang="de-DE" dirty="0" err="1">
-                <a:sym typeface="Wingdings" panose="05000000000000000000" pitchFamily="2" charset="2"/>
-              </a:rPr>
-              <a:t>verfälschung</a:t>
-            </a:r>
-            <a:r>
-              <a:rPr lang="de-DE" dirty="0">
-                <a:sym typeface="Wingdings" panose="05000000000000000000" pitchFamily="2" charset="2"/>
-              </a:rPr>
-              <a:t> der Merkmale</a:t>
-            </a:r>
-          </a:p>
-          <a:p>
-            <a:r>
-              <a:rPr lang="de-DE" dirty="0">
-                <a:sym typeface="Wingdings" panose="05000000000000000000" pitchFamily="2" charset="2"/>
-              </a:rPr>
-              <a:t>Eigene Funktion geschrieben: Zunächst komplett standardmäßig </a:t>
-            </a:r>
-            <a:r>
-              <a:rPr lang="de-DE" dirty="0" err="1">
-                <a:sym typeface="Wingdings" panose="05000000000000000000" pitchFamily="2" charset="2"/>
-              </a:rPr>
-              <a:t>binarisieren</a:t>
-            </a:r>
-            <a:r>
-              <a:rPr lang="de-DE" dirty="0">
-                <a:sym typeface="Wingdings" panose="05000000000000000000" pitchFamily="2" charset="2"/>
-              </a:rPr>
-              <a:t>, danach von unten heran eine kleine Box bauen  prüft den Schwarzanteil (nicht Wolke) zum Weißanteil (Wolke), sobald dieser einen bestimmen Wert erreicht  untere Grenze gefunden und Bild wieder auf Standardformat bringen.</a:t>
+              <a:t></a:t>
             </a:r>
             <a:endParaRPr lang="de-DE" dirty="0"/>
           </a:p>
@@ -949,7 +905,7 @@
           <a:p>
             <a:fld id="{FFA30538-EFC0-4593-81AF-509E83D5B3F4}" type="slidenum">
               <a:rPr lang="de-DE" smtClean="0"/>
-              <a:t>14</a:t>
+              <a:t>13</a:t>
             </a:fld>
             <a:endParaRPr lang="de-DE"/>
           </a:p>
@@ -958,7 +914,7 @@
     </p:spTree>
     <p:extLst>
       <p:ext uri="{BB962C8B-B14F-4D97-AF65-F5344CB8AC3E}">
-        <p14:creationId xmlns:p14="http://schemas.microsoft.com/office/powerpoint/2010/main" val="2989138397"/>
+        <p14:creationId xmlns:p14="http://schemas.microsoft.com/office/powerpoint/2010/main" val="500637885"/>
       </p:ext>
     </p:extLst>
   </p:cSld>
@@ -1014,8 +970,15 @@
           <a:p>
             <a:r>
               <a:rPr lang="de-DE" dirty="0"/>
-              <a:t>Ca. 36 % richtige, Probleme bei bestimmten Wolkenarten aufzeigen.</a:t>
-            </a:r>
+              <a:t>Gutes Ergebnis </a:t>
+            </a:r>
+            <a:r>
+              <a:rPr lang="de-DE" dirty="0">
+                <a:sym typeface="Wingdings" panose="05000000000000000000" pitchFamily="2" charset="2"/>
+              </a:rPr>
+              <a:t></a:t>
+            </a:r>
+            <a:endParaRPr lang="de-DE" dirty="0"/>
           </a:p>
         </p:txBody>
       </p:sp>
@@ -1036,7 +999,7 @@
           <a:p>
             <a:fld id="{FFA30538-EFC0-4593-81AF-509E83D5B3F4}" type="slidenum">
               <a:rPr lang="de-DE" smtClean="0"/>
-              <a:t>15</a:t>
+              <a:t>14</a:t>
             </a:fld>
             <a:endParaRPr lang="de-DE"/>
           </a:p>
@@ -1045,7 +1008,7 @@
     </p:spTree>
     <p:extLst>
       <p:ext uri="{BB962C8B-B14F-4D97-AF65-F5344CB8AC3E}">
-        <p14:creationId xmlns:p14="http://schemas.microsoft.com/office/powerpoint/2010/main" val="290716493"/>
+        <p14:creationId xmlns:p14="http://schemas.microsoft.com/office/powerpoint/2010/main" val="2989138397"/>
       </p:ext>
     </p:extLst>
   </p:cSld>
@@ -1101,7 +1064,15 @@
           <a:p>
             <a:r>
               <a:rPr lang="de-DE" dirty="0"/>
-              <a:t>Gewichte der Merkmale sind unterschiedlich, je nachdem welche Wolkenarten man zuvor schon ausgeschlossen hat.</a:t>
+              <a:t>Ca. 39 % Richtige, besonders </a:t>
+            </a:r>
+            <a:r>
+              <a:rPr lang="de-DE" dirty="0" err="1"/>
+              <a:t>cirriform</a:t>
+            </a:r>
+            <a:r>
+              <a:rPr lang="de-DE" dirty="0"/>
+              <a:t> wird schlecht erkannt. </a:t>
             </a:r>
           </a:p>
         </p:txBody>
@@ -1123,7 +1094,7 @@
           <a:p>
             <a:fld id="{FFA30538-EFC0-4593-81AF-509E83D5B3F4}" type="slidenum">
               <a:rPr lang="de-DE" smtClean="0"/>
-              <a:t>16</a:t>
+              <a:t>15</a:t>
             </a:fld>
             <a:endParaRPr lang="de-DE"/>
           </a:p>
@@ -1132,7 +1103,7 @@
     </p:spTree>
     <p:extLst>
       <p:ext uri="{BB962C8B-B14F-4D97-AF65-F5344CB8AC3E}">
-        <p14:creationId xmlns:p14="http://schemas.microsoft.com/office/powerpoint/2010/main" val="642194744"/>
+        <p14:creationId xmlns:p14="http://schemas.microsoft.com/office/powerpoint/2010/main" val="290716493"/>
       </p:ext>
     </p:extLst>
   </p:cSld>
@@ -1188,45 +1159,117 @@
           <a:p>
             <a:r>
               <a:rPr lang="de-DE" dirty="0"/>
-              <a:t>Haben vor allem am unteren Rand der Bilder oft noch Boden zu sehen </a:t>
+              <a:t>Gewichte der Merkmale sind unterschiedlich, je nachdem welche Wolkenarten man zuvor schon ausgeschlossen hat. </a:t>
             </a:r>
             <a:r>
               <a:rPr lang="de-DE" dirty="0">
                 <a:sym typeface="Wingdings" panose="05000000000000000000" pitchFamily="2" charset="2"/>
               </a:rPr>
-              <a:t> wegbekommen da sonst </a:t>
+              <a:t> Entscheidungsbaum?</a:t>
+            </a:r>
+          </a:p>
+          <a:p>
+            <a:r>
+              <a:rPr lang="de-DE" dirty="0">
+                <a:sym typeface="Wingdings" panose="05000000000000000000" pitchFamily="2" charset="2"/>
+              </a:rPr>
+              <a:t>K-</a:t>
             </a:r>
             <a:r>
               <a:rPr lang="de-DE" dirty="0" err="1">
                 <a:sym typeface="Wingdings" panose="05000000000000000000" pitchFamily="2" charset="2"/>
               </a:rPr>
-              <a:t>verfälschung</a:t>
+              <a:t>nearast</a:t>
             </a:r>
             <a:r>
               <a:rPr lang="de-DE" dirty="0">
                 <a:sym typeface="Wingdings" panose="05000000000000000000" pitchFamily="2" charset="2"/>
               </a:rPr>
-              <a:t> der Merkmale</a:t>
-            </a:r>
-          </a:p>
-          <a:p>
+              <a:t> </a:t>
+            </a:r>
+            <a:r>
+              <a:rPr lang="de-DE" dirty="0" err="1">
+                <a:sym typeface="Wingdings" panose="05000000000000000000" pitchFamily="2" charset="2"/>
+              </a:rPr>
+              <a:t>Neighbours</a:t>
+            </a:r>
             <a:r>
               <a:rPr lang="de-DE" dirty="0">
                 <a:sym typeface="Wingdings" panose="05000000000000000000" pitchFamily="2" charset="2"/>
               </a:rPr>
-              <a:t>Eigene Funktion geschrieben: Zunächst komplett standardmäßig </a:t>
+              <a:t> – nicht nur den nächsten </a:t>
             </a:r>
             <a:r>
               <a:rPr lang="de-DE" dirty="0" err="1">
                 <a:sym typeface="Wingdings" panose="05000000000000000000" pitchFamily="2" charset="2"/>
               </a:rPr>
-              <a:t>binarisieren</a:t>
+              <a:t>nachbar</a:t>
             </a:r>
             <a:r>
               <a:rPr lang="de-DE" dirty="0">
                 <a:sym typeface="Wingdings" panose="05000000000000000000" pitchFamily="2" charset="2"/>
               </a:rPr>
-              <a:t>, danach von unten heran eine kleine Box bauen  prüft den Schwarzanteil (nicht Wolke) zum Weißanteil (Wolke), sobald dieser einen bestimmen Wert erreicht  untere Grenze gefunden und Bild wieder auf Standardformat bringen.</a:t>
+              <a:t> sondern </a:t>
+            </a:r>
+            <a:r>
+              <a:rPr lang="de-DE" dirty="0" err="1">
+                <a:sym typeface="Wingdings" panose="05000000000000000000" pitchFamily="2" charset="2"/>
+              </a:rPr>
+              <a:t>vllt</a:t>
+            </a:r>
+            <a:r>
+              <a:rPr lang="de-DE" dirty="0">
+                <a:sym typeface="Wingdings" panose="05000000000000000000" pitchFamily="2" charset="2"/>
+              </a:rPr>
+              <a:t> 3 oder 5?</a:t>
+            </a:r>
+          </a:p>
+          <a:p>
+            <a:r>
+              <a:rPr lang="de-DE" dirty="0">
+                <a:sym typeface="Wingdings" panose="05000000000000000000" pitchFamily="2" charset="2"/>
+              </a:rPr>
+              <a:t>Hybrid Lösung?</a:t>
+            </a:r>
+          </a:p>
+          <a:p>
+            <a:r>
+              <a:rPr lang="de-DE" dirty="0">
+                <a:sym typeface="Wingdings" panose="05000000000000000000" pitchFamily="2" charset="2"/>
+              </a:rPr>
+              <a:t>Frequenz als Merkmal – wie frequentiert sind die </a:t>
+            </a:r>
+            <a:r>
+              <a:rPr lang="de-DE" dirty="0" err="1">
+                <a:sym typeface="Wingdings" panose="05000000000000000000" pitchFamily="2" charset="2"/>
+              </a:rPr>
+              <a:t>wolken</a:t>
+            </a:r>
+            <a:r>
+              <a:rPr lang="de-DE" dirty="0">
+                <a:sym typeface="Wingdings" panose="05000000000000000000" pitchFamily="2" charset="2"/>
+              </a:rPr>
+              <a:t> am Himmel?</a:t>
+            </a:r>
+          </a:p>
+          <a:p>
+            <a:r>
+              <a:rPr lang="de-DE" dirty="0">
+                <a:sym typeface="Wingdings" panose="05000000000000000000" pitchFamily="2" charset="2"/>
+              </a:rPr>
+              <a:t>Data Augmentation – für mehr Bilder (Spiegelung an der Y-Achse, stauchen, drehen?(</a:t>
+            </a:r>
+            <a:r>
+              <a:rPr lang="de-DE" dirty="0" err="1">
+                <a:sym typeface="Wingdings" panose="05000000000000000000" pitchFamily="2" charset="2"/>
+              </a:rPr>
+              <a:t>boden</a:t>
+            </a:r>
+            <a:r>
+              <a:rPr lang="de-DE" dirty="0">
+                <a:sym typeface="Wingdings" panose="05000000000000000000" pitchFamily="2" charset="2"/>
+              </a:rPr>
+              <a:t> :c)</a:t>
             </a:r>
             <a:endParaRPr lang="de-DE" dirty="0"/>
           </a:p>
@@ -1249,7 +1292,7 @@
           <a:p>
             <a:fld id="{FFA30538-EFC0-4593-81AF-509E83D5B3F4}" type="slidenum">
               <a:rPr lang="de-DE" smtClean="0"/>
-              <a:t>17</a:t>
+              <a:t>16</a:t>
             </a:fld>
             <a:endParaRPr lang="de-DE"/>
           </a:p>
@@ -1258,7 +1301,7 @@
     </p:spTree>
     <p:extLst>
       <p:ext uri="{BB962C8B-B14F-4D97-AF65-F5344CB8AC3E}">
-        <p14:creationId xmlns:p14="http://schemas.microsoft.com/office/powerpoint/2010/main" val="1682009794"/>
+        <p14:creationId xmlns:p14="http://schemas.microsoft.com/office/powerpoint/2010/main" val="642194744"/>
       </p:ext>
     </p:extLst>
   </p:cSld>
@@ -1314,6 +1357,109 @@
           <a:p>
             <a:r>
               <a:rPr lang="de-DE" dirty="0"/>
+              <a:t>Großes Problem bleibt einfach: die Wolkenarten sehen trotz unserer nur 4 Gruppen </a:t>
+            </a:r>
+            <a:r>
+              <a:rPr lang="de-DE" dirty="0" err="1"/>
+              <a:t>immernoch</a:t>
+            </a:r>
+            <a:r>
+              <a:rPr lang="de-DE" dirty="0"/>
+              <a:t> sehr </a:t>
+            </a:r>
+            <a:r>
+              <a:rPr lang="de-DE" dirty="0" err="1"/>
+              <a:t>sehr</a:t>
+            </a:r>
+            <a:r>
+              <a:rPr lang="de-DE" dirty="0"/>
+              <a:t> gleich aus.</a:t>
+            </a:r>
+          </a:p>
+        </p:txBody>
+      </p:sp>
+      <p:sp>
+        <p:nvSpPr>
+          <p:cNvPr id="4" name="Foliennummernplatzhalter 3"/>
+          <p:cNvSpPr>
+            <a:spLocks noGrp="1"/>
+          </p:cNvSpPr>
+          <p:nvPr>
+            <p:ph type="sldNum" sz="quarter" idx="10"/>
+          </p:nvPr>
+        </p:nvSpPr>
+        <p:spPr/>
+        <p:txBody>
+          <a:bodyPr/>
+          <a:lstStyle/>
+          <a:p>
+            <a:fld id="{FFA30538-EFC0-4593-81AF-509E83D5B3F4}" type="slidenum">
+              <a:rPr lang="de-DE" smtClean="0"/>
+              <a:t>17</a:t>
+            </a:fld>
+            <a:endParaRPr lang="de-DE"/>
+          </a:p>
+        </p:txBody>
+      </p:sp>
+    </p:spTree>
+    <p:extLst>
+      <p:ext uri="{BB962C8B-B14F-4D97-AF65-F5344CB8AC3E}">
+        <p14:creationId xmlns:p14="http://schemas.microsoft.com/office/powerpoint/2010/main" val="1682009794"/>
+      </p:ext>
+    </p:extLst>
+  </p:cSld>
+  <p:clrMapOvr>
+    <a:masterClrMapping/>
+  </p:clrMapOvr>
+</p:notes>
+</file>
+
+<file path=ppt/notesSlides/notesSlide17.xml><?xml version="1.0" encoding="utf-8"?>
+<p:notes xmlns:a="http://schemas.openxmlformats.org/drawingml/2006/main" xmlns:r="http://schemas.openxmlformats.org/officeDocument/2006/relationships" xmlns:p="http://schemas.openxmlformats.org/presentationml/2006/main">
+  <p:cSld>
+    <p:spTree>
+      <p:nvGrpSpPr>
+        <p:cNvPr id="1" name=""/>
+        <p:cNvGrpSpPr/>
+        <p:nvPr/>
+      </p:nvGrpSpPr>
+      <p:grpSpPr>
+        <a:xfrm>
+          <a:off x="0" y="0"/>
+          <a:ext cx="0" cy="0"/>
+          <a:chOff x="0" y="0"/>
+          <a:chExt cx="0" cy="0"/>
+        </a:xfrm>
+      </p:grpSpPr>
+      <p:sp>
+        <p:nvSpPr>
+          <p:cNvPr id="2" name="Folienbildplatzhalter 1"/>
+          <p:cNvSpPr>
+            <a:spLocks noGrp="1" noRot="1" noChangeAspect="1"/>
+          </p:cNvSpPr>
+          <p:nvPr>
+            <p:ph type="sldImg"/>
+          </p:nvPr>
+        </p:nvSpPr>
+        <p:spPr/>
+      </p:sp>
+      <p:sp>
+        <p:nvSpPr>
+          <p:cNvPr id="3" name="Notizenplatzhalter 2"/>
+          <p:cNvSpPr>
+            <a:spLocks noGrp="1"/>
+          </p:cNvSpPr>
+          <p:nvPr>
+            <p:ph type="body" idx="1"/>
+          </p:nvPr>
+        </p:nvSpPr>
+        <p:spPr/>
+        <p:txBody>
+          <a:bodyPr/>
+          <a:lstStyle/>
+          <a:p>
+            <a:r>
+              <a:rPr lang="de-DE" dirty="0"/>
               <a:t>Trainiert auf den Bildern von </a:t>
             </a:r>
             <a:r>
@@ -1360,7 +1506,7 @@
 </p:notes>
 </file>
 
-<file path=ppt/notesSlides/notesSlide17.xml><?xml version="1.0" encoding="utf-8"?>
+<file path=ppt/notesSlides/notesSlide18.xml><?xml version="1.0" encoding="utf-8"?>
 <p:notes xmlns:a="http://schemas.openxmlformats.org/drawingml/2006/main" xmlns:r="http://schemas.openxmlformats.org/officeDocument/2006/relationships" xmlns:p="http://schemas.openxmlformats.org/presentationml/2006/main">
   <p:cSld>
     <p:spTree>
@@ -1948,25 +2094,7 @@
           <a:p>
             <a:r>
               <a:rPr lang="de-DE" dirty="0"/>
-              <a:t>Schichtwolke; tritt entweder als faseriger Schleier, in dem dünne Streifenbildung vorhanden sein kann, oder als schleierartiger Nebel auf; kann die Sonne nie komplett verdecken</a:t>
-            </a:r>
-          </a:p>
-          <a:p>
-            <a:r>
-              <a:rPr lang="de-DE" dirty="0"/>
-              <a:t>graue, mittelhohe Schichtwolke ohne Konturen</a:t>
-            </a:r>
-          </a:p>
-          <a:p>
-            <a:r>
-              <a:rPr lang="de-DE" dirty="0"/>
-              <a:t>Stark ausgedehnte, dunkelgraue Schicht; starke vertikale Ausdehnung.</a:t>
-            </a:r>
-          </a:p>
-          <a:p>
-            <a:r>
-              <a:rPr lang="de-DE" dirty="0"/>
-              <a:t>niedere Schichtwolken, werden auch als Hochnebel oder Höhennebel bezeichnet; völlig strukturlos</a:t>
+              <a:t>Naturgewalten verfälschen unsere Merkmale stark</a:t>
             </a:r>
           </a:p>
         </p:txBody>
@@ -2051,48 +2179,6 @@
           <a:bodyPr/>
           <a:lstStyle/>
           <a:p>
-            <a:r>
-              <a:rPr lang="de-DE" dirty="0"/>
-              <a:t>Haben vor allem am unteren Rand der Bilder oft noch Boden zu sehen </a:t>
-            </a:r>
-            <a:r>
-              <a:rPr lang="de-DE" dirty="0">
-                <a:sym typeface="Wingdings" panose="05000000000000000000" pitchFamily="2" charset="2"/>
-              </a:rPr>
-              <a:t> wegbekommen da sonst </a:t>
-            </a:r>
-            <a:r>
-              <a:rPr lang="de-DE" dirty="0" err="1">
-                <a:sym typeface="Wingdings" panose="05000000000000000000" pitchFamily="2" charset="2"/>
-              </a:rPr>
-              <a:t>verfälschung</a:t>
-            </a:r>
-            <a:r>
-              <a:rPr lang="de-DE" dirty="0">
-                <a:sym typeface="Wingdings" panose="05000000000000000000" pitchFamily="2" charset="2"/>
-              </a:rPr>
-              <a:t> der Merkmale</a:t>
-            </a:r>
-          </a:p>
-          <a:p>
-            <a:r>
-              <a:rPr lang="de-DE" dirty="0">
-                <a:sym typeface="Wingdings" panose="05000000000000000000" pitchFamily="2" charset="2"/>
-              </a:rPr>
-              <a:t>Eigene Funktion geschrieben: Zunächst komplett standardmäßig </a:t>
-            </a:r>
-            <a:r>
-              <a:rPr lang="de-DE" dirty="0" err="1">
-                <a:sym typeface="Wingdings" panose="05000000000000000000" pitchFamily="2" charset="2"/>
-              </a:rPr>
-              <a:t>binarisieren</a:t>
-            </a:r>
-            <a:r>
-              <a:rPr lang="de-DE" dirty="0">
-                <a:sym typeface="Wingdings" panose="05000000000000000000" pitchFamily="2" charset="2"/>
-              </a:rPr>
-              <a:t>, danach von unten heran eine kleine Box bauen  prüft den Schwarzanteil (nicht Wolke) zum Weißanteil (Wolke), sobald dieser einen bestimmen Wert erreicht  untere Grenze gefunden und Bild wieder auf Standardformat bringen.</a:t>
-            </a:r>
             <a:endParaRPr lang="de-DE" dirty="0"/>
           </a:p>
         </p:txBody>
@@ -2114,7 +2200,7 @@
           <a:p>
             <a:fld id="{FFA30538-EFC0-4593-81AF-509E83D5B3F4}" type="slidenum">
               <a:rPr lang="de-DE" smtClean="0"/>
-              <a:t>9</a:t>
+              <a:t>8</a:t>
             </a:fld>
             <a:endParaRPr lang="de-DE"/>
           </a:p>
@@ -2123,7 +2209,7 @@
     </p:spTree>
     <p:extLst>
       <p:ext uri="{BB962C8B-B14F-4D97-AF65-F5344CB8AC3E}">
-        <p14:creationId xmlns:p14="http://schemas.microsoft.com/office/powerpoint/2010/main" val="2042746959"/>
+        <p14:creationId xmlns:p14="http://schemas.microsoft.com/office/powerpoint/2010/main" val="1436408590"/>
       </p:ext>
     </p:extLst>
   </p:cSld>
@@ -2179,8 +2265,87 @@
           <a:p>
             <a:r>
               <a:rPr lang="de-DE" dirty="0"/>
+              <a:t>Zunächst Bildung des arithmetischen Mittels, dies ist unser </a:t>
+            </a:r>
+            <a:r>
+              <a:rPr lang="de-DE" dirty="0" err="1"/>
+              <a:t>Treshold</a:t>
+            </a:r>
+            <a:r>
+              <a:rPr lang="de-DE" dirty="0"/>
+              <a:t> für das </a:t>
+            </a:r>
+            <a:r>
+              <a:rPr lang="de-DE" dirty="0" err="1"/>
+              <a:t>binarisieren</a:t>
+            </a:r>
+            <a:endParaRPr lang="de-DE" dirty="0"/>
+          </a:p>
+          <a:p>
+            <a:pPr marL="171450" indent="-171450">
+              <a:buFont typeface="Wingdings" panose="05000000000000000000" pitchFamily="2" charset="2"/>
+              <a:buChar char="è"/>
+            </a:pPr>
+            <a:r>
+              <a:rPr lang="de-DE" dirty="0">
+                <a:sym typeface="Wingdings" panose="05000000000000000000" pitchFamily="2" charset="2"/>
+              </a:rPr>
+              <a:t>Durch </a:t>
+            </a:r>
+            <a:r>
+              <a:rPr lang="de-DE" dirty="0" err="1">
+                <a:sym typeface="Wingdings" panose="05000000000000000000" pitchFamily="2" charset="2"/>
+              </a:rPr>
+              <a:t>umwandlung</a:t>
+            </a:r>
+            <a:r>
+              <a:rPr lang="de-DE" dirty="0">
+                <a:sym typeface="Wingdings" panose="05000000000000000000" pitchFamily="2" charset="2"/>
+              </a:rPr>
+              <a:t> in den HSV Raum gewisse Farbräume gleich aussortiert, die niemals im Himmel vorkommen können</a:t>
+            </a:r>
+          </a:p>
+          <a:p>
+            <a:pPr marL="171450" indent="-171450">
+              <a:buFont typeface="Wingdings" panose="05000000000000000000" pitchFamily="2" charset="2"/>
+              <a:buChar char="è"/>
+            </a:pPr>
+            <a:r>
+              <a:rPr lang="de-DE" dirty="0">
+                <a:sym typeface="Wingdings" panose="05000000000000000000" pitchFamily="2" charset="2"/>
+              </a:rPr>
+              <a:t>Region </a:t>
+            </a:r>
+            <a:r>
+              <a:rPr lang="de-DE" dirty="0" err="1">
+                <a:sym typeface="Wingdings" panose="05000000000000000000" pitchFamily="2" charset="2"/>
+              </a:rPr>
+              <a:t>growing</a:t>
+            </a:r>
+            <a:r>
+              <a:rPr lang="de-DE" dirty="0">
+                <a:sym typeface="Wingdings" panose="05000000000000000000" pitchFamily="2" charset="2"/>
+              </a:rPr>
+              <a:t> ging </a:t>
+            </a:r>
+            <a:r>
+              <a:rPr lang="de-DE" dirty="0" err="1">
+                <a:sym typeface="Wingdings" panose="05000000000000000000" pitchFamily="2" charset="2"/>
+              </a:rPr>
+              <a:t>nich</a:t>
+            </a:r>
+            <a:endParaRPr lang="de-DE" dirty="0"/>
+          </a:p>
+          <a:p>
+            <a:endParaRPr lang="de-DE" dirty="0"/>
+          </a:p>
+          <a:p>
+            <a:r>
+              <a:rPr lang="de-DE" dirty="0"/>
               <a:t>Haben vor allem am unteren Rand der Bilder oft noch Boden zu sehen </a:t>
             </a:r>
+          </a:p>
+          <a:p>
             <a:r>
               <a:rPr lang="de-DE" dirty="0">
                 <a:sym typeface="Wingdings" panose="05000000000000000000" pitchFamily="2" charset="2"/>
@@ -2217,7 +2382,55 @@
               <a:rPr lang="de-DE" dirty="0">
                 <a:sym typeface="Wingdings" panose="05000000000000000000" pitchFamily="2" charset="2"/>
               </a:rPr>
-              <a:t>, danach von unten heran eine kleine Box bauen  prüft den Schwarzanteil (nicht Wolke) zum Weißanteil (Wolke), sobald dieser einen bestimmen Wert erreicht  untere Grenze gefunden und Bild wieder auf Standardformat bringen.</a:t>
+              <a:t>, danach von unten heran eine kleine Box bauen weil wir den </a:t>
+            </a:r>
+            <a:r>
+              <a:rPr lang="de-DE" dirty="0" err="1">
+                <a:sym typeface="Wingdings" panose="05000000000000000000" pitchFamily="2" charset="2"/>
+              </a:rPr>
+              <a:t>himmel</a:t>
+            </a:r>
+            <a:r>
+              <a:rPr lang="de-DE" dirty="0">
+                <a:sym typeface="Wingdings" panose="05000000000000000000" pitchFamily="2" charset="2"/>
+              </a:rPr>
+              <a:t> meistens auch haben wollen</a:t>
+            </a:r>
+          </a:p>
+          <a:p>
+            <a:pPr marL="171450" indent="-171450">
+              <a:buFont typeface="Wingdings" panose="05000000000000000000" pitchFamily="2" charset="2"/>
+              <a:buChar char="è"/>
+            </a:pPr>
+            <a:r>
+              <a:rPr lang="de-DE" dirty="0">
+                <a:sym typeface="Wingdings" panose="05000000000000000000" pitchFamily="2" charset="2"/>
+              </a:rPr>
+              <a:t>prüft den Schwarzanteil (nicht Himmel) zum Weißanteil (Himmel) des </a:t>
+            </a:r>
+            <a:r>
+              <a:rPr lang="de-DE" dirty="0" err="1">
+                <a:sym typeface="Wingdings" panose="05000000000000000000" pitchFamily="2" charset="2"/>
+              </a:rPr>
+              <a:t>binarisierten</a:t>
+            </a:r>
+            <a:r>
+              <a:rPr lang="de-DE" dirty="0">
+                <a:sym typeface="Wingdings" panose="05000000000000000000" pitchFamily="2" charset="2"/>
+              </a:rPr>
+              <a:t> Bildes, sobald dieser einen bestimmen Wert erreicht</a:t>
+            </a:r>
+          </a:p>
+          <a:p>
+            <a:pPr marL="171450" indent="-171450">
+              <a:buFont typeface="Wingdings" panose="05000000000000000000" pitchFamily="2" charset="2"/>
+              <a:buChar char="è"/>
+            </a:pPr>
+            <a:r>
+              <a:rPr lang="de-DE" dirty="0">
+                <a:sym typeface="Wingdings" panose="05000000000000000000" pitchFamily="2" charset="2"/>
+              </a:rPr>
+              <a:t> untere Grenze gefunden und Bild wieder auf Standardformat bringen.</a:t>
             </a:r>
             <a:endParaRPr lang="de-DE" dirty="0"/>
           </a:p>
@@ -2240,7 +2453,7 @@
           <a:p>
             <a:fld id="{FFA30538-EFC0-4593-81AF-509E83D5B3F4}" type="slidenum">
               <a:rPr lang="de-DE" smtClean="0"/>
-              <a:t>10</a:t>
+              <a:t>9</a:t>
             </a:fld>
             <a:endParaRPr lang="de-DE"/>
           </a:p>
@@ -2249,7 +2462,7 @@
     </p:spTree>
     <p:extLst>
       <p:ext uri="{BB962C8B-B14F-4D97-AF65-F5344CB8AC3E}">
-        <p14:creationId xmlns:p14="http://schemas.microsoft.com/office/powerpoint/2010/main" val="2601506680"/>
+        <p14:creationId xmlns:p14="http://schemas.microsoft.com/office/powerpoint/2010/main" val="2042746959"/>
       </p:ext>
     </p:extLst>
   </p:cSld>
@@ -2305,45 +2518,13 @@
           <a:p>
             <a:r>
               <a:rPr lang="de-DE" dirty="0"/>
-              <a:t>Haben vor allem am unteren Rand der Bilder oft noch Boden zu sehen </a:t>
+              <a:t>Gutes Ergebnis </a:t>
             </a:r>
             <a:r>
               <a:rPr lang="de-DE" dirty="0">
                 <a:sym typeface="Wingdings" panose="05000000000000000000" pitchFamily="2" charset="2"/>
               </a:rPr>
-              <a:t> wegbekommen da sonst </a:t>
-            </a:r>
-            <a:r>
-              <a:rPr lang="de-DE" dirty="0" err="1">
-                <a:sym typeface="Wingdings" panose="05000000000000000000" pitchFamily="2" charset="2"/>
-              </a:rPr>
-              <a:t>verfälschung</a:t>
-            </a:r>
-            <a:r>
-              <a:rPr lang="de-DE" dirty="0">
-                <a:sym typeface="Wingdings" panose="05000000000000000000" pitchFamily="2" charset="2"/>
-              </a:rPr>
-              <a:t> der Merkmale</a:t>
-            </a:r>
-          </a:p>
-          <a:p>
-            <a:r>
-              <a:rPr lang="de-DE" dirty="0">
-                <a:sym typeface="Wingdings" panose="05000000000000000000" pitchFamily="2" charset="2"/>
-              </a:rPr>
-              <a:t>Eigene Funktion geschrieben: Zunächst komplett standardmäßig </a:t>
-            </a:r>
-            <a:r>
-              <a:rPr lang="de-DE" dirty="0" err="1">
-                <a:sym typeface="Wingdings" panose="05000000000000000000" pitchFamily="2" charset="2"/>
-              </a:rPr>
-              <a:t>binarisieren</a:t>
-            </a:r>
-            <a:r>
-              <a:rPr lang="de-DE" dirty="0">
-                <a:sym typeface="Wingdings" panose="05000000000000000000" pitchFamily="2" charset="2"/>
-              </a:rPr>
-              <a:t>, danach von unten heran eine kleine Box bauen  prüft den Schwarzanteil (nicht Wolke) zum Weißanteil (Wolke), sobald dieser einen bestimmen Wert erreicht  untere Grenze gefunden und Bild wieder auf Standardformat bringen.</a:t>
+              <a:t></a:t>
             </a:r>
             <a:endParaRPr lang="de-DE" dirty="0"/>
           </a:p>
@@ -2366,7 +2547,7 @@
           <a:p>
             <a:fld id="{FFA30538-EFC0-4593-81AF-509E83D5B3F4}" type="slidenum">
               <a:rPr lang="de-DE" smtClean="0"/>
-              <a:t>11</a:t>
+              <a:t>10</a:t>
             </a:fld>
             <a:endParaRPr lang="de-DE"/>
           </a:p>
@@ -2375,7 +2556,7 @@
     </p:spTree>
     <p:extLst>
       <p:ext uri="{BB962C8B-B14F-4D97-AF65-F5344CB8AC3E}">
-        <p14:creationId xmlns:p14="http://schemas.microsoft.com/office/powerpoint/2010/main" val="142956413"/>
+        <p14:creationId xmlns:p14="http://schemas.microsoft.com/office/powerpoint/2010/main" val="2601506680"/>
       </p:ext>
     </p:extLst>
   </p:cSld>

--- a/ausarbeitung/Wolken (1).pptx
+++ b/ausarbeitung/Wolken (1).pptx
@@ -5,7 +5,7 @@
     <p:sldMasterId id="2147483690" r:id="rId1"/>
   </p:sldMasterIdLst>
   <p:notesMasterIdLst>
-    <p:notesMasterId r:id="rId23"/>
+    <p:notesMasterId r:id="rId24"/>
   </p:notesMasterIdLst>
   <p:sldIdLst>
     <p:sldId id="256" r:id="rId2"/>
@@ -22,13 +22,14 @@
     <p:sldId id="273" r:id="rId13"/>
     <p:sldId id="274" r:id="rId14"/>
     <p:sldId id="275" r:id="rId15"/>
-    <p:sldId id="265" r:id="rId16"/>
-    <p:sldId id="263" r:id="rId17"/>
-    <p:sldId id="277" r:id="rId18"/>
-    <p:sldId id="266" r:id="rId19"/>
-    <p:sldId id="268" r:id="rId20"/>
-    <p:sldId id="269" r:id="rId21"/>
-    <p:sldId id="279" r:id="rId22"/>
+    <p:sldId id="280" r:id="rId16"/>
+    <p:sldId id="265" r:id="rId17"/>
+    <p:sldId id="263" r:id="rId18"/>
+    <p:sldId id="277" r:id="rId19"/>
+    <p:sldId id="266" r:id="rId20"/>
+    <p:sldId id="268" r:id="rId21"/>
+    <p:sldId id="269" r:id="rId22"/>
+    <p:sldId id="279" r:id="rId23"/>
   </p:sldIdLst>
   <p:sldSz cx="12192000" cy="6858000"/>
   <p:notesSz cx="6858000" cy="9144000"/>
@@ -536,50 +537,6 @@
           <a:bodyPr/>
           <a:lstStyle/>
           <a:p>
-            <a:pPr marL="0" marR="0" lvl="0" indent="0" algn="l" defTabSz="914400" rtl="0" eaLnBrk="1" fontAlgn="auto" latinLnBrk="0" hangingPunct="1">
-              <a:lnSpc>
-                <a:spcPct val="100000"/>
-              </a:lnSpc>
-              <a:spcBef>
-                <a:spcPts val="0"/>
-              </a:spcBef>
-              <a:spcAft>
-                <a:spcPts val="0"/>
-              </a:spcAft>
-              <a:buClrTx/>
-              <a:buSzTx/>
-              <a:buFontTx/>
-              <a:buNone/>
-              <a:tabLst/>
-              <a:defRPr/>
-            </a:pPr>
-            <a:r>
-              <a:rPr lang="de-DE" sz="1200" b="0" i="0" u="none" strike="noStrike" kern="1200" dirty="0">
-                <a:solidFill>
-                  <a:schemeClr val="tx1"/>
-                </a:solidFill>
-                <a:effectLst/>
-                <a:latin typeface="+mn-lt"/>
-                <a:ea typeface="+mn-ea"/>
-                <a:cs typeface="+mn-cs"/>
-                <a:hlinkClick r:id="rId3"/>
-              </a:rPr>
-              <a:t>Weltorganisation für Meteorologie</a:t>
-            </a:r>
-            <a:endParaRPr lang="de-DE" sz="1200" b="0" i="0" kern="1200" dirty="0">
-              <a:solidFill>
-                <a:schemeClr val="tx1"/>
-              </a:solidFill>
-              <a:effectLst/>
-              <a:latin typeface="+mn-lt"/>
-              <a:ea typeface="+mn-ea"/>
-              <a:cs typeface="+mn-cs"/>
-            </a:endParaRPr>
-          </a:p>
-          <a:p>
-            <a:endParaRPr lang="de-DE" dirty="0"/>
-          </a:p>
-          <a:p>
             <a:r>
               <a:rPr lang="de-DE" dirty="0"/>
               <a:t>Dafür eigene </a:t>
@@ -709,7 +666,7 @@
           <a:p>
             <a:fld id="{FFA30538-EFC0-4593-81AF-509E83D5B3F4}" type="slidenum">
               <a:rPr lang="de-DE" smtClean="0"/>
-              <a:t>11</a:t>
+              <a:t>12</a:t>
             </a:fld>
             <a:endParaRPr lang="de-DE"/>
           </a:p>
@@ -718,7 +675,7 @@
     </p:spTree>
     <p:extLst>
       <p:ext uri="{BB962C8B-B14F-4D97-AF65-F5344CB8AC3E}">
-        <p14:creationId xmlns:p14="http://schemas.microsoft.com/office/powerpoint/2010/main" val="142956413"/>
+        <p14:creationId xmlns:p14="http://schemas.microsoft.com/office/powerpoint/2010/main" val="529956990"/>
       </p:ext>
     </p:extLst>
   </p:cSld>
@@ -774,13 +731,45 @@
           <a:p>
             <a:r>
               <a:rPr lang="de-DE" dirty="0"/>
-              <a:t>Gutes Ergebnis </a:t>
+              <a:t>Haben vor allem am unteren Rand der Bilder oft noch Boden zu sehen </a:t>
             </a:r>
             <a:r>
               <a:rPr lang="de-DE" dirty="0">
                 <a:sym typeface="Wingdings" panose="05000000000000000000" pitchFamily="2" charset="2"/>
               </a:rPr>
-              <a:t></a:t>
+              <a:t> wegbekommen da sonst </a:t>
+            </a:r>
+            <a:r>
+              <a:rPr lang="de-DE" dirty="0" err="1">
+                <a:sym typeface="Wingdings" panose="05000000000000000000" pitchFamily="2" charset="2"/>
+              </a:rPr>
+              <a:t>verfälschung</a:t>
+            </a:r>
+            <a:r>
+              <a:rPr lang="de-DE" dirty="0">
+                <a:sym typeface="Wingdings" panose="05000000000000000000" pitchFamily="2" charset="2"/>
+              </a:rPr>
+              <a:t> der Merkmale</a:t>
+            </a:r>
+          </a:p>
+          <a:p>
+            <a:r>
+              <a:rPr lang="de-DE" dirty="0">
+                <a:sym typeface="Wingdings" panose="05000000000000000000" pitchFamily="2" charset="2"/>
+              </a:rPr>
+              <a:t>Eigene Funktion geschrieben: Zunächst komplett standardmäßig </a:t>
+            </a:r>
+            <a:r>
+              <a:rPr lang="de-DE" dirty="0" err="1">
+                <a:sym typeface="Wingdings" panose="05000000000000000000" pitchFamily="2" charset="2"/>
+              </a:rPr>
+              <a:t>binarisieren</a:t>
+            </a:r>
+            <a:r>
+              <a:rPr lang="de-DE" dirty="0">
+                <a:sym typeface="Wingdings" panose="05000000000000000000" pitchFamily="2" charset="2"/>
+              </a:rPr>
+              <a:t>, danach von unten heran eine kleine Box bauen  prüft den Schwarzanteil (nicht Wolke) zum Weißanteil (Wolke), sobald dieser einen bestimmen Wert erreicht  untere Grenze gefunden und Bild wieder auf Standardformat bringen.</a:t>
             </a:r>
             <a:endParaRPr lang="de-DE" dirty="0"/>
           </a:p>
@@ -803,7 +792,7 @@
           <a:p>
             <a:fld id="{FFA30538-EFC0-4593-81AF-509E83D5B3F4}" type="slidenum">
               <a:rPr lang="de-DE" smtClean="0"/>
-              <a:t>12</a:t>
+              <a:t>13</a:t>
             </a:fld>
             <a:endParaRPr lang="de-DE"/>
           </a:p>
@@ -812,7 +801,7 @@
     </p:spTree>
     <p:extLst>
       <p:ext uri="{BB962C8B-B14F-4D97-AF65-F5344CB8AC3E}">
-        <p14:creationId xmlns:p14="http://schemas.microsoft.com/office/powerpoint/2010/main" val="529956990"/>
+        <p14:creationId xmlns:p14="http://schemas.microsoft.com/office/powerpoint/2010/main" val="500637885"/>
       </p:ext>
     </p:extLst>
   </p:cSld>
@@ -866,24 +855,6 @@
           <a:bodyPr/>
           <a:lstStyle/>
           <a:p>
-            <a:r>
-              <a:rPr lang="de-DE" dirty="0"/>
-              <a:t>Schlechtes Ergebnis :C… manche Bilder funktionieren so halt </a:t>
-            </a:r>
-            <a:r>
-              <a:rPr lang="de-DE" dirty="0" err="1"/>
-              <a:t>nich</a:t>
-            </a:r>
-            <a:r>
-              <a:rPr lang="de-DE" dirty="0"/>
-              <a:t> </a:t>
-            </a:r>
-            <a:r>
-              <a:rPr lang="de-DE" dirty="0">
-                <a:sym typeface="Wingdings" panose="05000000000000000000" pitchFamily="2" charset="2"/>
-              </a:rPr>
-              <a:t></a:t>
-            </a:r>
             <a:endParaRPr lang="de-DE" dirty="0"/>
           </a:p>
         </p:txBody>
@@ -905,7 +876,7 @@
           <a:p>
             <a:fld id="{FFA30538-EFC0-4593-81AF-509E83D5B3F4}" type="slidenum">
               <a:rPr lang="de-DE" smtClean="0"/>
-              <a:t>13</a:t>
+              <a:t>14</a:t>
             </a:fld>
             <a:endParaRPr lang="de-DE"/>
           </a:p>
@@ -914,7 +885,7 @@
     </p:spTree>
     <p:extLst>
       <p:ext uri="{BB962C8B-B14F-4D97-AF65-F5344CB8AC3E}">
-        <p14:creationId xmlns:p14="http://schemas.microsoft.com/office/powerpoint/2010/main" val="500637885"/>
+        <p14:creationId xmlns:p14="http://schemas.microsoft.com/office/powerpoint/2010/main" val="2989138397"/>
       </p:ext>
     </p:extLst>
   </p:cSld>
@@ -970,15 +941,46 @@
           <a:p>
             <a:r>
               <a:rPr lang="de-DE" dirty="0"/>
-              <a:t>Gutes Ergebnis </a:t>
-            </a:r>
-            <a:r>
-              <a:rPr lang="de-DE" dirty="0">
-                <a:sym typeface="Wingdings" panose="05000000000000000000" pitchFamily="2" charset="2"/>
-              </a:rPr>
-              <a:t></a:t>
-            </a:r>
+              <a:t>Ca. 41 % Richtige.</a:t>
+            </a:r>
+          </a:p>
+          <a:p>
+            <a:r>
+              <a:rPr lang="de-DE" dirty="0"/>
+              <a:t>Die Kanten werden mit Sobel gefunden. Vorher wird der </a:t>
+            </a:r>
+            <a:r>
+              <a:rPr lang="de-DE" dirty="0" err="1"/>
+              <a:t>Gaussfilter</a:t>
+            </a:r>
+            <a:r>
+              <a:rPr lang="de-DE" dirty="0"/>
+              <a:t> (Weichzeichnen) angewendet, damit die Kanten dicker werden.</a:t>
+            </a:r>
+          </a:p>
+          <a:p>
+            <a:r>
+              <a:rPr lang="de-DE" dirty="0"/>
+              <a:t>Auswertung des Kantenbildes: Weißwerte pro Zeile addieren, sodass ein Art Histogramm entsteht.</a:t>
+            </a:r>
+            <a:br>
+              <a:rPr lang="de-DE" dirty="0"/>
+            </a:br>
             <a:endParaRPr lang="de-DE" dirty="0"/>
+          </a:p>
+          <a:p>
+            <a:r>
+              <a:rPr lang="de-DE" dirty="0"/>
+              <a:t>Bei Nachfrage: </a:t>
+            </a:r>
+            <a:r>
+              <a:rPr lang="de-DE" dirty="0" err="1"/>
+              <a:t>Stratocumuliform</a:t>
+            </a:r>
+            <a:r>
+              <a:rPr lang="de-DE" dirty="0"/>
+              <a:t> ;)</a:t>
+            </a:r>
           </a:p>
         </p:txBody>
       </p:sp>
@@ -999,7 +1001,7 @@
           <a:p>
             <a:fld id="{FFA30538-EFC0-4593-81AF-509E83D5B3F4}" type="slidenum">
               <a:rPr lang="de-DE" smtClean="0"/>
-              <a:t>14</a:t>
+              <a:t>15</a:t>
             </a:fld>
             <a:endParaRPr lang="de-DE"/>
           </a:p>
@@ -1008,7 +1010,7 @@
     </p:spTree>
     <p:extLst>
       <p:ext uri="{BB962C8B-B14F-4D97-AF65-F5344CB8AC3E}">
-        <p14:creationId xmlns:p14="http://schemas.microsoft.com/office/powerpoint/2010/main" val="2989138397"/>
+        <p14:creationId xmlns:p14="http://schemas.microsoft.com/office/powerpoint/2010/main" val="1193158337"/>
       </p:ext>
     </p:extLst>
   </p:cSld>
@@ -1094,7 +1096,7 @@
           <a:p>
             <a:fld id="{FFA30538-EFC0-4593-81AF-509E83D5B3F4}" type="slidenum">
               <a:rPr lang="de-DE" smtClean="0"/>
-              <a:t>15</a:t>
+              <a:t>16</a:t>
             </a:fld>
             <a:endParaRPr lang="de-DE"/>
           </a:p>
@@ -1292,7 +1294,7 @@
           <a:p>
             <a:fld id="{FFA30538-EFC0-4593-81AF-509E83D5B3F4}" type="slidenum">
               <a:rPr lang="de-DE" smtClean="0"/>
-              <a:t>16</a:t>
+              <a:t>17</a:t>
             </a:fld>
             <a:endParaRPr lang="de-DE"/>
           </a:p>
@@ -1372,9 +1374,10 @@
               <a:t>sehr</a:t>
             </a:r>
             <a:r>
-              <a:rPr lang="de-DE" dirty="0"/>
+              <a:rPr lang="de-DE"/>
               <a:t> gleich aus.</a:t>
             </a:r>
+            <a:endParaRPr lang="de-DE" dirty="0"/>
           </a:p>
         </p:txBody>
       </p:sp>
@@ -1395,7 +1398,7 @@
           <a:p>
             <a:fld id="{FFA30538-EFC0-4593-81AF-509E83D5B3F4}" type="slidenum">
               <a:rPr lang="de-DE" smtClean="0"/>
-              <a:t>17</a:t>
+              <a:t>18</a:t>
             </a:fld>
             <a:endParaRPr lang="de-DE"/>
           </a:p>
@@ -1487,7 +1490,7 @@
           <a:p>
             <a:fld id="{FFA30538-EFC0-4593-81AF-509E83D5B3F4}" type="slidenum">
               <a:rPr lang="de-DE" smtClean="0"/>
-              <a:t>18</a:t>
+              <a:t>19</a:t>
             </a:fld>
             <a:endParaRPr lang="de-DE"/>
           </a:p>
@@ -1637,7 +1640,7 @@
           <a:p>
             <a:fld id="{FFA30538-EFC0-4593-81AF-509E83D5B3F4}" type="slidenum">
               <a:rPr lang="de-DE" smtClean="0"/>
-              <a:t>19</a:t>
+              <a:t>20</a:t>
             </a:fld>
             <a:endParaRPr lang="de-DE"/>
           </a:p>
@@ -2094,7 +2097,25 @@
           <a:p>
             <a:r>
               <a:rPr lang="de-DE" dirty="0"/>
-              <a:t>Naturgewalten verfälschen unsere Merkmale stark</a:t>
+              <a:t>Schichtwolke; tritt entweder als faseriger Schleier, in dem dünne Streifenbildung vorhanden sein kann, oder als schleierartiger Nebel auf; kann die Sonne nie komplett verdecken</a:t>
+            </a:r>
+          </a:p>
+          <a:p>
+            <a:r>
+              <a:rPr lang="de-DE" dirty="0"/>
+              <a:t>graue, mittelhohe Schichtwolke ohne Konturen</a:t>
+            </a:r>
+          </a:p>
+          <a:p>
+            <a:r>
+              <a:rPr lang="de-DE" dirty="0"/>
+              <a:t>Stark ausgedehnte, dunkelgraue Schicht; starke vertikale Ausdehnung.</a:t>
+            </a:r>
+          </a:p>
+          <a:p>
+            <a:r>
+              <a:rPr lang="de-DE" dirty="0"/>
+              <a:t>niedere Schichtwolken, werden auch als Hochnebel oder Höhennebel bezeichnet; völlig strukturlos</a:t>
             </a:r>
           </a:p>
         </p:txBody>
@@ -2179,6 +2200,175 @@
           <a:bodyPr/>
           <a:lstStyle/>
           <a:p>
+            <a:r>
+              <a:rPr lang="de-DE" dirty="0"/>
+              <a:t>Zunächst Bildung des arithmetischen Mittels, dies ist unser </a:t>
+            </a:r>
+            <a:r>
+              <a:rPr lang="de-DE" dirty="0" err="1"/>
+              <a:t>Treshold</a:t>
+            </a:r>
+            <a:r>
+              <a:rPr lang="de-DE" dirty="0"/>
+              <a:t> für das </a:t>
+            </a:r>
+            <a:r>
+              <a:rPr lang="de-DE" dirty="0" err="1"/>
+              <a:t>binarisieren</a:t>
+            </a:r>
+            <a:endParaRPr lang="de-DE" dirty="0"/>
+          </a:p>
+          <a:p>
+            <a:pPr marL="171450" indent="-171450">
+              <a:buFont typeface="Wingdings" panose="05000000000000000000" pitchFamily="2" charset="2"/>
+              <a:buChar char="è"/>
+            </a:pPr>
+            <a:r>
+              <a:rPr lang="de-DE" dirty="0">
+                <a:sym typeface="Wingdings" panose="05000000000000000000" pitchFamily="2" charset="2"/>
+              </a:rPr>
+              <a:t>Durch </a:t>
+            </a:r>
+            <a:r>
+              <a:rPr lang="de-DE" dirty="0" err="1">
+                <a:sym typeface="Wingdings" panose="05000000000000000000" pitchFamily="2" charset="2"/>
+              </a:rPr>
+              <a:t>umwandlung</a:t>
+            </a:r>
+            <a:r>
+              <a:rPr lang="de-DE" dirty="0">
+                <a:sym typeface="Wingdings" panose="05000000000000000000" pitchFamily="2" charset="2"/>
+              </a:rPr>
+              <a:t> in den HSV Raum gewisse Farbräume gleich aussortiert, die niemals im Himmel vorkommen können</a:t>
+            </a:r>
+          </a:p>
+          <a:p>
+            <a:pPr marL="171450" indent="-171450">
+              <a:buFont typeface="Wingdings" panose="05000000000000000000" pitchFamily="2" charset="2"/>
+              <a:buChar char="è"/>
+            </a:pPr>
+            <a:r>
+              <a:rPr lang="de-DE" dirty="0">
+                <a:sym typeface="Wingdings" panose="05000000000000000000" pitchFamily="2" charset="2"/>
+              </a:rPr>
+              <a:t>Region </a:t>
+            </a:r>
+            <a:r>
+              <a:rPr lang="de-DE" dirty="0" err="1">
+                <a:sym typeface="Wingdings" panose="05000000000000000000" pitchFamily="2" charset="2"/>
+              </a:rPr>
+              <a:t>growing</a:t>
+            </a:r>
+            <a:r>
+              <a:rPr lang="de-DE" dirty="0">
+                <a:sym typeface="Wingdings" panose="05000000000000000000" pitchFamily="2" charset="2"/>
+              </a:rPr>
+              <a:t> ging </a:t>
+            </a:r>
+            <a:r>
+              <a:rPr lang="de-DE" dirty="0" err="1">
+                <a:sym typeface="Wingdings" panose="05000000000000000000" pitchFamily="2" charset="2"/>
+              </a:rPr>
+              <a:t>nich</a:t>
+            </a:r>
+            <a:endParaRPr lang="de-DE" dirty="0"/>
+          </a:p>
+          <a:p>
+            <a:endParaRPr lang="de-DE" dirty="0"/>
+          </a:p>
+          <a:p>
+            <a:r>
+              <a:rPr lang="de-DE" dirty="0"/>
+              <a:t>Haben vor allem am unteren Rand der Bilder oft noch Boden zu sehen </a:t>
+            </a:r>
+          </a:p>
+          <a:p>
+            <a:r>
+              <a:rPr lang="de-DE" dirty="0">
+                <a:sym typeface="Wingdings" panose="05000000000000000000" pitchFamily="2" charset="2"/>
+              </a:rPr>
+              <a:t> wegbekommen da sonst </a:t>
+            </a:r>
+            <a:r>
+              <a:rPr lang="de-DE" dirty="0" err="1">
+                <a:sym typeface="Wingdings" panose="05000000000000000000" pitchFamily="2" charset="2"/>
+              </a:rPr>
+              <a:t>verfälschung</a:t>
+            </a:r>
+            <a:r>
+              <a:rPr lang="de-DE" dirty="0">
+                <a:sym typeface="Wingdings" panose="05000000000000000000" pitchFamily="2" charset="2"/>
+              </a:rPr>
+              <a:t> der Merkmale</a:t>
+            </a:r>
+          </a:p>
+          <a:p>
+            <a:r>
+              <a:rPr lang="de-DE" dirty="0">
+                <a:sym typeface="Wingdings" panose="05000000000000000000" pitchFamily="2" charset="2"/>
+              </a:rPr>
+              <a:t>Eigene Funktion geschrieben: Zunächst komplett standardmäßig </a:t>
+            </a:r>
+            <a:r>
+              <a:rPr lang="de-DE" dirty="0" err="1">
+                <a:sym typeface="Wingdings" panose="05000000000000000000" pitchFamily="2" charset="2"/>
+              </a:rPr>
+              <a:t>binarisieren</a:t>
+            </a:r>
+            <a:r>
+              <a:rPr lang="de-DE" dirty="0">
+                <a:sym typeface="Wingdings" panose="05000000000000000000" pitchFamily="2" charset="2"/>
+              </a:rPr>
+              <a:t>, danach von unten heran eine kleine Box bauen weil wir den </a:t>
+            </a:r>
+            <a:r>
+              <a:rPr lang="de-DE" dirty="0" err="1">
+                <a:sym typeface="Wingdings" panose="05000000000000000000" pitchFamily="2" charset="2"/>
+              </a:rPr>
+              <a:t>himmel</a:t>
+            </a:r>
+            <a:r>
+              <a:rPr lang="de-DE" dirty="0">
+                <a:sym typeface="Wingdings" panose="05000000000000000000" pitchFamily="2" charset="2"/>
+              </a:rPr>
+              <a:t> meistens auch haben wollen</a:t>
+            </a:r>
+          </a:p>
+          <a:p>
+            <a:pPr marL="171450" indent="-171450">
+              <a:buFont typeface="Wingdings" panose="05000000000000000000" pitchFamily="2" charset="2"/>
+              <a:buChar char="è"/>
+            </a:pPr>
+            <a:r>
+              <a:rPr lang="de-DE" dirty="0">
+                <a:sym typeface="Wingdings" panose="05000000000000000000" pitchFamily="2" charset="2"/>
+              </a:rPr>
+              <a:t>prüft den Schwarzanteil (nicht Himmel) zum Weißanteil (Himmel) des </a:t>
+            </a:r>
+            <a:r>
+              <a:rPr lang="de-DE" dirty="0" err="1">
+                <a:sym typeface="Wingdings" panose="05000000000000000000" pitchFamily="2" charset="2"/>
+              </a:rPr>
+              <a:t>binarisierten</a:t>
+            </a:r>
+            <a:r>
+              <a:rPr lang="de-DE" dirty="0">
+                <a:sym typeface="Wingdings" panose="05000000000000000000" pitchFamily="2" charset="2"/>
+              </a:rPr>
+              <a:t> Bildes, sobald dieser einen bestimmen Wert erreicht</a:t>
+            </a:r>
+          </a:p>
+          <a:p>
+            <a:pPr marL="171450" indent="-171450">
+              <a:buFont typeface="Wingdings" panose="05000000000000000000" pitchFamily="2" charset="2"/>
+              <a:buChar char="è"/>
+            </a:pPr>
+            <a:r>
+              <a:rPr lang="de-DE" dirty="0">
+                <a:sym typeface="Wingdings" panose="05000000000000000000" pitchFamily="2" charset="2"/>
+              </a:rPr>
+              <a:t> untere Grenze gefunden und Bild wieder auf Standardformat bringen.</a:t>
+            </a:r>
             <a:endParaRPr lang="de-DE" dirty="0"/>
           </a:p>
         </p:txBody>
@@ -2200,7 +2390,7 @@
           <a:p>
             <a:fld id="{FFA30538-EFC0-4593-81AF-509E83D5B3F4}" type="slidenum">
               <a:rPr lang="de-DE" smtClean="0"/>
-              <a:t>8</a:t>
+              <a:t>9</a:t>
             </a:fld>
             <a:endParaRPr lang="de-DE"/>
           </a:p>
@@ -2209,7 +2399,7 @@
     </p:spTree>
     <p:extLst>
       <p:ext uri="{BB962C8B-B14F-4D97-AF65-F5344CB8AC3E}">
-        <p14:creationId xmlns:p14="http://schemas.microsoft.com/office/powerpoint/2010/main" val="1436408590"/>
+        <p14:creationId xmlns:p14="http://schemas.microsoft.com/office/powerpoint/2010/main" val="2042746959"/>
       </p:ext>
     </p:extLst>
   </p:cSld>
@@ -2265,172 +2455,13 @@
           <a:p>
             <a:r>
               <a:rPr lang="de-DE" dirty="0"/>
-              <a:t>Zunächst Bildung des arithmetischen Mittels, dies ist unser </a:t>
-            </a:r>
-            <a:r>
-              <a:rPr lang="de-DE" dirty="0" err="1"/>
-              <a:t>Treshold</a:t>
-            </a:r>
-            <a:r>
-              <a:rPr lang="de-DE" dirty="0"/>
-              <a:t> für das </a:t>
-            </a:r>
-            <a:r>
-              <a:rPr lang="de-DE" dirty="0" err="1"/>
-              <a:t>binarisieren</a:t>
-            </a:r>
-            <a:endParaRPr lang="de-DE" dirty="0"/>
-          </a:p>
-          <a:p>
-            <a:pPr marL="171450" indent="-171450">
-              <a:buFont typeface="Wingdings" panose="05000000000000000000" pitchFamily="2" charset="2"/>
-              <a:buChar char="è"/>
-            </a:pPr>
+              <a:t>Gutes Ergebnis </a:t>
+            </a:r>
             <a:r>
               <a:rPr lang="de-DE" dirty="0">
                 <a:sym typeface="Wingdings" panose="05000000000000000000" pitchFamily="2" charset="2"/>
               </a:rPr>
-              <a:t>Durch </a:t>
-            </a:r>
-            <a:r>
-              <a:rPr lang="de-DE" dirty="0" err="1">
-                <a:sym typeface="Wingdings" panose="05000000000000000000" pitchFamily="2" charset="2"/>
-              </a:rPr>
-              <a:t>umwandlung</a:t>
-            </a:r>
-            <a:r>
-              <a:rPr lang="de-DE" dirty="0">
-                <a:sym typeface="Wingdings" panose="05000000000000000000" pitchFamily="2" charset="2"/>
-              </a:rPr>
-              <a:t> in den HSV Raum gewisse Farbräume gleich aussortiert, die niemals im Himmel vorkommen können</a:t>
-            </a:r>
-          </a:p>
-          <a:p>
-            <a:pPr marL="171450" indent="-171450">
-              <a:buFont typeface="Wingdings" panose="05000000000000000000" pitchFamily="2" charset="2"/>
-              <a:buChar char="è"/>
-            </a:pPr>
-            <a:r>
-              <a:rPr lang="de-DE" dirty="0">
-                <a:sym typeface="Wingdings" panose="05000000000000000000" pitchFamily="2" charset="2"/>
-              </a:rPr>
-              <a:t>Region </a:t>
-            </a:r>
-            <a:r>
-              <a:rPr lang="de-DE" dirty="0" err="1">
-                <a:sym typeface="Wingdings" panose="05000000000000000000" pitchFamily="2" charset="2"/>
-              </a:rPr>
-              <a:t>growing</a:t>
-            </a:r>
-            <a:r>
-              <a:rPr lang="de-DE" dirty="0">
-                <a:sym typeface="Wingdings" panose="05000000000000000000" pitchFamily="2" charset="2"/>
-              </a:rPr>
-              <a:t> ging </a:t>
-            </a:r>
-            <a:r>
-              <a:rPr lang="de-DE" dirty="0" err="1">
-                <a:sym typeface="Wingdings" panose="05000000000000000000" pitchFamily="2" charset="2"/>
-              </a:rPr>
-              <a:t>nich</a:t>
-            </a:r>
-            <a:endParaRPr lang="de-DE" dirty="0"/>
-          </a:p>
-          <a:p>
-            <a:endParaRPr lang="de-DE" dirty="0"/>
-          </a:p>
-          <a:p>
-            <a:r>
-              <a:rPr lang="de-DE" dirty="0"/>
-              <a:t>Haben vor allem am unteren Rand der Bilder oft noch Boden zu sehen </a:t>
-            </a:r>
-          </a:p>
-          <a:p>
-            <a:r>
-              <a:rPr lang="de-DE" dirty="0">
-                <a:sym typeface="Wingdings" panose="05000000000000000000" pitchFamily="2" charset="2"/>
-              </a:rPr>
-              <a:t> wegbekommen da sonst </a:t>
-            </a:r>
-            <a:r>
-              <a:rPr lang="de-DE" dirty="0" err="1">
-                <a:sym typeface="Wingdings" panose="05000000000000000000" pitchFamily="2" charset="2"/>
-              </a:rPr>
-              <a:t>verfälschung</a:t>
-            </a:r>
-            <a:r>
-              <a:rPr lang="de-DE" dirty="0">
-                <a:sym typeface="Wingdings" panose="05000000000000000000" pitchFamily="2" charset="2"/>
-              </a:rPr>
-              <a:t> der Merkmale</a:t>
-            </a:r>
-          </a:p>
-          <a:p>
-            <a:r>
-              <a:rPr lang="de-DE" dirty="0">
-                <a:sym typeface="Wingdings" panose="05000000000000000000" pitchFamily="2" charset="2"/>
-              </a:rPr>
-              <a:t>Eigene Funktion geschrieben: Zunächst komplett standardmäßig </a:t>
-            </a:r>
-            <a:r>
-              <a:rPr lang="de-DE" dirty="0" err="1">
-                <a:sym typeface="Wingdings" panose="05000000000000000000" pitchFamily="2" charset="2"/>
-              </a:rPr>
-              <a:t>binarisieren</a:t>
-            </a:r>
-            <a:r>
-              <a:rPr lang="de-DE" dirty="0">
-                <a:sym typeface="Wingdings" panose="05000000000000000000" pitchFamily="2" charset="2"/>
-              </a:rPr>
-              <a:t>, danach von unten heran eine kleine Box bauen weil wir den </a:t>
-            </a:r>
-            <a:r>
-              <a:rPr lang="de-DE" dirty="0" err="1">
-                <a:sym typeface="Wingdings" panose="05000000000000000000" pitchFamily="2" charset="2"/>
-              </a:rPr>
-              <a:t>himmel</a:t>
-            </a:r>
-            <a:r>
-              <a:rPr lang="de-DE" dirty="0">
-                <a:sym typeface="Wingdings" panose="05000000000000000000" pitchFamily="2" charset="2"/>
-              </a:rPr>
-              <a:t> meistens auch haben wollen</a:t>
-            </a:r>
-          </a:p>
-          <a:p>
-            <a:pPr marL="171450" indent="-171450">
-              <a:buFont typeface="Wingdings" panose="05000000000000000000" pitchFamily="2" charset="2"/>
-              <a:buChar char="è"/>
-            </a:pPr>
-            <a:r>
-              <a:rPr lang="de-DE" dirty="0">
-                <a:sym typeface="Wingdings" panose="05000000000000000000" pitchFamily="2" charset="2"/>
-              </a:rPr>
-              <a:t>prüft den Schwarzanteil (nicht Himmel) zum Weißanteil (Himmel) des </a:t>
-            </a:r>
-            <a:r>
-              <a:rPr lang="de-DE" dirty="0" err="1">
-                <a:sym typeface="Wingdings" panose="05000000000000000000" pitchFamily="2" charset="2"/>
-              </a:rPr>
-              <a:t>binarisierten</a:t>
-            </a:r>
-            <a:r>
-              <a:rPr lang="de-DE" dirty="0">
-                <a:sym typeface="Wingdings" panose="05000000000000000000" pitchFamily="2" charset="2"/>
-              </a:rPr>
-              <a:t> Bildes, sobald dieser einen bestimmen Wert erreicht</a:t>
-            </a:r>
-          </a:p>
-          <a:p>
-            <a:pPr marL="171450" indent="-171450">
-              <a:buFont typeface="Wingdings" panose="05000000000000000000" pitchFamily="2" charset="2"/>
-              <a:buChar char="è"/>
-            </a:pPr>
-            <a:r>
-              <a:rPr lang="de-DE" dirty="0">
-                <a:sym typeface="Wingdings" panose="05000000000000000000" pitchFamily="2" charset="2"/>
-              </a:rPr>
-              <a:t> untere Grenze gefunden und Bild wieder auf Standardformat bringen.</a:t>
+              <a:t></a:t>
             </a:r>
             <a:endParaRPr lang="de-DE" dirty="0"/>
           </a:p>
@@ -2453,7 +2484,7 @@
           <a:p>
             <a:fld id="{FFA30538-EFC0-4593-81AF-509E83D5B3F4}" type="slidenum">
               <a:rPr lang="de-DE" smtClean="0"/>
-              <a:t>9</a:t>
+              <a:t>10</a:t>
             </a:fld>
             <a:endParaRPr lang="de-DE"/>
           </a:p>
@@ -2462,7 +2493,7 @@
     </p:spTree>
     <p:extLst>
       <p:ext uri="{BB962C8B-B14F-4D97-AF65-F5344CB8AC3E}">
-        <p14:creationId xmlns:p14="http://schemas.microsoft.com/office/powerpoint/2010/main" val="2042746959"/>
+        <p14:creationId xmlns:p14="http://schemas.microsoft.com/office/powerpoint/2010/main" val="2601506680"/>
       </p:ext>
     </p:extLst>
   </p:cSld>
@@ -2547,7 +2578,7 @@
           <a:p>
             <a:fld id="{FFA30538-EFC0-4593-81AF-509E83D5B3F4}" type="slidenum">
               <a:rPr lang="de-DE" smtClean="0"/>
-              <a:t>10</a:t>
+              <a:t>11</a:t>
             </a:fld>
             <a:endParaRPr lang="de-DE"/>
           </a:p>
@@ -2556,7 +2587,7 @@
     </p:spTree>
     <p:extLst>
       <p:ext uri="{BB962C8B-B14F-4D97-AF65-F5344CB8AC3E}">
-        <p14:creationId xmlns:p14="http://schemas.microsoft.com/office/powerpoint/2010/main" val="2601506680"/>
+        <p14:creationId xmlns:p14="http://schemas.microsoft.com/office/powerpoint/2010/main" val="142956413"/>
       </p:ext>
     </p:extLst>
   </p:cSld>
@@ -7879,7 +7910,7 @@
                   <a:srgbClr val="D8D8D8"/>
                 </a:solidFill>
               </a:rPr>
-              <a:t>Thilo </a:t>
+              <a:t>Maximilian </a:t>
             </a:r>
             <a:r>
               <a:rPr lang="de-DE" dirty="0" err="1">
@@ -7887,13 +7918,23 @@
                   <a:srgbClr val="D8D8D8"/>
                 </a:solidFill>
               </a:rPr>
-              <a:t>Fryen</a:t>
+              <a:t>Birkenhagen</a:t>
             </a:r>
             <a:endParaRPr lang="de-DE" dirty="0">
               <a:solidFill>
                 <a:srgbClr val="D8D8D8"/>
               </a:solidFill>
             </a:endParaRPr>
+          </a:p>
+          <a:p>
+            <a:r>
+              <a:rPr lang="de-DE" dirty="0">
+                <a:solidFill>
+                  <a:srgbClr val="D8D8D8"/>
+                </a:solidFill>
+              </a:rPr>
+              <a:t>Thilo Fryen</a:t>
+            </a:r>
           </a:p>
           <a:p>
             <a:r>
@@ -7915,36 +7956,18 @@
               <a:t>Ali </a:t>
             </a:r>
             <a:r>
-              <a:rPr lang="de-DE" err="1">
+              <a:rPr lang="de-DE" dirty="0" err="1">
                 <a:solidFill>
                   <a:srgbClr val="D8D8D8"/>
                 </a:solidFill>
               </a:rPr>
               <a:t>Pourasad</a:t>
             </a:r>
-            <a:endParaRPr lang="de-DE">
+            <a:endParaRPr lang="de-DE" dirty="0">
               <a:solidFill>
                 <a:srgbClr val="D8D8D8"/>
               </a:solidFill>
             </a:endParaRPr>
-          </a:p>
-          <a:p>
-            <a:r>
-              <a:rPr lang="de-DE" dirty="0">
-                <a:solidFill>
-                  <a:srgbClr val="D8D8D8"/>
-                </a:solidFill>
-              </a:rPr>
-              <a:t>Maximilian </a:t>
-            </a:r>
-            <a:r>
-              <a:rPr lang="de-DE" err="1">
-                <a:solidFill>
-                  <a:srgbClr val="D8D8D8"/>
-                </a:solidFill>
-              </a:rPr>
-              <a:t>Birkenhagen</a:t>
-            </a:r>
           </a:p>
         </p:txBody>
       </p:sp>
@@ -8471,6 +8494,387 @@
           <a:p>
             <a:r>
               <a:rPr lang="de-DE" dirty="0"/>
+              <a:t>Kantenerkennung</a:t>
+            </a:r>
+          </a:p>
+        </p:txBody>
+      </p:sp>
+      <p:pic>
+        <p:nvPicPr>
+          <p:cNvPr id="9" name="Grafik 8">
+            <a:extLst>
+              <a:ext uri="{FF2B5EF4-FFF2-40B4-BE49-F238E27FC236}">
+                <a16:creationId xmlns:a16="http://schemas.microsoft.com/office/drawing/2014/main" id="{BB11F558-3577-4984-905E-13B7126A6323}"/>
+              </a:ext>
+            </a:extLst>
+          </p:cNvPr>
+          <p:cNvPicPr>
+            <a:picLocks noChangeAspect="1"/>
+          </p:cNvPicPr>
+          <p:nvPr/>
+        </p:nvPicPr>
+        <p:blipFill>
+          <a:blip r:embed="rId3">
+            <a:extLst>
+              <a:ext uri="{28A0092B-C50C-407E-A947-70E740481C1C}">
+                <a14:useLocalDpi xmlns:a14="http://schemas.microsoft.com/office/drawing/2010/main" val="0"/>
+              </a:ext>
+            </a:extLst>
+          </a:blip>
+          <a:stretch>
+            <a:fillRect/>
+          </a:stretch>
+        </p:blipFill>
+        <p:spPr>
+          <a:xfrm>
+            <a:off x="243828" y="1434424"/>
+            <a:ext cx="5852172" cy="4370841"/>
+          </a:xfrm>
+          <a:prstGeom prst="rect">
+            <a:avLst/>
+          </a:prstGeom>
+        </p:spPr>
+      </p:pic>
+      <p:pic>
+        <p:nvPicPr>
+          <p:cNvPr id="12" name="Grafik 11">
+            <a:extLst>
+              <a:ext uri="{FF2B5EF4-FFF2-40B4-BE49-F238E27FC236}">
+                <a16:creationId xmlns:a16="http://schemas.microsoft.com/office/drawing/2014/main" id="{466863B8-327B-4B6B-8857-388F7915F74E}"/>
+              </a:ext>
+            </a:extLst>
+          </p:cNvPr>
+          <p:cNvPicPr>
+            <a:picLocks noChangeAspect="1"/>
+          </p:cNvPicPr>
+          <p:nvPr/>
+        </p:nvPicPr>
+        <p:blipFill>
+          <a:blip r:embed="rId4">
+            <a:extLst>
+              <a:ext uri="{28A0092B-C50C-407E-A947-70E740481C1C}">
+                <a14:useLocalDpi xmlns:a14="http://schemas.microsoft.com/office/drawing/2010/main" val="0"/>
+              </a:ext>
+            </a:extLst>
+          </a:blip>
+          <a:stretch>
+            <a:fillRect/>
+          </a:stretch>
+        </p:blipFill>
+        <p:spPr>
+          <a:xfrm>
+            <a:off x="6096000" y="1434424"/>
+            <a:ext cx="5852172" cy="4370841"/>
+          </a:xfrm>
+          <a:prstGeom prst="rect">
+            <a:avLst/>
+          </a:prstGeom>
+        </p:spPr>
+      </p:pic>
+      <p:sp>
+        <p:nvSpPr>
+          <p:cNvPr id="8" name="Pfeil: nach rechts 7">
+            <a:extLst>
+              <a:ext uri="{FF2B5EF4-FFF2-40B4-BE49-F238E27FC236}">
+                <a16:creationId xmlns:a16="http://schemas.microsoft.com/office/drawing/2014/main" id="{23D2E248-6082-4B04-A3D8-3D2438A5647B}"/>
+              </a:ext>
+            </a:extLst>
+          </p:cNvPr>
+          <p:cNvSpPr/>
+          <p:nvPr/>
+        </p:nvSpPr>
+        <p:spPr>
+          <a:xfrm>
+            <a:off x="5468251" y="3377528"/>
+            <a:ext cx="978408" cy="484632"/>
+          </a:xfrm>
+          <a:prstGeom prst="rightArrow">
+            <a:avLst/>
+          </a:prstGeom>
+          <a:solidFill>
+            <a:schemeClr val="accent2">
+              <a:lumMod val="60000"/>
+              <a:lumOff val="40000"/>
+            </a:schemeClr>
+          </a:solidFill>
+        </p:spPr>
+        <p:style>
+          <a:lnRef idx="2">
+            <a:schemeClr val="accent6"/>
+          </a:lnRef>
+          <a:fillRef idx="1">
+            <a:schemeClr val="lt1"/>
+          </a:fillRef>
+          <a:effectRef idx="0">
+            <a:schemeClr val="accent6"/>
+          </a:effectRef>
+          <a:fontRef idx="minor">
+            <a:schemeClr val="dk1"/>
+          </a:fontRef>
+        </p:style>
+        <p:txBody>
+          <a:bodyPr rtlCol="0" anchor="ctr"/>
+          <a:lstStyle/>
+          <a:p>
+            <a:pPr algn="ctr"/>
+            <a:endParaRPr lang="de-DE">
+              <a:solidFill>
+                <a:srgbClr val="EF47C8"/>
+              </a:solidFill>
+            </a:endParaRPr>
+          </a:p>
+        </p:txBody>
+      </p:sp>
+      <p:sp>
+        <p:nvSpPr>
+          <p:cNvPr id="11" name="Textfeld 10">
+            <a:extLst>
+              <a:ext uri="{FF2B5EF4-FFF2-40B4-BE49-F238E27FC236}">
+                <a16:creationId xmlns:a16="http://schemas.microsoft.com/office/drawing/2014/main" id="{9F098570-7A38-4888-A8DF-87DE575E93BB}"/>
+              </a:ext>
+            </a:extLst>
+          </p:cNvPr>
+          <p:cNvSpPr txBox="1"/>
+          <p:nvPr/>
+        </p:nvSpPr>
+        <p:spPr>
+          <a:xfrm>
+            <a:off x="4585855" y="3019679"/>
+            <a:ext cx="2743200" cy="1200329"/>
+          </a:xfrm>
+          <a:prstGeom prst="rect">
+            <a:avLst/>
+          </a:prstGeom>
+        </p:spPr>
+        <p:txBody>
+          <a:bodyPr rot="0" spcFirstLastPara="0" vertOverflow="overflow" horzOverflow="overflow" vert="horz" wrap="square" lIns="91440" tIns="45720" rIns="91440" bIns="45720" numCol="1" spcCol="0" rtlCol="0" fromWordArt="0" anchor="t" anchorCtr="0" forceAA="0" compatLnSpc="1">
+            <a:prstTxWarp prst="textNoShape">
+              <a:avLst/>
+            </a:prstTxWarp>
+            <a:spAutoFit/>
+          </a:bodyPr>
+          <a:lstStyle/>
+          <a:p>
+            <a:pPr algn="ctr"/>
+            <a:r>
+              <a:rPr lang="de-DE" sz="2400" dirty="0" err="1">
+                <a:solidFill>
+                  <a:schemeClr val="bg2"/>
+                </a:solidFill>
+              </a:rPr>
+              <a:t>Gauss</a:t>
+            </a:r>
+            <a:endParaRPr lang="de-DE" sz="2400" dirty="0">
+              <a:solidFill>
+                <a:schemeClr val="bg2"/>
+              </a:solidFill>
+            </a:endParaRPr>
+          </a:p>
+          <a:p>
+            <a:pPr algn="ctr"/>
+            <a:r>
+              <a:rPr lang="de-DE" sz="2400" dirty="0">
+                <a:solidFill>
+                  <a:schemeClr val="bg2"/>
+                </a:solidFill>
+              </a:rPr>
+              <a:t>&amp;</a:t>
+            </a:r>
+            <a:br>
+              <a:rPr lang="de-DE" sz="2400" dirty="0">
+                <a:solidFill>
+                  <a:schemeClr val="bg2"/>
+                </a:solidFill>
+              </a:rPr>
+            </a:br>
+            <a:r>
+              <a:rPr lang="de-DE" sz="2400" dirty="0">
+                <a:solidFill>
+                  <a:schemeClr val="bg2"/>
+                </a:solidFill>
+              </a:rPr>
+              <a:t>Sobel</a:t>
+            </a:r>
+          </a:p>
+        </p:txBody>
+      </p:sp>
+      <p:pic>
+        <p:nvPicPr>
+          <p:cNvPr id="16" name="Grafik 15">
+            <a:extLst>
+              <a:ext uri="{FF2B5EF4-FFF2-40B4-BE49-F238E27FC236}">
+                <a16:creationId xmlns:a16="http://schemas.microsoft.com/office/drawing/2014/main" id="{03FA213A-C5DE-4178-9248-41BB5795B0D6}"/>
+              </a:ext>
+            </a:extLst>
+          </p:cNvPr>
+          <p:cNvPicPr>
+            <a:picLocks noChangeAspect="1"/>
+          </p:cNvPicPr>
+          <p:nvPr/>
+        </p:nvPicPr>
+        <p:blipFill>
+          <a:blip r:embed="rId5">
+            <a:extLst>
+              <a:ext uri="{28A0092B-C50C-407E-A947-70E740481C1C}">
+                <a14:useLocalDpi xmlns:a14="http://schemas.microsoft.com/office/drawing/2010/main" val="0"/>
+              </a:ext>
+            </a:extLst>
+          </a:blip>
+          <a:stretch>
+            <a:fillRect/>
+          </a:stretch>
+        </p:blipFill>
+        <p:spPr>
+          <a:xfrm rot="5400000">
+            <a:off x="5987565" y="1250786"/>
+            <a:ext cx="5449451" cy="4425705"/>
+          </a:xfrm>
+          <a:prstGeom prst="rect">
+            <a:avLst/>
+          </a:prstGeom>
+        </p:spPr>
+      </p:pic>
+    </p:spTree>
+    <p:extLst>
+      <p:ext uri="{BB962C8B-B14F-4D97-AF65-F5344CB8AC3E}">
+        <p14:creationId xmlns:p14="http://schemas.microsoft.com/office/powerpoint/2010/main" val="3519410890"/>
+      </p:ext>
+    </p:extLst>
+  </p:cSld>
+  <p:clrMapOvr>
+    <a:masterClrMapping/>
+  </p:clrMapOvr>
+  <p:timing>
+    <p:tnLst>
+      <p:par>
+        <p:cTn id="1" dur="indefinite" restart="never" nodeType="tmRoot">
+          <p:childTnLst>
+            <p:seq concurrent="1" nextAc="seek">
+              <p:cTn id="2" dur="indefinite" nodeType="mainSeq">
+                <p:childTnLst>
+                  <p:par>
+                    <p:cTn id="3" fill="hold">
+                      <p:stCondLst>
+                        <p:cond delay="indefinite"/>
+                      </p:stCondLst>
+                      <p:childTnLst>
+                        <p:par>
+                          <p:cTn id="4" fill="hold">
+                            <p:stCondLst>
+                              <p:cond delay="0"/>
+                            </p:stCondLst>
+                            <p:childTnLst>
+                              <p:par>
+                                <p:cTn id="5" presetID="10" presetClass="entr" presetSubtype="0" fill="hold" nodeType="clickEffect">
+                                  <p:stCondLst>
+                                    <p:cond delay="0"/>
+                                  </p:stCondLst>
+                                  <p:childTnLst>
+                                    <p:set>
+                                      <p:cBhvr>
+                                        <p:cTn id="6" dur="1" fill="hold">
+                                          <p:stCondLst>
+                                            <p:cond delay="0"/>
+                                          </p:stCondLst>
+                                        </p:cTn>
+                                        <p:tgtEl>
+                                          <p:spTgt spid="16"/>
+                                        </p:tgtEl>
+                                        <p:attrNameLst>
+                                          <p:attrName>style.visibility</p:attrName>
+                                        </p:attrNameLst>
+                                      </p:cBhvr>
+                                      <p:to>
+                                        <p:strVal val="visible"/>
+                                      </p:to>
+                                    </p:set>
+                                    <p:animEffect transition="in" filter="fade">
+                                      <p:cBhvr>
+                                        <p:cTn id="7" dur="500"/>
+                                        <p:tgtEl>
+                                          <p:spTgt spid="16"/>
+                                        </p:tgtEl>
+                                      </p:cBhvr>
+                                    </p:animEffect>
+                                  </p:childTnLst>
+                                </p:cTn>
+                              </p:par>
+                            </p:childTnLst>
+                          </p:cTn>
+                        </p:par>
+                      </p:childTnLst>
+                    </p:cTn>
+                  </p:par>
+                </p:childTnLst>
+              </p:cTn>
+              <p:prevCondLst>
+                <p:cond evt="onPrev" delay="0">
+                  <p:tgtEl>
+                    <p:sldTgt/>
+                  </p:tgtEl>
+                </p:cond>
+              </p:prevCondLst>
+              <p:nextCondLst>
+                <p:cond evt="onNext" delay="0">
+                  <p:tgtEl>
+                    <p:sldTgt/>
+                  </p:tgtEl>
+                </p:cond>
+              </p:nextCondLst>
+            </p:seq>
+          </p:childTnLst>
+        </p:cTn>
+      </p:par>
+    </p:tnLst>
+  </p:timing>
+</p:sld>
+</file>
+
+<file path=ppt/slides/slide16.xml><?xml version="1.0" encoding="utf-8"?>
+<p:sld xmlns:a="http://schemas.openxmlformats.org/drawingml/2006/main" xmlns:r="http://schemas.openxmlformats.org/officeDocument/2006/relationships" xmlns:p="http://schemas.openxmlformats.org/presentationml/2006/main">
+  <p:cSld>
+    <p:spTree>
+      <p:nvGrpSpPr>
+        <p:cNvPr id="1" name=""/>
+        <p:cNvGrpSpPr/>
+        <p:nvPr/>
+      </p:nvGrpSpPr>
+      <p:grpSpPr>
+        <a:xfrm>
+          <a:off x="0" y="0"/>
+          <a:ext cx="0" cy="0"/>
+          <a:chOff x="0" y="0"/>
+          <a:chExt cx="0" cy="0"/>
+        </a:xfrm>
+      </p:grpSpPr>
+      <p:sp>
+        <p:nvSpPr>
+          <p:cNvPr id="2" name="Titel 1">
+            <a:extLst>
+              <a:ext uri="{FF2B5EF4-FFF2-40B4-BE49-F238E27FC236}">
+                <a16:creationId xmlns:a16="http://schemas.microsoft.com/office/drawing/2014/main" id="{31E9F22D-4BAA-4BA5-8D0B-3119681A9938}"/>
+              </a:ext>
+            </a:extLst>
+          </p:cNvPr>
+          <p:cNvSpPr>
+            <a:spLocks noGrp="1"/>
+          </p:cNvSpPr>
+          <p:nvPr>
+            <p:ph type="title"/>
+          </p:nvPr>
+        </p:nvSpPr>
+        <p:spPr>
+          <a:xfrm>
+            <a:off x="684212" y="246011"/>
+            <a:ext cx="8534400" cy="1507067"/>
+          </a:xfrm>
+        </p:spPr>
+        <p:txBody>
+          <a:bodyPr/>
+          <a:lstStyle/>
+          <a:p>
+            <a:r>
+              <a:rPr lang="de-DE" dirty="0"/>
               <a:t>Standardmerkmale</a:t>
             </a:r>
           </a:p>
@@ -8510,7 +8914,7 @@
               </a:rPr>
               <a:t>Mithilfe von </a:t>
             </a:r>
-            <a:endParaRPr lang="de-DE" sz="2400"/>
+            <a:endParaRPr lang="de-DE" sz="2400" dirty="0"/>
           </a:p>
           <a:p>
             <a:pPr lvl="1">
@@ -8546,7 +8950,7 @@
               </a:rPr>
               <a:t>Standabweichung </a:t>
             </a:r>
-            <a:endParaRPr lang="de-DE" sz="2000">
+            <a:endParaRPr lang="de-DE" sz="2000" dirty="0">
               <a:solidFill>
                 <a:srgbClr val="0F496F"/>
               </a:solidFill>
@@ -8566,7 +8970,7 @@
               </a:rPr>
               <a:t>Farb-Histogramm</a:t>
             </a:r>
-            <a:endParaRPr lang="de-DE" sz="2000"/>
+            <a:endParaRPr lang="de-DE" sz="2000" dirty="0"/>
           </a:p>
           <a:p>
             <a:pPr lvl="1">
@@ -8625,7 +9029,7 @@
           <p:nvPr>
             <p:extLst>
               <p:ext uri="{D42A27DB-BD31-4B8C-83A1-F6EECF244321}">
-                <p14:modId xmlns:p14="http://schemas.microsoft.com/office/powerpoint/2010/main" val="2065716454"/>
+                <p14:modId xmlns:p14="http://schemas.microsoft.com/office/powerpoint/2010/main" val="320043375"/>
               </p:ext>
             </p:extLst>
           </p:nvPr>
@@ -8884,7 +9288,7 @@
                           </a:solidFill>
                           <a:latin typeface="Century Gothic"/>
                         </a:rPr>
-                        <a:t>Stratocummuliform</a:t>
+                        <a:t>Stratocumuliform</a:t>
                       </a:r>
                       <a:endParaRPr lang="de-DE" dirty="0" err="1"/>
                     </a:p>
@@ -8977,7 +9381,7 @@
                           </a:solidFill>
                           <a:latin typeface="Century Gothic"/>
                         </a:rPr>
-                        <a:t>Cummuliform</a:t>
+                        <a:t>Cumuliform</a:t>
                       </a:r>
                       <a:endParaRPr lang="de-DE" dirty="0" err="1"/>
                     </a:p>
@@ -9163,7 +9567,7 @@
 </p:sld>
 </file>
 
-<file path=ppt/slides/slide16.xml><?xml version="1.0" encoding="utf-8"?>
+<file path=ppt/slides/slide17.xml><?xml version="1.0" encoding="utf-8"?>
 <p:sld xmlns:a="http://schemas.openxmlformats.org/drawingml/2006/main" xmlns:r="http://schemas.openxmlformats.org/officeDocument/2006/relationships" xmlns:p="http://schemas.openxmlformats.org/presentationml/2006/main">
   <p:cSld>
     <p:spTree>
@@ -9332,7 +9736,7 @@
 </p:sld>
 </file>
 
-<file path=ppt/slides/slide17.xml><?xml version="1.0" encoding="utf-8"?>
+<file path=ppt/slides/slide18.xml><?xml version="1.0" encoding="utf-8"?>
 <p:sld xmlns:a="http://schemas.openxmlformats.org/drawingml/2006/main" xmlns:r="http://schemas.openxmlformats.org/officeDocument/2006/relationships" xmlns:p="http://schemas.openxmlformats.org/presentationml/2006/main">
   <p:cSld>
     <p:spTree>
@@ -9690,7 +10094,7 @@
 </p:sld>
 </file>
 
-<file path=ppt/slides/slide18.xml><?xml version="1.0" encoding="utf-8"?>
+<file path=ppt/slides/slide19.xml><?xml version="1.0" encoding="utf-8"?>
 <p:sld xmlns:a="http://schemas.openxmlformats.org/drawingml/2006/main" xmlns:r="http://schemas.openxmlformats.org/officeDocument/2006/relationships" xmlns:p="http://schemas.openxmlformats.org/presentationml/2006/main">
   <p:cSld>
     <p:spTree>
@@ -9783,23 +10187,7 @@
                   <a:srgbClr val="F2F2F2"/>
                 </a:solidFill>
               </a:rPr>
-              <a:t>Data </a:t>
-            </a:r>
-            <a:r>
-              <a:rPr lang="de-DE" dirty="0" err="1">
-                <a:solidFill>
-                  <a:srgbClr val="F2F2F2"/>
-                </a:solidFill>
-              </a:rPr>
-              <a:t>Aufmentation</a:t>
-            </a:r>
-            <a:r>
-              <a:rPr lang="de-DE" dirty="0">
-                <a:solidFill>
-                  <a:srgbClr val="F2F2F2"/>
-                </a:solidFill>
-              </a:rPr>
-              <a:t> (von Keras mitgeliefert)</a:t>
+              <a:t>Data Augmentation (von Keras mitgeliefert)</a:t>
             </a:r>
           </a:p>
           <a:p>
@@ -9872,7 +10260,231 @@
 </p:sld>
 </file>
 
-<file path=ppt/slides/slide19.xml><?xml version="1.0" encoding="utf-8"?>
+<file path=ppt/slides/slide2.xml><?xml version="1.0" encoding="utf-8"?>
+<p:sld xmlns:a="http://schemas.openxmlformats.org/drawingml/2006/main" xmlns:r="http://schemas.openxmlformats.org/officeDocument/2006/relationships" xmlns:p="http://schemas.openxmlformats.org/presentationml/2006/main">
+  <p:cSld>
+    <p:spTree>
+      <p:nvGrpSpPr>
+        <p:cNvPr id="1" name=""/>
+        <p:cNvGrpSpPr/>
+        <p:nvPr/>
+      </p:nvGrpSpPr>
+      <p:grpSpPr>
+        <a:xfrm>
+          <a:off x="0" y="0"/>
+          <a:ext cx="0" cy="0"/>
+          <a:chOff x="0" y="0"/>
+          <a:chExt cx="0" cy="0"/>
+        </a:xfrm>
+      </p:grpSpPr>
+      <p:sp>
+        <p:nvSpPr>
+          <p:cNvPr id="2" name="Titel 1">
+            <a:extLst>
+              <a:ext uri="{FF2B5EF4-FFF2-40B4-BE49-F238E27FC236}">
+                <a16:creationId xmlns:a16="http://schemas.microsoft.com/office/drawing/2014/main" id="{FFCA5E1C-0B7B-4FDE-89AA-38218AEAE520}"/>
+              </a:ext>
+            </a:extLst>
+          </p:cNvPr>
+          <p:cNvSpPr>
+            <a:spLocks noGrp="1"/>
+          </p:cNvSpPr>
+          <p:nvPr>
+            <p:ph type="title"/>
+          </p:nvPr>
+        </p:nvSpPr>
+        <p:spPr>
+          <a:xfrm>
+            <a:off x="811212" y="310443"/>
+            <a:ext cx="8534400" cy="1507067"/>
+          </a:xfrm>
+        </p:spPr>
+        <p:txBody>
+          <a:bodyPr/>
+          <a:lstStyle/>
+          <a:p>
+            <a:r>
+              <a:rPr lang="de-DE" dirty="0"/>
+              <a:t>Wolkenarten</a:t>
+            </a:r>
+          </a:p>
+        </p:txBody>
+      </p:sp>
+      <p:sp>
+        <p:nvSpPr>
+          <p:cNvPr id="5" name="Inhaltsplatzhalter 4">
+            <a:extLst>
+              <a:ext uri="{FF2B5EF4-FFF2-40B4-BE49-F238E27FC236}">
+                <a16:creationId xmlns:a16="http://schemas.microsoft.com/office/drawing/2014/main" id="{DDE9F51E-8B00-4213-BABC-20F12E5D17C5}"/>
+              </a:ext>
+            </a:extLst>
+          </p:cNvPr>
+          <p:cNvSpPr>
+            <a:spLocks noGrp="1"/>
+          </p:cNvSpPr>
+          <p:nvPr>
+            <p:ph idx="1"/>
+          </p:nvPr>
+        </p:nvSpPr>
+        <p:spPr>
+          <a:xfrm>
+            <a:off x="853546" y="1814689"/>
+            <a:ext cx="9522177" cy="4433710"/>
+          </a:xfrm>
+        </p:spPr>
+        <p:txBody>
+          <a:bodyPr vert="horz" lIns="91440" tIns="45720" rIns="91440" bIns="45720" rtlCol="0" anchor="ctr">
+            <a:noAutofit/>
+          </a:bodyPr>
+          <a:lstStyle/>
+          <a:p>
+            <a:r>
+              <a:rPr lang="de-DE" sz="2400" dirty="0">
+                <a:solidFill>
+                  <a:srgbClr val="F2F2F2"/>
+                </a:solidFill>
+              </a:rPr>
+              <a:t>Bilder aus dem Wolkenatlas vom WMO und Wolken-online.de</a:t>
+            </a:r>
+          </a:p>
+          <a:p>
+            <a:pPr lvl="1">
+              <a:buClr>
+                <a:srgbClr val="FFFFFF"/>
+              </a:buClr>
+            </a:pPr>
+            <a:r>
+              <a:rPr lang="de-DE" sz="2400" dirty="0">
+                <a:solidFill>
+                  <a:srgbClr val="F2F2F2"/>
+                </a:solidFill>
+              </a:rPr>
+              <a:t>Momentan ca.  800 Bilder</a:t>
+            </a:r>
+          </a:p>
+          <a:p>
+            <a:pPr>
+              <a:buClr>
+                <a:srgbClr val="FFFFFF"/>
+              </a:buClr>
+            </a:pPr>
+            <a:r>
+              <a:rPr lang="de-DE" sz="2400" dirty="0">
+                <a:solidFill>
+                  <a:srgbClr val="F2F2F2"/>
+                </a:solidFill>
+              </a:rPr>
+              <a:t>Wolkenarten in vier Hauptgruppen unterteilt:</a:t>
+            </a:r>
+          </a:p>
+          <a:p>
+            <a:pPr lvl="1">
+              <a:buClr>
+                <a:srgbClr val="FFFFFF"/>
+              </a:buClr>
+            </a:pPr>
+            <a:r>
+              <a:rPr lang="de-DE" sz="2400" dirty="0" err="1">
+                <a:solidFill>
+                  <a:srgbClr val="F2F2F2"/>
+                </a:solidFill>
+              </a:rPr>
+              <a:t>Cirriform</a:t>
+            </a:r>
+            <a:endParaRPr lang="de-DE" sz="2400" dirty="0">
+              <a:solidFill>
+                <a:srgbClr val="F2F2F2"/>
+              </a:solidFill>
+            </a:endParaRPr>
+          </a:p>
+          <a:p>
+            <a:pPr lvl="1">
+              <a:buClr>
+                <a:srgbClr val="FFFFFF"/>
+              </a:buClr>
+            </a:pPr>
+            <a:r>
+              <a:rPr lang="de-DE" sz="2400" dirty="0" err="1">
+                <a:solidFill>
+                  <a:srgbClr val="F2F2F2"/>
+                </a:solidFill>
+              </a:rPr>
+              <a:t>Cumuliform</a:t>
+            </a:r>
+            <a:endParaRPr lang="de-DE" sz="2400" dirty="0">
+              <a:solidFill>
+                <a:srgbClr val="F2F2F2"/>
+              </a:solidFill>
+            </a:endParaRPr>
+          </a:p>
+          <a:p>
+            <a:pPr lvl="1">
+              <a:buClr>
+                <a:srgbClr val="FFFFFF"/>
+              </a:buClr>
+            </a:pPr>
+            <a:r>
+              <a:rPr lang="de-DE" sz="2400" dirty="0" err="1">
+                <a:solidFill>
+                  <a:srgbClr val="F2F2F2"/>
+                </a:solidFill>
+              </a:rPr>
+              <a:t>Stratiform</a:t>
+            </a:r>
+            <a:endParaRPr lang="de-DE" sz="2400" dirty="0">
+              <a:solidFill>
+                <a:srgbClr val="F2F2F2"/>
+              </a:solidFill>
+            </a:endParaRPr>
+          </a:p>
+          <a:p>
+            <a:pPr lvl="1">
+              <a:buClr>
+                <a:srgbClr val="FFFFFF"/>
+              </a:buClr>
+            </a:pPr>
+            <a:r>
+              <a:rPr lang="de-DE" sz="2400" dirty="0" err="1">
+                <a:solidFill>
+                  <a:srgbClr val="F2F2F2"/>
+                </a:solidFill>
+              </a:rPr>
+              <a:t>Stratocumuliform</a:t>
+            </a:r>
+            <a:endParaRPr lang="de-DE" sz="2400" dirty="0">
+              <a:solidFill>
+                <a:srgbClr val="F2F2F2"/>
+              </a:solidFill>
+            </a:endParaRPr>
+          </a:p>
+          <a:p>
+            <a:pPr>
+              <a:buClr>
+                <a:srgbClr val="FFFFFF"/>
+              </a:buClr>
+            </a:pPr>
+            <a:endParaRPr lang="de-DE" sz="2400" dirty="0">
+              <a:solidFill>
+                <a:srgbClr val="F2F2F2"/>
+              </a:solidFill>
+            </a:endParaRPr>
+          </a:p>
+        </p:txBody>
+      </p:sp>
+    </p:spTree>
+    <p:extLst>
+      <p:ext uri="{BB962C8B-B14F-4D97-AF65-F5344CB8AC3E}">
+        <p14:creationId xmlns:p14="http://schemas.microsoft.com/office/powerpoint/2010/main" val="208446461"/>
+      </p:ext>
+    </p:extLst>
+  </p:cSld>
+  <p:clrMapOvr>
+    <a:masterClrMapping/>
+  </p:clrMapOvr>
+</p:sld>
+</file>
+
+<file path=ppt/slides/slide20.xml><?xml version="1.0" encoding="utf-8"?>
 <p:sld xmlns:a="http://schemas.openxmlformats.org/drawingml/2006/main" xmlns:r="http://schemas.openxmlformats.org/officeDocument/2006/relationships" xmlns:p="http://schemas.openxmlformats.org/presentationml/2006/main">
   <p:cSld>
     <p:spTree>
@@ -9965,231 +10577,7 @@
 </p:sld>
 </file>
 
-<file path=ppt/slides/slide2.xml><?xml version="1.0" encoding="utf-8"?>
-<p:sld xmlns:a="http://schemas.openxmlformats.org/drawingml/2006/main" xmlns:r="http://schemas.openxmlformats.org/officeDocument/2006/relationships" xmlns:p="http://schemas.openxmlformats.org/presentationml/2006/main">
-  <p:cSld>
-    <p:spTree>
-      <p:nvGrpSpPr>
-        <p:cNvPr id="1" name=""/>
-        <p:cNvGrpSpPr/>
-        <p:nvPr/>
-      </p:nvGrpSpPr>
-      <p:grpSpPr>
-        <a:xfrm>
-          <a:off x="0" y="0"/>
-          <a:ext cx="0" cy="0"/>
-          <a:chOff x="0" y="0"/>
-          <a:chExt cx="0" cy="0"/>
-        </a:xfrm>
-      </p:grpSpPr>
-      <p:sp>
-        <p:nvSpPr>
-          <p:cNvPr id="2" name="Titel 1">
-            <a:extLst>
-              <a:ext uri="{FF2B5EF4-FFF2-40B4-BE49-F238E27FC236}">
-                <a16:creationId xmlns:a16="http://schemas.microsoft.com/office/drawing/2014/main" id="{FFCA5E1C-0B7B-4FDE-89AA-38218AEAE520}"/>
-              </a:ext>
-            </a:extLst>
-          </p:cNvPr>
-          <p:cNvSpPr>
-            <a:spLocks noGrp="1"/>
-          </p:cNvSpPr>
-          <p:nvPr>
-            <p:ph type="title"/>
-          </p:nvPr>
-        </p:nvSpPr>
-        <p:spPr>
-          <a:xfrm>
-            <a:off x="811212" y="310443"/>
-            <a:ext cx="8534400" cy="1507067"/>
-          </a:xfrm>
-        </p:spPr>
-        <p:txBody>
-          <a:bodyPr/>
-          <a:lstStyle/>
-          <a:p>
-            <a:r>
-              <a:rPr lang="de-DE" dirty="0"/>
-              <a:t>Wolkenarten</a:t>
-            </a:r>
-          </a:p>
-        </p:txBody>
-      </p:sp>
-      <p:sp>
-        <p:nvSpPr>
-          <p:cNvPr id="5" name="Inhaltsplatzhalter 4">
-            <a:extLst>
-              <a:ext uri="{FF2B5EF4-FFF2-40B4-BE49-F238E27FC236}">
-                <a16:creationId xmlns:a16="http://schemas.microsoft.com/office/drawing/2014/main" id="{DDE9F51E-8B00-4213-BABC-20F12E5D17C5}"/>
-              </a:ext>
-            </a:extLst>
-          </p:cNvPr>
-          <p:cNvSpPr>
-            <a:spLocks noGrp="1"/>
-          </p:cNvSpPr>
-          <p:nvPr>
-            <p:ph idx="1"/>
-          </p:nvPr>
-        </p:nvSpPr>
-        <p:spPr>
-          <a:xfrm>
-            <a:off x="853546" y="1814689"/>
-            <a:ext cx="9522177" cy="4433710"/>
-          </a:xfrm>
-        </p:spPr>
-        <p:txBody>
-          <a:bodyPr vert="horz" lIns="91440" tIns="45720" rIns="91440" bIns="45720" rtlCol="0" anchor="ctr">
-            <a:noAutofit/>
-          </a:bodyPr>
-          <a:lstStyle/>
-          <a:p>
-            <a:r>
-              <a:rPr lang="de-DE" sz="2400" dirty="0">
-                <a:solidFill>
-                  <a:srgbClr val="F2F2F2"/>
-                </a:solidFill>
-              </a:rPr>
-              <a:t>Bilder aus dem Wolkenatlas vom WMO und Wolken-online.de</a:t>
-            </a:r>
-          </a:p>
-          <a:p>
-            <a:pPr lvl="1">
-              <a:buClr>
-                <a:srgbClr val="FFFFFF"/>
-              </a:buClr>
-            </a:pPr>
-            <a:r>
-              <a:rPr lang="de-DE" sz="2400" dirty="0">
-                <a:solidFill>
-                  <a:srgbClr val="F2F2F2"/>
-                </a:solidFill>
-              </a:rPr>
-              <a:t>Momentan ca.  800 Bilder</a:t>
-            </a:r>
-          </a:p>
-          <a:p>
-            <a:pPr>
-              <a:buClr>
-                <a:srgbClr val="FFFFFF"/>
-              </a:buClr>
-            </a:pPr>
-            <a:r>
-              <a:rPr lang="de-DE" sz="2400" dirty="0">
-                <a:solidFill>
-                  <a:srgbClr val="F2F2F2"/>
-                </a:solidFill>
-              </a:rPr>
-              <a:t>Wolkenarten in vier Hauptgruppen unterteilt:</a:t>
-            </a:r>
-          </a:p>
-          <a:p>
-            <a:pPr lvl="1">
-              <a:buClr>
-                <a:srgbClr val="FFFFFF"/>
-              </a:buClr>
-            </a:pPr>
-            <a:r>
-              <a:rPr lang="de-DE" sz="2400" dirty="0" err="1">
-                <a:solidFill>
-                  <a:srgbClr val="F2F2F2"/>
-                </a:solidFill>
-              </a:rPr>
-              <a:t>Cirriform</a:t>
-            </a:r>
-            <a:endParaRPr lang="de-DE" sz="2400" dirty="0">
-              <a:solidFill>
-                <a:srgbClr val="F2F2F2"/>
-              </a:solidFill>
-            </a:endParaRPr>
-          </a:p>
-          <a:p>
-            <a:pPr lvl="1">
-              <a:buClr>
-                <a:srgbClr val="FFFFFF"/>
-              </a:buClr>
-            </a:pPr>
-            <a:r>
-              <a:rPr lang="de-DE" sz="2400" dirty="0" err="1">
-                <a:solidFill>
-                  <a:srgbClr val="F2F2F2"/>
-                </a:solidFill>
-              </a:rPr>
-              <a:t>Cumuliform</a:t>
-            </a:r>
-            <a:endParaRPr lang="de-DE" sz="2400" dirty="0">
-              <a:solidFill>
-                <a:srgbClr val="F2F2F2"/>
-              </a:solidFill>
-            </a:endParaRPr>
-          </a:p>
-          <a:p>
-            <a:pPr lvl="1">
-              <a:buClr>
-                <a:srgbClr val="FFFFFF"/>
-              </a:buClr>
-            </a:pPr>
-            <a:r>
-              <a:rPr lang="de-DE" sz="2400" dirty="0" err="1">
-                <a:solidFill>
-                  <a:srgbClr val="F2F2F2"/>
-                </a:solidFill>
-              </a:rPr>
-              <a:t>Stratiform</a:t>
-            </a:r>
-            <a:endParaRPr lang="de-DE" sz="2400" dirty="0">
-              <a:solidFill>
-                <a:srgbClr val="F2F2F2"/>
-              </a:solidFill>
-            </a:endParaRPr>
-          </a:p>
-          <a:p>
-            <a:pPr lvl="1">
-              <a:buClr>
-                <a:srgbClr val="FFFFFF"/>
-              </a:buClr>
-            </a:pPr>
-            <a:r>
-              <a:rPr lang="de-DE" sz="2400" dirty="0" err="1">
-                <a:solidFill>
-                  <a:srgbClr val="F2F2F2"/>
-                </a:solidFill>
-              </a:rPr>
-              <a:t>Stratocumuliform</a:t>
-            </a:r>
-            <a:endParaRPr lang="de-DE" sz="2400" dirty="0">
-              <a:solidFill>
-                <a:srgbClr val="F2F2F2"/>
-              </a:solidFill>
-            </a:endParaRPr>
-          </a:p>
-          <a:p>
-            <a:pPr>
-              <a:buClr>
-                <a:srgbClr val="FFFFFF"/>
-              </a:buClr>
-            </a:pPr>
-            <a:endParaRPr lang="de-DE" sz="2400" dirty="0">
-              <a:solidFill>
-                <a:srgbClr val="F2F2F2"/>
-              </a:solidFill>
-            </a:endParaRPr>
-          </a:p>
-        </p:txBody>
-      </p:sp>
-    </p:spTree>
-    <p:extLst>
-      <p:ext uri="{BB962C8B-B14F-4D97-AF65-F5344CB8AC3E}">
-        <p14:creationId xmlns:p14="http://schemas.microsoft.com/office/powerpoint/2010/main" val="208446461"/>
-      </p:ext>
-    </p:extLst>
-  </p:cSld>
-  <p:clrMapOvr>
-    <a:masterClrMapping/>
-  </p:clrMapOvr>
-</p:sld>
-</file>
-
-<file path=ppt/slides/slide20.xml><?xml version="1.0" encoding="utf-8"?>
+<file path=ppt/slides/slide21.xml><?xml version="1.0" encoding="utf-8"?>
 <p:sld xmlns:a="http://schemas.openxmlformats.org/drawingml/2006/main" xmlns:r="http://schemas.openxmlformats.org/officeDocument/2006/relationships" xmlns:p="http://schemas.openxmlformats.org/presentationml/2006/main">
   <p:cSld>
     <p:spTree>
@@ -10282,7 +10670,7 @@
 </p:sld>
 </file>
 
-<file path=ppt/slides/slide21.xml><?xml version="1.0" encoding="utf-8"?>
+<file path=ppt/slides/slide22.xml><?xml version="1.0" encoding="utf-8"?>
 <p:sld xmlns:a="http://schemas.openxmlformats.org/drawingml/2006/main" xmlns:r="http://schemas.openxmlformats.org/officeDocument/2006/relationships" xmlns:p="http://schemas.openxmlformats.org/presentationml/2006/main">
   <p:cSld>
     <p:spTree>
@@ -10347,7 +10735,7 @@
           <p:nvPr>
             <p:extLst>
               <p:ext uri="{D42A27DB-BD31-4B8C-83A1-F6EECF244321}">
-                <p14:modId xmlns:p14="http://schemas.microsoft.com/office/powerpoint/2010/main" val="3880007044"/>
+                <p14:modId xmlns:p14="http://schemas.microsoft.com/office/powerpoint/2010/main" val="3207672227"/>
               </p:ext>
             </p:extLst>
           </p:nvPr>
@@ -10513,7 +10901,7 @@
                           </a:solidFill>
                           <a:latin typeface="Century Gothic"/>
                         </a:rPr>
-                        <a:t>Cummuliform</a:t>
+                        <a:t>Cumuliform</a:t>
                       </a:r>
                       <a:endParaRPr lang="de-DE" dirty="0" err="1"/>
                     </a:p>
@@ -10708,8 +11096,14 @@
                           </a:solidFill>
                           <a:latin typeface="Century Gothic"/>
                         </a:rPr>
-                        <a:t>Stratocummuliform</a:t>
+                        <a:t>Stratocumuliform</a:t>
                       </a:r>
+                      <a:endParaRPr lang="de-DE" sz="1800" b="0" i="0" u="none" strike="noStrike" noProof="0" dirty="0">
+                        <a:solidFill>
+                          <a:srgbClr val="FFFFFF"/>
+                        </a:solidFill>
+                        <a:latin typeface="Century Gothic"/>
+                      </a:endParaRPr>
                     </a:p>
                   </a:txBody>
                   <a:tcPr/>
@@ -12196,7 +12590,7 @@
                   <a:srgbClr val="F2F2F2"/>
                 </a:solidFill>
               </a:rPr>
-              <a:t>arithmetische Mittel des gesamten Bildes</a:t>
+              <a:t>arithmetisches Mittel des gesamten Bildes</a:t>
             </a:r>
           </a:p>
           <a:p>
@@ -12287,12 +12681,12 @@
               </a:buClr>
             </a:pPr>
             <a:r>
-              <a:rPr lang="de-DE" sz="2800" err="1">
+              <a:rPr lang="de-DE" sz="2800" dirty="0" err="1">
                 <a:solidFill>
                   <a:srgbClr val="F2F2F2"/>
                 </a:solidFill>
               </a:rPr>
-              <a:t>Orginal</a:t>
+              <a:t>Orginalbild</a:t>
             </a:r>
             <a:r>
               <a:rPr lang="de-DE" sz="2800" dirty="0">
@@ -12300,10 +12694,10 @@
                   <a:srgbClr val="F2F2F2"/>
                 </a:solidFill>
               </a:rPr>
-              <a:t> Bild wird geschnitten und </a:t>
-            </a:r>
-            <a:r>
-              <a:rPr lang="de-DE" sz="2800" err="1">
+              <a:t> wird geschnitten und </a:t>
+            </a:r>
+            <a:r>
+              <a:rPr lang="de-DE" sz="2800" dirty="0" err="1">
                 <a:solidFill>
                   <a:srgbClr val="F2F2F2"/>
                 </a:solidFill>

--- a/ausarbeitung/Wolken (1).pptx
+++ b/ausarbeitung/Wolken (1).pptx
@@ -226,7 +226,7 @@
           <a:p>
             <a:fld id="{AD4751DB-9D75-47AA-9872-327E592D1EA1}" type="datetimeFigureOut">
               <a:rPr lang="de-DE" smtClean="0"/>
-              <a:t>11.07.2018</a:t>
+              <a:t>12.07.2018</a:t>
             </a:fld>
             <a:endParaRPr lang="de-DE"/>
           </a:p>
@@ -538,6 +538,57 @@
           <a:lstStyle/>
           <a:p>
             <a:r>
+              <a:rPr lang="de-DE" sz="1200" b="0" i="0" kern="1200" dirty="0">
+                <a:solidFill>
+                  <a:schemeClr val="tx1"/>
+                </a:solidFill>
+                <a:effectLst/>
+                <a:latin typeface="+mn-lt"/>
+                <a:ea typeface="+mn-ea"/>
+                <a:cs typeface="+mn-cs"/>
+              </a:rPr>
+              <a:t>Weltorganisation für Meteorologie, Wolken-online </a:t>
+            </a:r>
+            <a:r>
+              <a:rPr lang="de-DE" sz="1200" b="0" i="0" kern="1200" dirty="0">
+                <a:solidFill>
+                  <a:schemeClr val="tx1"/>
+                </a:solidFill>
+                <a:effectLst/>
+                <a:latin typeface="+mn-lt"/>
+                <a:ea typeface="+mn-ea"/>
+                <a:cs typeface="+mn-cs"/>
+                <a:sym typeface="Wingdings" panose="05000000000000000000" pitchFamily="2" charset="2"/>
+              </a:rPr>
+              <a:t> 800 Bilder</a:t>
+            </a:r>
+            <a:endParaRPr lang="de-DE" sz="1200" b="0" i="0" kern="1200" dirty="0">
+              <a:solidFill>
+                <a:schemeClr val="tx1"/>
+              </a:solidFill>
+              <a:effectLst/>
+              <a:latin typeface="+mn-lt"/>
+              <a:ea typeface="+mn-ea"/>
+              <a:cs typeface="+mn-cs"/>
+            </a:endParaRPr>
+          </a:p>
+          <a:p>
+            <a:br>
+              <a:rPr lang="de-DE" sz="1200" b="0" i="0" u="none" strike="noStrike" kern="1200" dirty="0">
+                <a:solidFill>
+                  <a:schemeClr val="tx1"/>
+                </a:solidFill>
+                <a:effectLst/>
+                <a:latin typeface="+mn-lt"/>
+                <a:ea typeface="+mn-ea"/>
+                <a:cs typeface="+mn-cs"/>
+                <a:hlinkClick r:id="rId3"/>
+              </a:rPr>
+            </a:br>
+            <a:endParaRPr lang="de-DE" dirty="0"/>
+          </a:p>
+          <a:p>
+            <a:r>
               <a:rPr lang="de-DE" dirty="0"/>
               <a:t>Dafür eigene </a:t>
             </a:r>
@@ -666,7 +717,7 @@
           <a:p>
             <a:fld id="{FFA30538-EFC0-4593-81AF-509E83D5B3F4}" type="slidenum">
               <a:rPr lang="de-DE" smtClean="0"/>
-              <a:t>12</a:t>
+              <a:t>11</a:t>
             </a:fld>
             <a:endParaRPr lang="de-DE"/>
           </a:p>
@@ -675,7 +726,7 @@
     </p:spTree>
     <p:extLst>
       <p:ext uri="{BB962C8B-B14F-4D97-AF65-F5344CB8AC3E}">
-        <p14:creationId xmlns:p14="http://schemas.microsoft.com/office/powerpoint/2010/main" val="529956990"/>
+        <p14:creationId xmlns:p14="http://schemas.microsoft.com/office/powerpoint/2010/main" val="142956413"/>
       </p:ext>
     </p:extLst>
   </p:cSld>
@@ -731,45 +782,13 @@
           <a:p>
             <a:r>
               <a:rPr lang="de-DE" dirty="0"/>
-              <a:t>Haben vor allem am unteren Rand der Bilder oft noch Boden zu sehen </a:t>
+              <a:t>Gutes Ergebnis </a:t>
             </a:r>
             <a:r>
               <a:rPr lang="de-DE" dirty="0">
                 <a:sym typeface="Wingdings" panose="05000000000000000000" pitchFamily="2" charset="2"/>
               </a:rPr>
-              <a:t> wegbekommen da sonst </a:t>
-            </a:r>
-            <a:r>
-              <a:rPr lang="de-DE" dirty="0" err="1">
-                <a:sym typeface="Wingdings" panose="05000000000000000000" pitchFamily="2" charset="2"/>
-              </a:rPr>
-              <a:t>verfälschung</a:t>
-            </a:r>
-            <a:r>
-              <a:rPr lang="de-DE" dirty="0">
-                <a:sym typeface="Wingdings" panose="05000000000000000000" pitchFamily="2" charset="2"/>
-              </a:rPr>
-              <a:t> der Merkmale</a:t>
-            </a:r>
-          </a:p>
-          <a:p>
-            <a:r>
-              <a:rPr lang="de-DE" dirty="0">
-                <a:sym typeface="Wingdings" panose="05000000000000000000" pitchFamily="2" charset="2"/>
-              </a:rPr>
-              <a:t>Eigene Funktion geschrieben: Zunächst komplett standardmäßig </a:t>
-            </a:r>
-            <a:r>
-              <a:rPr lang="de-DE" dirty="0" err="1">
-                <a:sym typeface="Wingdings" panose="05000000000000000000" pitchFamily="2" charset="2"/>
-              </a:rPr>
-              <a:t>binarisieren</a:t>
-            </a:r>
-            <a:r>
-              <a:rPr lang="de-DE" dirty="0">
-                <a:sym typeface="Wingdings" panose="05000000000000000000" pitchFamily="2" charset="2"/>
-              </a:rPr>
-              <a:t>, danach von unten heran eine kleine Box bauen  prüft den Schwarzanteil (nicht Wolke) zum Weißanteil (Wolke), sobald dieser einen bestimmen Wert erreicht  untere Grenze gefunden und Bild wieder auf Standardformat bringen.</a:t>
+              <a:t></a:t>
             </a:r>
             <a:endParaRPr lang="de-DE" dirty="0"/>
           </a:p>
@@ -792,7 +811,7 @@
           <a:p>
             <a:fld id="{FFA30538-EFC0-4593-81AF-509E83D5B3F4}" type="slidenum">
               <a:rPr lang="de-DE" smtClean="0"/>
-              <a:t>13</a:t>
+              <a:t>12</a:t>
             </a:fld>
             <a:endParaRPr lang="de-DE"/>
           </a:p>
@@ -801,7 +820,7 @@
     </p:spTree>
     <p:extLst>
       <p:ext uri="{BB962C8B-B14F-4D97-AF65-F5344CB8AC3E}">
-        <p14:creationId xmlns:p14="http://schemas.microsoft.com/office/powerpoint/2010/main" val="500637885"/>
+        <p14:creationId xmlns:p14="http://schemas.microsoft.com/office/powerpoint/2010/main" val="529956990"/>
       </p:ext>
     </p:extLst>
   </p:cSld>
@@ -855,6 +874,16 @@
           <a:bodyPr/>
           <a:lstStyle/>
           <a:p>
+            <a:r>
+              <a:rPr lang="de-DE" dirty="0"/>
+              <a:t>Berg heller als der Himmel </a:t>
+            </a:r>
+            <a:r>
+              <a:rPr lang="de-DE" dirty="0">
+                <a:sym typeface="Wingdings" panose="05000000000000000000" pitchFamily="2" charset="2"/>
+              </a:rPr>
+              <a:t> Berg ist noch drinnen</a:t>
+            </a:r>
             <a:endParaRPr lang="de-DE" dirty="0"/>
           </a:p>
         </p:txBody>
@@ -876,7 +905,7 @@
           <a:p>
             <a:fld id="{FFA30538-EFC0-4593-81AF-509E83D5B3F4}" type="slidenum">
               <a:rPr lang="de-DE" smtClean="0"/>
-              <a:t>14</a:t>
+              <a:t>13</a:t>
             </a:fld>
             <a:endParaRPr lang="de-DE"/>
           </a:p>
@@ -885,7 +914,7 @@
     </p:spTree>
     <p:extLst>
       <p:ext uri="{BB962C8B-B14F-4D97-AF65-F5344CB8AC3E}">
-        <p14:creationId xmlns:p14="http://schemas.microsoft.com/office/powerpoint/2010/main" val="2989138397"/>
+        <p14:creationId xmlns:p14="http://schemas.microsoft.com/office/powerpoint/2010/main" val="500637885"/>
       </p:ext>
     </p:extLst>
   </p:cSld>
@@ -941,45 +970,7 @@
           <a:p>
             <a:r>
               <a:rPr lang="de-DE" dirty="0"/>
-              <a:t>Ca. 41 % Richtige.</a:t>
-            </a:r>
-          </a:p>
-          <a:p>
-            <a:r>
-              <a:rPr lang="de-DE" dirty="0"/>
-              <a:t>Die Kanten werden mit Sobel gefunden. Vorher wird der </a:t>
-            </a:r>
-            <a:r>
-              <a:rPr lang="de-DE" dirty="0" err="1"/>
-              <a:t>Gaussfilter</a:t>
-            </a:r>
-            <a:r>
-              <a:rPr lang="de-DE" dirty="0"/>
-              <a:t> (Weichzeichnen) angewendet, damit die Kanten dicker werden.</a:t>
-            </a:r>
-          </a:p>
-          <a:p>
-            <a:r>
-              <a:rPr lang="de-DE" dirty="0"/>
-              <a:t>Auswertung des Kantenbildes: Weißwerte pro Zeile addieren, sodass ein Art Histogramm entsteht.</a:t>
-            </a:r>
-            <a:br>
-              <a:rPr lang="de-DE" dirty="0"/>
-            </a:br>
-            <a:endParaRPr lang="de-DE" dirty="0"/>
-          </a:p>
-          <a:p>
-            <a:r>
-              <a:rPr lang="de-DE" dirty="0"/>
-              <a:t>Bei Nachfrage: </a:t>
-            </a:r>
-            <a:r>
-              <a:rPr lang="de-DE" dirty="0" err="1"/>
-              <a:t>Stratocumuliform</a:t>
-            </a:r>
-            <a:r>
-              <a:rPr lang="de-DE" dirty="0"/>
-              <a:t> ;)</a:t>
+              <a:t>Hier hat es die Wolken komplett weggeschnitten</a:t>
             </a:r>
           </a:p>
         </p:txBody>
@@ -1001,7 +992,7 @@
           <a:p>
             <a:fld id="{FFA30538-EFC0-4593-81AF-509E83D5B3F4}" type="slidenum">
               <a:rPr lang="de-DE" smtClean="0"/>
-              <a:t>15</a:t>
+              <a:t>14</a:t>
             </a:fld>
             <a:endParaRPr lang="de-DE"/>
           </a:p>
@@ -1010,7 +1001,7 @@
     </p:spTree>
     <p:extLst>
       <p:ext uri="{BB962C8B-B14F-4D97-AF65-F5344CB8AC3E}">
-        <p14:creationId xmlns:p14="http://schemas.microsoft.com/office/powerpoint/2010/main" val="1193158337"/>
+        <p14:creationId xmlns:p14="http://schemas.microsoft.com/office/powerpoint/2010/main" val="2989138397"/>
       </p:ext>
     </p:extLst>
   </p:cSld>
@@ -1066,15 +1057,45 @@
           <a:p>
             <a:r>
               <a:rPr lang="de-DE" dirty="0"/>
-              <a:t>Ca. 39 % Richtige, besonders </a:t>
+              <a:t>Ca. 41 % Richtige.</a:t>
+            </a:r>
+          </a:p>
+          <a:p>
+            <a:r>
+              <a:rPr lang="de-DE" dirty="0"/>
+              <a:t>Die Kanten werden mit Sobel gefunden. Vorher wird der </a:t>
             </a:r>
             <a:r>
               <a:rPr lang="de-DE" dirty="0" err="1"/>
-              <a:t>cirriform</a:t>
-            </a:r>
-            <a:r>
-              <a:rPr lang="de-DE" dirty="0"/>
-              <a:t> wird schlecht erkannt. </a:t>
+              <a:t>Gaussfilter</a:t>
+            </a:r>
+            <a:r>
+              <a:rPr lang="de-DE" dirty="0"/>
+              <a:t> (Weichzeichnen) angewendet, damit die Kanten dicker werden.</a:t>
+            </a:r>
+          </a:p>
+          <a:p>
+            <a:r>
+              <a:rPr lang="de-DE" dirty="0"/>
+              <a:t>Auswertung des Kantenbildes: Weißwerte pro Zeile addieren, sodass ein Art Histogramm entsteht.</a:t>
+            </a:r>
+            <a:br>
+              <a:rPr lang="de-DE" dirty="0"/>
+            </a:br>
+            <a:endParaRPr lang="de-DE" dirty="0"/>
+          </a:p>
+          <a:p>
+            <a:r>
+              <a:rPr lang="de-DE" dirty="0"/>
+              <a:t>Bei Nachfrage: </a:t>
+            </a:r>
+            <a:r>
+              <a:rPr lang="de-DE" dirty="0" err="1"/>
+              <a:t>Stratocumuliform</a:t>
+            </a:r>
+            <a:r>
+              <a:rPr lang="de-DE" dirty="0"/>
+              <a:t> ;)</a:t>
             </a:r>
           </a:p>
         </p:txBody>
@@ -1096,7 +1117,7 @@
           <a:p>
             <a:fld id="{FFA30538-EFC0-4593-81AF-509E83D5B3F4}" type="slidenum">
               <a:rPr lang="de-DE" smtClean="0"/>
-              <a:t>16</a:t>
+              <a:t>15</a:t>
             </a:fld>
             <a:endParaRPr lang="de-DE"/>
           </a:p>
@@ -1105,7 +1126,7 @@
     </p:spTree>
     <p:extLst>
       <p:ext uri="{BB962C8B-B14F-4D97-AF65-F5344CB8AC3E}">
-        <p14:creationId xmlns:p14="http://schemas.microsoft.com/office/powerpoint/2010/main" val="290716493"/>
+        <p14:creationId xmlns:p14="http://schemas.microsoft.com/office/powerpoint/2010/main" val="1193158337"/>
       </p:ext>
     </p:extLst>
   </p:cSld>
@@ -1161,119 +1182,16 @@
           <a:p>
             <a:r>
               <a:rPr lang="de-DE" dirty="0"/>
-              <a:t>Gewichte der Merkmale sind unterschiedlich, je nachdem welche Wolkenarten man zuvor schon ausgeschlossen hat. </a:t>
-            </a:r>
-            <a:r>
-              <a:rPr lang="de-DE" dirty="0">
-                <a:sym typeface="Wingdings" panose="05000000000000000000" pitchFamily="2" charset="2"/>
-              </a:rPr>
-              <a:t> Entscheidungsbaum?</a:t>
-            </a:r>
-          </a:p>
-          <a:p>
-            <a:r>
-              <a:rPr lang="de-DE" dirty="0">
-                <a:sym typeface="Wingdings" panose="05000000000000000000" pitchFamily="2" charset="2"/>
-              </a:rPr>
-              <a:t>K-</a:t>
-            </a:r>
-            <a:r>
-              <a:rPr lang="de-DE" dirty="0" err="1">
-                <a:sym typeface="Wingdings" panose="05000000000000000000" pitchFamily="2" charset="2"/>
-              </a:rPr>
-              <a:t>nearast</a:t>
-            </a:r>
-            <a:r>
-              <a:rPr lang="de-DE" dirty="0">
-                <a:sym typeface="Wingdings" panose="05000000000000000000" pitchFamily="2" charset="2"/>
-              </a:rPr>
-              <a:t> </a:t>
-            </a:r>
-            <a:r>
-              <a:rPr lang="de-DE" dirty="0" err="1">
-                <a:sym typeface="Wingdings" panose="05000000000000000000" pitchFamily="2" charset="2"/>
-              </a:rPr>
-              <a:t>Neighbours</a:t>
-            </a:r>
-            <a:r>
-              <a:rPr lang="de-DE" dirty="0">
-                <a:sym typeface="Wingdings" panose="05000000000000000000" pitchFamily="2" charset="2"/>
-              </a:rPr>
-              <a:t> – nicht nur den nächsten </a:t>
-            </a:r>
-            <a:r>
-              <a:rPr lang="de-DE" dirty="0" err="1">
-                <a:sym typeface="Wingdings" panose="05000000000000000000" pitchFamily="2" charset="2"/>
-              </a:rPr>
-              <a:t>nachbar</a:t>
-            </a:r>
-            <a:r>
-              <a:rPr lang="de-DE" dirty="0">
-                <a:sym typeface="Wingdings" panose="05000000000000000000" pitchFamily="2" charset="2"/>
-              </a:rPr>
-              <a:t> sondern </a:t>
-            </a:r>
-            <a:r>
-              <a:rPr lang="de-DE" dirty="0" err="1">
-                <a:sym typeface="Wingdings" panose="05000000000000000000" pitchFamily="2" charset="2"/>
-              </a:rPr>
-              <a:t>vllt</a:t>
-            </a:r>
-            <a:r>
-              <a:rPr lang="de-DE" dirty="0">
-                <a:sym typeface="Wingdings" panose="05000000000000000000" pitchFamily="2" charset="2"/>
-              </a:rPr>
-              <a:t> 3 oder 5?</a:t>
-            </a:r>
-          </a:p>
-          <a:p>
-            <a:r>
-              <a:rPr lang="de-DE" dirty="0">
-                <a:sym typeface="Wingdings" panose="05000000000000000000" pitchFamily="2" charset="2"/>
-              </a:rPr>
-              <a:t>Hybrid Lösung?</a:t>
-            </a:r>
-          </a:p>
-          <a:p>
-            <a:r>
-              <a:rPr lang="de-DE" dirty="0">
-                <a:sym typeface="Wingdings" panose="05000000000000000000" pitchFamily="2" charset="2"/>
-              </a:rPr>
-              <a:t>Frequenz als Merkmal – wie frequentiert sind die </a:t>
-            </a:r>
-            <a:r>
-              <a:rPr lang="de-DE" dirty="0" err="1">
-                <a:sym typeface="Wingdings" panose="05000000000000000000" pitchFamily="2" charset="2"/>
-              </a:rPr>
-              <a:t>wolken</a:t>
-            </a:r>
-            <a:r>
-              <a:rPr lang="de-DE" dirty="0">
-                <a:sym typeface="Wingdings" panose="05000000000000000000" pitchFamily="2" charset="2"/>
-              </a:rPr>
-              <a:t> am Himmel?</a:t>
-            </a:r>
-          </a:p>
-          <a:p>
-            <a:r>
-              <a:rPr lang="de-DE" dirty="0">
-                <a:sym typeface="Wingdings" panose="05000000000000000000" pitchFamily="2" charset="2"/>
-              </a:rPr>
-              <a:t>Data Augmentation – für mehr Bilder (Spiegelung an der Y-Achse, stauchen, drehen?(</a:t>
-            </a:r>
-            <a:r>
-              <a:rPr lang="de-DE" dirty="0" err="1">
-                <a:sym typeface="Wingdings" panose="05000000000000000000" pitchFamily="2" charset="2"/>
-              </a:rPr>
-              <a:t>boden</a:t>
-            </a:r>
-            <a:r>
-              <a:rPr lang="de-DE" dirty="0">
-                <a:sym typeface="Wingdings" panose="05000000000000000000" pitchFamily="2" charset="2"/>
-              </a:rPr>
-              <a:t> :c)</a:t>
-            </a:r>
-            <a:endParaRPr lang="de-DE" dirty="0"/>
+              <a:t>Ca. 39 % Richtige, besonders </a:t>
+            </a:r>
+            <a:r>
+              <a:rPr lang="de-DE" dirty="0" err="1"/>
+              <a:t>cirriform</a:t>
+            </a:r>
+            <a:r>
+              <a:rPr lang="de-DE" dirty="0"/>
+              <a:t> wird schlecht erkannt  (da so unterschiedliches aussehen)</a:t>
+            </a:r>
           </a:p>
         </p:txBody>
       </p:sp>
@@ -1294,7 +1212,7 @@
           <a:p>
             <a:fld id="{FFA30538-EFC0-4593-81AF-509E83D5B3F4}" type="slidenum">
               <a:rPr lang="de-DE" smtClean="0"/>
-              <a:t>17</a:t>
+              <a:t>16</a:t>
             </a:fld>
             <a:endParaRPr lang="de-DE"/>
           </a:p>
@@ -1303,7 +1221,7 @@
     </p:spTree>
     <p:extLst>
       <p:ext uri="{BB962C8B-B14F-4D97-AF65-F5344CB8AC3E}">
-        <p14:creationId xmlns:p14="http://schemas.microsoft.com/office/powerpoint/2010/main" val="642194744"/>
+        <p14:creationId xmlns:p14="http://schemas.microsoft.com/office/powerpoint/2010/main" val="290716493"/>
       </p:ext>
     </p:extLst>
   </p:cSld>
@@ -1359,23 +1277,117 @@
           <a:p>
             <a:r>
               <a:rPr lang="de-DE" dirty="0"/>
-              <a:t>Großes Problem bleibt einfach: die Wolkenarten sehen trotz unserer nur 4 Gruppen </a:t>
-            </a:r>
-            <a:r>
-              <a:rPr lang="de-DE" dirty="0" err="1"/>
-              <a:t>immernoch</a:t>
-            </a:r>
-            <a:r>
-              <a:rPr lang="de-DE" dirty="0"/>
-              <a:t> sehr </a:t>
-            </a:r>
-            <a:r>
-              <a:rPr lang="de-DE" dirty="0" err="1"/>
-              <a:t>sehr</a:t>
-            </a:r>
-            <a:r>
-              <a:rPr lang="de-DE"/>
-              <a:t> gleich aus.</a:t>
+              <a:t>Gewichte der Merkmale sind unterschiedlich, je nachdem welche Wolkenarten man zuvor schon ausgeschlossen hat. </a:t>
+            </a:r>
+            <a:r>
+              <a:rPr lang="de-DE" dirty="0">
+                <a:sym typeface="Wingdings" panose="05000000000000000000" pitchFamily="2" charset="2"/>
+              </a:rPr>
+              <a:t> Entscheidungsbaum?</a:t>
+            </a:r>
+          </a:p>
+          <a:p>
+            <a:r>
+              <a:rPr lang="de-DE" dirty="0">
+                <a:sym typeface="Wingdings" panose="05000000000000000000" pitchFamily="2" charset="2"/>
+              </a:rPr>
+              <a:t>K-</a:t>
+            </a:r>
+            <a:r>
+              <a:rPr lang="de-DE" dirty="0" err="1">
+                <a:sym typeface="Wingdings" panose="05000000000000000000" pitchFamily="2" charset="2"/>
+              </a:rPr>
+              <a:t>nearast</a:t>
+            </a:r>
+            <a:r>
+              <a:rPr lang="de-DE" dirty="0">
+                <a:sym typeface="Wingdings" panose="05000000000000000000" pitchFamily="2" charset="2"/>
+              </a:rPr>
+              <a:t> </a:t>
+            </a:r>
+            <a:r>
+              <a:rPr lang="de-DE" dirty="0" err="1">
+                <a:sym typeface="Wingdings" panose="05000000000000000000" pitchFamily="2" charset="2"/>
+              </a:rPr>
+              <a:t>Neighbours</a:t>
+            </a:r>
+            <a:r>
+              <a:rPr lang="de-DE" dirty="0">
+                <a:sym typeface="Wingdings" panose="05000000000000000000" pitchFamily="2" charset="2"/>
+              </a:rPr>
+              <a:t> – nicht nur den nächsten </a:t>
+            </a:r>
+            <a:r>
+              <a:rPr lang="de-DE" dirty="0" err="1">
+                <a:sym typeface="Wingdings" panose="05000000000000000000" pitchFamily="2" charset="2"/>
+              </a:rPr>
+              <a:t>nachbar</a:t>
+            </a:r>
+            <a:r>
+              <a:rPr lang="de-DE" dirty="0">
+                <a:sym typeface="Wingdings" panose="05000000000000000000" pitchFamily="2" charset="2"/>
+              </a:rPr>
+              <a:t> sondern </a:t>
+            </a:r>
+            <a:r>
+              <a:rPr lang="de-DE" dirty="0" err="1">
+                <a:sym typeface="Wingdings" panose="05000000000000000000" pitchFamily="2" charset="2"/>
+              </a:rPr>
+              <a:t>vllt</a:t>
+            </a:r>
+            <a:r>
+              <a:rPr lang="de-DE" dirty="0">
+                <a:sym typeface="Wingdings" panose="05000000000000000000" pitchFamily="2" charset="2"/>
+              </a:rPr>
+              <a:t> 3 oder 5?</a:t>
+            </a:r>
+          </a:p>
+          <a:p>
+            <a:r>
+              <a:rPr lang="de-DE" dirty="0">
+                <a:sym typeface="Wingdings" panose="05000000000000000000" pitchFamily="2" charset="2"/>
+              </a:rPr>
+              <a:t>Hybrid Lösung?</a:t>
+            </a:r>
+          </a:p>
+          <a:p>
+            <a:r>
+              <a:rPr lang="de-DE" dirty="0">
+                <a:sym typeface="Wingdings" panose="05000000000000000000" pitchFamily="2" charset="2"/>
+              </a:rPr>
+              <a:t>Frequenz als Merkmal – wie frequentiert sind die </a:t>
+            </a:r>
+            <a:r>
+              <a:rPr lang="de-DE" dirty="0" err="1">
+                <a:sym typeface="Wingdings" panose="05000000000000000000" pitchFamily="2" charset="2"/>
+              </a:rPr>
+              <a:t>wolken</a:t>
+            </a:r>
+            <a:r>
+              <a:rPr lang="de-DE" dirty="0">
+                <a:sym typeface="Wingdings" panose="05000000000000000000" pitchFamily="2" charset="2"/>
+              </a:rPr>
+              <a:t> am Himmel?</a:t>
+            </a:r>
+          </a:p>
+          <a:p>
+            <a:r>
+              <a:rPr lang="de-DE" dirty="0">
+                <a:sym typeface="Wingdings" panose="05000000000000000000" pitchFamily="2" charset="2"/>
+              </a:rPr>
+              <a:t>Data Augmentation – für mehr Bilder (Spiegelung an der Y-Achse, stauchen, drehen?(</a:t>
+            </a:r>
+            <a:r>
+              <a:rPr lang="de-DE" dirty="0" err="1">
+                <a:sym typeface="Wingdings" panose="05000000000000000000" pitchFamily="2" charset="2"/>
+              </a:rPr>
+              <a:t>boden</a:t>
+            </a:r>
+            <a:r>
+              <a:rPr lang="de-DE" dirty="0">
+                <a:sym typeface="Wingdings" panose="05000000000000000000" pitchFamily="2" charset="2"/>
+              </a:rPr>
+              <a:t> :c)</a:t>
             </a:r>
             <a:endParaRPr lang="de-DE" dirty="0"/>
           </a:p>
@@ -1398,7 +1410,7 @@
           <a:p>
             <a:fld id="{FFA30538-EFC0-4593-81AF-509E83D5B3F4}" type="slidenum">
               <a:rPr lang="de-DE" smtClean="0"/>
-              <a:t>18</a:t>
+              <a:t>17</a:t>
             </a:fld>
             <a:endParaRPr lang="de-DE"/>
           </a:p>
@@ -1407,7 +1419,7 @@
     </p:spTree>
     <p:extLst>
       <p:ext uri="{BB962C8B-B14F-4D97-AF65-F5344CB8AC3E}">
-        <p14:creationId xmlns:p14="http://schemas.microsoft.com/office/powerpoint/2010/main" val="1682009794"/>
+        <p14:creationId xmlns:p14="http://schemas.microsoft.com/office/powerpoint/2010/main" val="642194744"/>
       </p:ext>
     </p:extLst>
   </p:cSld>
@@ -1463,6 +1475,114 @@
           <a:p>
             <a:r>
               <a:rPr lang="de-DE" dirty="0"/>
+              <a:t>Großes Problem bleibt einfach: die Wolkenarten sehen trotz unserer nur 4 Gruppen </a:t>
+            </a:r>
+            <a:r>
+              <a:rPr lang="de-DE" dirty="0" err="1"/>
+              <a:t>immernoch</a:t>
+            </a:r>
+            <a:r>
+              <a:rPr lang="de-DE" dirty="0"/>
+              <a:t> sehr </a:t>
+            </a:r>
+            <a:r>
+              <a:rPr lang="de-DE" dirty="0" err="1"/>
+              <a:t>sehr</a:t>
+            </a:r>
+            <a:r>
+              <a:rPr lang="de-DE" dirty="0"/>
+              <a:t> gleich aus. Hängt damit zusammen, dass wolkenarten auch danach klassifiziert werden , in welcher höhe </a:t>
+            </a:r>
+            <a:r>
+              <a:rPr lang="de-DE"/>
+              <a:t>sie sind</a:t>
+            </a:r>
+            <a:endParaRPr lang="de-DE" dirty="0"/>
+          </a:p>
+        </p:txBody>
+      </p:sp>
+      <p:sp>
+        <p:nvSpPr>
+          <p:cNvPr id="4" name="Foliennummernplatzhalter 3"/>
+          <p:cNvSpPr>
+            <a:spLocks noGrp="1"/>
+          </p:cNvSpPr>
+          <p:nvPr>
+            <p:ph type="sldNum" sz="quarter" idx="10"/>
+          </p:nvPr>
+        </p:nvSpPr>
+        <p:spPr/>
+        <p:txBody>
+          <a:bodyPr/>
+          <a:lstStyle/>
+          <a:p>
+            <a:fld id="{FFA30538-EFC0-4593-81AF-509E83D5B3F4}" type="slidenum">
+              <a:rPr lang="de-DE" smtClean="0"/>
+              <a:t>18</a:t>
+            </a:fld>
+            <a:endParaRPr lang="de-DE"/>
+          </a:p>
+        </p:txBody>
+      </p:sp>
+    </p:spTree>
+    <p:extLst>
+      <p:ext uri="{BB962C8B-B14F-4D97-AF65-F5344CB8AC3E}">
+        <p14:creationId xmlns:p14="http://schemas.microsoft.com/office/powerpoint/2010/main" val="1682009794"/>
+      </p:ext>
+    </p:extLst>
+  </p:cSld>
+  <p:clrMapOvr>
+    <a:masterClrMapping/>
+  </p:clrMapOvr>
+</p:notes>
+</file>
+
+<file path=ppt/notesSlides/notesSlide18.xml><?xml version="1.0" encoding="utf-8"?>
+<p:notes xmlns:a="http://schemas.openxmlformats.org/drawingml/2006/main" xmlns:r="http://schemas.openxmlformats.org/officeDocument/2006/relationships" xmlns:p="http://schemas.openxmlformats.org/presentationml/2006/main">
+  <p:cSld>
+    <p:spTree>
+      <p:nvGrpSpPr>
+        <p:cNvPr id="1" name=""/>
+        <p:cNvGrpSpPr/>
+        <p:nvPr/>
+      </p:nvGrpSpPr>
+      <p:grpSpPr>
+        <a:xfrm>
+          <a:off x="0" y="0"/>
+          <a:ext cx="0" cy="0"/>
+          <a:chOff x="0" y="0"/>
+          <a:chExt cx="0" cy="0"/>
+        </a:xfrm>
+      </p:grpSpPr>
+      <p:sp>
+        <p:nvSpPr>
+          <p:cNvPr id="2" name="Folienbildplatzhalter 1"/>
+          <p:cNvSpPr>
+            <a:spLocks noGrp="1" noRot="1" noChangeAspect="1"/>
+          </p:cNvSpPr>
+          <p:nvPr>
+            <p:ph type="sldImg"/>
+          </p:nvPr>
+        </p:nvSpPr>
+        <p:spPr/>
+      </p:sp>
+      <p:sp>
+        <p:nvSpPr>
+          <p:cNvPr id="3" name="Notizenplatzhalter 2"/>
+          <p:cNvSpPr>
+            <a:spLocks noGrp="1"/>
+          </p:cNvSpPr>
+          <p:nvPr>
+            <p:ph type="body" idx="1"/>
+          </p:nvPr>
+        </p:nvSpPr>
+        <p:spPr/>
+        <p:txBody>
+          <a:bodyPr/>
+          <a:lstStyle/>
+          <a:p>
+            <a:r>
+              <a:rPr lang="de-DE" dirty="0"/>
               <a:t>Trainiert auf den Bildern von </a:t>
             </a:r>
             <a:r>
@@ -1509,7 +1629,7 @@
 </p:notes>
 </file>
 
-<file path=ppt/notesSlides/notesSlide18.xml><?xml version="1.0" encoding="utf-8"?>
+<file path=ppt/notesSlides/notesSlide19.xml><?xml version="1.0" encoding="utf-8"?>
 <p:notes xmlns:a="http://schemas.openxmlformats.org/drawingml/2006/main" xmlns:r="http://schemas.openxmlformats.org/officeDocument/2006/relationships" xmlns:p="http://schemas.openxmlformats.org/presentationml/2006/main">
   <p:cSld>
     <p:spTree>
@@ -1705,25 +1825,13 @@
           <a:p>
             <a:r>
               <a:rPr lang="de-DE" dirty="0"/>
-              <a:t>Schichtwolke; tritt entweder als faseriger Schleier, in dem dünne Streifenbildung vorhanden sein kann, oder als schleierartiger Nebel auf; kann die Sonne nie komplett verdecken</a:t>
-            </a:r>
-          </a:p>
-          <a:p>
-            <a:r>
-              <a:rPr lang="de-DE" dirty="0"/>
-              <a:t>graue, mittelhohe Schichtwolke ohne Konturen</a:t>
-            </a:r>
-          </a:p>
-          <a:p>
-            <a:r>
-              <a:rPr lang="de-DE" dirty="0"/>
-              <a:t>Stark ausgedehnte, dunkelgraue Schicht; starke vertikale Ausdehnung.</a:t>
-            </a:r>
-          </a:p>
-          <a:p>
-            <a:r>
-              <a:rPr lang="de-DE" dirty="0"/>
-              <a:t>niedere Schichtwolken, werden auch als Hochnebel oder Höhennebel bezeichnet; völlig strukturlos</a:t>
+              <a:t>Schichtwolke als schleierartiger Nebel auf; kann die Sonne nie komplett verdecken</a:t>
+            </a:r>
+          </a:p>
+          <a:p>
+            <a:r>
+              <a:rPr lang="de-DE" dirty="0"/>
+              <a:t>Grau, völlig strukturlos</a:t>
             </a:r>
           </a:p>
         </p:txBody>
@@ -1810,7 +1918,7 @@
           <a:p>
             <a:r>
               <a:rPr lang="de-DE" dirty="0"/>
-              <a:t>dünne Fasern oder Fäden, selten auch Büschel. Ränder meist durch die starken Höhenwinde ausgefranst.</a:t>
+              <a:t>dünne Fasern oder Fäden, selten auch Büschel; Ränder sind ausgefranst.</a:t>
             </a:r>
           </a:p>
         </p:txBody>
@@ -1897,19 +2005,19 @@
           <a:p>
             <a:r>
               <a:rPr lang="de-DE" dirty="0"/>
-              <a:t>Haufenwolken; tritt meistens in mehr oder weniger ausgedehnten Feldern auf, die aus kleinen körnigen Wolkenteilen bestehen; selten auch kleine zerfetzte Büschel.</a:t>
-            </a:r>
-          </a:p>
-          <a:p>
-            <a:r>
-              <a:rPr lang="de-DE" dirty="0"/>
-              <a:t>Haufenwolke; tritt meistens als großes Feld auf, das aus vielen kleinen einzelnen Wolken besteht.</a:t>
-            </a:r>
-          </a:p>
-          <a:p>
-            <a:r>
-              <a:rPr lang="de-DE" dirty="0"/>
-              <a:t>Haufenschichtwolken ohne Fasern; tritt in Flecken, Feldern oder Schichten auf, die sich aus gleichmäßig angeordneten Schollen, Ballen oder Walzen zusammenstellen.</a:t>
+              <a:t>Haufenwolken ausgedehnten Feldern auf selten, auch kleine zerfetzte Büschel.</a:t>
+            </a:r>
+          </a:p>
+          <a:p>
+            <a:r>
+              <a:rPr lang="de-DE" dirty="0"/>
+              <a:t>tritt meistens als großes Feld auf, das aus vielen kleinen einzelnen Wolken besteht.</a:t>
+            </a:r>
+          </a:p>
+          <a:p>
+            <a:r>
+              <a:rPr lang="de-DE" dirty="0"/>
+              <a:t>Schollen, Ballen oder Walzen zusammenstellen.</a:t>
             </a:r>
           </a:p>
         </p:txBody>
@@ -1996,7 +2104,7 @@
           <a:p>
             <a:r>
               <a:rPr lang="de-DE" dirty="0"/>
-              <a:t>Cumulus sind dichte scharf voneinander abgegrenzten Haufenwolken, die Ränder sehen manchmal zerfetzt aus und verändern sich ständig</a:t>
+              <a:t>Cumulus sind dichte scharf voneinander abgegrenzten Haufenwolken, die Ränder sehen manchmal zerfetzt aus</a:t>
             </a:r>
           </a:p>
           <a:p>
@@ -2097,25 +2205,7 @@
           <a:p>
             <a:r>
               <a:rPr lang="de-DE" dirty="0"/>
-              <a:t>Schichtwolke; tritt entweder als faseriger Schleier, in dem dünne Streifenbildung vorhanden sein kann, oder als schleierartiger Nebel auf; kann die Sonne nie komplett verdecken</a:t>
-            </a:r>
-          </a:p>
-          <a:p>
-            <a:r>
-              <a:rPr lang="de-DE" dirty="0"/>
-              <a:t>graue, mittelhohe Schichtwolke ohne Konturen</a:t>
-            </a:r>
-          </a:p>
-          <a:p>
-            <a:r>
-              <a:rPr lang="de-DE" dirty="0"/>
-              <a:t>Stark ausgedehnte, dunkelgraue Schicht; starke vertikale Ausdehnung.</a:t>
-            </a:r>
-          </a:p>
-          <a:p>
-            <a:r>
-              <a:rPr lang="de-DE" dirty="0"/>
-              <a:t>niedere Schichtwolken, werden auch als Hochnebel oder Höhennebel bezeichnet; völlig strukturlos</a:t>
+              <a:t>Wolken, welche von stärkeren Natureinflüssen getroffen wurden</a:t>
             </a:r>
           </a:p>
         </p:txBody>
@@ -2202,173 +2292,36 @@
           <a:p>
             <a:r>
               <a:rPr lang="de-DE" dirty="0"/>
-              <a:t>Zunächst Bildung des arithmetischen Mittels, dies ist unser </a:t>
+              <a:t>Verschiedene Quellen</a:t>
+            </a:r>
+          </a:p>
+          <a:p>
+            <a:r>
+              <a:rPr lang="de-DE" dirty="0"/>
+              <a:t>Viele Wolkenarten (10) zu 4</a:t>
+            </a:r>
+          </a:p>
+          <a:p>
+            <a:r>
+              <a:rPr lang="de-DE" dirty="0"/>
+              <a:t>Auf eine </a:t>
             </a:r>
             <a:r>
               <a:rPr lang="de-DE" dirty="0" err="1"/>
-              <a:t>Treshold</a:t>
-            </a:r>
-            <a:r>
-              <a:rPr lang="de-DE" dirty="0"/>
-              <a:t> für das </a:t>
-            </a:r>
-            <a:r>
-              <a:rPr lang="de-DE" dirty="0" err="1"/>
-              <a:t>binarisieren</a:t>
-            </a:r>
-            <a:endParaRPr lang="de-DE" dirty="0"/>
-          </a:p>
-          <a:p>
-            <a:pPr marL="171450" indent="-171450">
-              <a:buFont typeface="Wingdings" panose="05000000000000000000" pitchFamily="2" charset="2"/>
-              <a:buChar char="è"/>
-            </a:pPr>
-            <a:r>
-              <a:rPr lang="de-DE" dirty="0">
-                <a:sym typeface="Wingdings" panose="05000000000000000000" pitchFamily="2" charset="2"/>
-              </a:rPr>
-              <a:t>Durch </a:t>
-            </a:r>
-            <a:r>
-              <a:rPr lang="de-DE" dirty="0" err="1">
-                <a:sym typeface="Wingdings" panose="05000000000000000000" pitchFamily="2" charset="2"/>
-              </a:rPr>
-              <a:t>umwandlung</a:t>
-            </a:r>
-            <a:r>
-              <a:rPr lang="de-DE" dirty="0">
-                <a:sym typeface="Wingdings" panose="05000000000000000000" pitchFamily="2" charset="2"/>
-              </a:rPr>
-              <a:t> in den HSV Raum gewisse Farbräume gleich aussortiert, die niemals im Himmel vorkommen können</a:t>
-            </a:r>
-          </a:p>
-          <a:p>
-            <a:pPr marL="171450" indent="-171450">
-              <a:buFont typeface="Wingdings" panose="05000000000000000000" pitchFamily="2" charset="2"/>
-              <a:buChar char="è"/>
-            </a:pPr>
-            <a:r>
-              <a:rPr lang="de-DE" dirty="0">
-                <a:sym typeface="Wingdings" panose="05000000000000000000" pitchFamily="2" charset="2"/>
-              </a:rPr>
-              <a:t>Region </a:t>
-            </a:r>
-            <a:r>
-              <a:rPr lang="de-DE" dirty="0" err="1">
-                <a:sym typeface="Wingdings" panose="05000000000000000000" pitchFamily="2" charset="2"/>
-              </a:rPr>
-              <a:t>growing</a:t>
-            </a:r>
-            <a:r>
-              <a:rPr lang="de-DE" dirty="0">
-                <a:sym typeface="Wingdings" panose="05000000000000000000" pitchFamily="2" charset="2"/>
-              </a:rPr>
-              <a:t> ging </a:t>
-            </a:r>
-            <a:r>
-              <a:rPr lang="de-DE" dirty="0" err="1">
-                <a:sym typeface="Wingdings" panose="05000000000000000000" pitchFamily="2" charset="2"/>
-              </a:rPr>
-              <a:t>nich</a:t>
-            </a:r>
-            <a:endParaRPr lang="de-DE" dirty="0"/>
-          </a:p>
-          <a:p>
-            <a:endParaRPr lang="de-DE" dirty="0"/>
-          </a:p>
-          <a:p>
-            <a:r>
-              <a:rPr lang="de-DE" dirty="0"/>
-              <a:t>Haben vor allem am unteren Rand der Bilder oft noch Boden zu sehen </a:t>
-            </a:r>
-          </a:p>
-          <a:p>
-            <a:r>
-              <a:rPr lang="de-DE" dirty="0">
-                <a:sym typeface="Wingdings" panose="05000000000000000000" pitchFamily="2" charset="2"/>
-              </a:rPr>
-              <a:t> wegbekommen da sonst </a:t>
-            </a:r>
-            <a:r>
-              <a:rPr lang="de-DE" dirty="0" err="1">
-                <a:sym typeface="Wingdings" panose="05000000000000000000" pitchFamily="2" charset="2"/>
-              </a:rPr>
-              <a:t>verfälschung</a:t>
-            </a:r>
-            <a:r>
-              <a:rPr lang="de-DE" dirty="0">
-                <a:sym typeface="Wingdings" panose="05000000000000000000" pitchFamily="2" charset="2"/>
-              </a:rPr>
-              <a:t> der Merkmale</a:t>
-            </a:r>
-          </a:p>
-          <a:p>
-            <a:r>
-              <a:rPr lang="de-DE" dirty="0">
-                <a:sym typeface="Wingdings" panose="05000000000000000000" pitchFamily="2" charset="2"/>
-              </a:rPr>
-              <a:t>Eigene Funktion geschrieben: Zunächst komplett standardmäßig </a:t>
-            </a:r>
-            <a:r>
-              <a:rPr lang="de-DE" dirty="0" err="1">
-                <a:sym typeface="Wingdings" panose="05000000000000000000" pitchFamily="2" charset="2"/>
-              </a:rPr>
-              <a:t>binarisieren</a:t>
-            </a:r>
-            <a:r>
-              <a:rPr lang="de-DE" dirty="0">
-                <a:sym typeface="Wingdings" panose="05000000000000000000" pitchFamily="2" charset="2"/>
-              </a:rPr>
-              <a:t>, danach von unten heran eine kleine Box bauen weil wir den </a:t>
-            </a:r>
-            <a:r>
-              <a:rPr lang="de-DE" dirty="0" err="1">
-                <a:sym typeface="Wingdings" panose="05000000000000000000" pitchFamily="2" charset="2"/>
-              </a:rPr>
-              <a:t>himmel</a:t>
-            </a:r>
-            <a:r>
-              <a:rPr lang="de-DE" dirty="0">
-                <a:sym typeface="Wingdings" panose="05000000000000000000" pitchFamily="2" charset="2"/>
-              </a:rPr>
-              <a:t> meistens auch haben wollen</a:t>
-            </a:r>
-          </a:p>
-          <a:p>
-            <a:pPr marL="171450" indent="-171450">
-              <a:buFont typeface="Wingdings" panose="05000000000000000000" pitchFamily="2" charset="2"/>
-              <a:buChar char="è"/>
-            </a:pPr>
-            <a:r>
-              <a:rPr lang="de-DE" dirty="0">
-                <a:sym typeface="Wingdings" panose="05000000000000000000" pitchFamily="2" charset="2"/>
-              </a:rPr>
-              <a:t>prüft den Schwarzanteil (nicht Himmel) zum Weißanteil (Himmel) des </a:t>
-            </a:r>
-            <a:r>
-              <a:rPr lang="de-DE" dirty="0" err="1">
-                <a:sym typeface="Wingdings" panose="05000000000000000000" pitchFamily="2" charset="2"/>
-              </a:rPr>
-              <a:t>binarisierten</a:t>
-            </a:r>
-            <a:r>
-              <a:rPr lang="de-DE" dirty="0">
-                <a:sym typeface="Wingdings" panose="05000000000000000000" pitchFamily="2" charset="2"/>
-              </a:rPr>
-              <a:t> Bildes, sobald dieser einen bestimmen Wert erreicht</a:t>
-            </a:r>
-          </a:p>
-          <a:p>
-            <a:pPr marL="171450" indent="-171450">
-              <a:buFont typeface="Wingdings" panose="05000000000000000000" pitchFamily="2" charset="2"/>
-              <a:buChar char="è"/>
-            </a:pPr>
-            <a:r>
-              <a:rPr lang="de-DE" dirty="0">
-                <a:sym typeface="Wingdings" panose="05000000000000000000" pitchFamily="2" charset="2"/>
-              </a:rPr>
-              <a:t> untere Grenze gefunden und Bild wieder auf Standardformat bringen.</a:t>
-            </a:r>
+              <a:t>größe</a:t>
+            </a:r>
+            <a:r>
+              <a:rPr lang="de-DE" dirty="0"/>
+              <a:t> bringen,</a:t>
+            </a:r>
+          </a:p>
+          <a:p>
+            <a:r>
+              <a:rPr lang="de-DE" dirty="0"/>
+              <a:t>Geschnitten</a:t>
+            </a:r>
+          </a:p>
+          <a:p>
             <a:endParaRPr lang="de-DE" dirty="0"/>
           </a:p>
         </p:txBody>
@@ -2390,7 +2343,7 @@
           <a:p>
             <a:fld id="{FFA30538-EFC0-4593-81AF-509E83D5B3F4}" type="slidenum">
               <a:rPr lang="de-DE" smtClean="0"/>
-              <a:t>9</a:t>
+              <a:t>8</a:t>
             </a:fld>
             <a:endParaRPr lang="de-DE"/>
           </a:p>
@@ -2399,7 +2352,7 @@
     </p:spTree>
     <p:extLst>
       <p:ext uri="{BB962C8B-B14F-4D97-AF65-F5344CB8AC3E}">
-        <p14:creationId xmlns:p14="http://schemas.microsoft.com/office/powerpoint/2010/main" val="2042746959"/>
+        <p14:creationId xmlns:p14="http://schemas.microsoft.com/office/powerpoint/2010/main" val="4002079439"/>
       </p:ext>
     </p:extLst>
   </p:cSld>
@@ -2455,13 +2408,153 @@
           <a:p>
             <a:r>
               <a:rPr lang="de-DE" dirty="0"/>
-              <a:t>Gutes Ergebnis </a:t>
-            </a:r>
+              <a:t>Ziel: Auf vielen Bildern ist Boden zu sehen: diesen wegschneiden, da </a:t>
+            </a:r>
+            <a:r>
+              <a:rPr lang="de-DE" dirty="0" err="1"/>
+              <a:t>verfälschung</a:t>
+            </a:r>
+            <a:r>
+              <a:rPr lang="de-DE" dirty="0"/>
+              <a:t> der Merkmale</a:t>
+            </a:r>
+          </a:p>
+          <a:p>
+            <a:r>
+              <a:rPr lang="de-DE" dirty="0"/>
+              <a:t>Zunächst Bildung des arithmetischen Mittels, dies ist unser </a:t>
+            </a:r>
+            <a:r>
+              <a:rPr lang="de-DE" dirty="0" err="1"/>
+              <a:t>Treshold</a:t>
+            </a:r>
+            <a:r>
+              <a:rPr lang="de-DE" dirty="0"/>
+              <a:t> für das </a:t>
+            </a:r>
+            <a:r>
+              <a:rPr lang="de-DE" dirty="0" err="1"/>
+              <a:t>binarisieren</a:t>
+            </a:r>
+            <a:r>
+              <a:rPr lang="de-DE" dirty="0"/>
+              <a:t> mithilfe von boxen</a:t>
+            </a:r>
+          </a:p>
+          <a:p>
+            <a:pPr marL="171450" indent="-171450">
+              <a:buFont typeface="Wingdings" panose="05000000000000000000" pitchFamily="2" charset="2"/>
+              <a:buChar char="è"/>
+            </a:pPr>
             <a:r>
               <a:rPr lang="de-DE" dirty="0">
                 <a:sym typeface="Wingdings" panose="05000000000000000000" pitchFamily="2" charset="2"/>
               </a:rPr>
-              <a:t></a:t>
+              <a:t>Durch </a:t>
+            </a:r>
+            <a:r>
+              <a:rPr lang="de-DE" dirty="0" err="1">
+                <a:sym typeface="Wingdings" panose="05000000000000000000" pitchFamily="2" charset="2"/>
+              </a:rPr>
+              <a:t>umwandlung</a:t>
+            </a:r>
+            <a:r>
+              <a:rPr lang="de-DE" dirty="0">
+                <a:sym typeface="Wingdings" panose="05000000000000000000" pitchFamily="2" charset="2"/>
+              </a:rPr>
+              <a:t> in den HSV Raum gewisse Farbräume gleich aussortiert, die niemals im Himmel vorkommen können</a:t>
+            </a:r>
+          </a:p>
+          <a:p>
+            <a:pPr marL="171450" indent="-171450">
+              <a:buFont typeface="Wingdings" panose="05000000000000000000" pitchFamily="2" charset="2"/>
+              <a:buChar char="è"/>
+            </a:pPr>
+            <a:r>
+              <a:rPr lang="de-DE" dirty="0">
+                <a:sym typeface="Wingdings" panose="05000000000000000000" pitchFamily="2" charset="2"/>
+              </a:rPr>
+              <a:t>Region </a:t>
+            </a:r>
+            <a:r>
+              <a:rPr lang="de-DE" dirty="0" err="1">
+                <a:sym typeface="Wingdings" panose="05000000000000000000" pitchFamily="2" charset="2"/>
+              </a:rPr>
+              <a:t>growing</a:t>
+            </a:r>
+            <a:r>
+              <a:rPr lang="de-DE" dirty="0">
+                <a:sym typeface="Wingdings" panose="05000000000000000000" pitchFamily="2" charset="2"/>
+              </a:rPr>
+              <a:t> ging </a:t>
+            </a:r>
+            <a:r>
+              <a:rPr lang="de-DE" dirty="0" err="1">
+                <a:sym typeface="Wingdings" panose="05000000000000000000" pitchFamily="2" charset="2"/>
+              </a:rPr>
+              <a:t>nich</a:t>
+            </a:r>
+            <a:endParaRPr lang="de-DE" dirty="0"/>
+          </a:p>
+          <a:p>
+            <a:endParaRPr lang="de-DE" dirty="0">
+              <a:sym typeface="Wingdings" panose="05000000000000000000" pitchFamily="2" charset="2"/>
+            </a:endParaRPr>
+          </a:p>
+          <a:p>
+            <a:r>
+              <a:rPr lang="de-DE" dirty="0">
+                <a:sym typeface="Wingdings" panose="05000000000000000000" pitchFamily="2" charset="2"/>
+              </a:rPr>
+              <a:t>Eigene Funktion geschrieben: Zunächst komplett standardmäßig </a:t>
+            </a:r>
+            <a:r>
+              <a:rPr lang="de-DE" dirty="0" err="1">
+                <a:sym typeface="Wingdings" panose="05000000000000000000" pitchFamily="2" charset="2"/>
+              </a:rPr>
+              <a:t>binarisieren</a:t>
+            </a:r>
+            <a:r>
+              <a:rPr lang="de-DE" dirty="0">
+                <a:sym typeface="Wingdings" panose="05000000000000000000" pitchFamily="2" charset="2"/>
+              </a:rPr>
+              <a:t>, danach von unten heran eine kleine Box da nur Himmel wichtig</a:t>
+            </a:r>
+          </a:p>
+          <a:p>
+            <a:pPr marL="171450" indent="-171450">
+              <a:buFont typeface="Wingdings" panose="05000000000000000000" pitchFamily="2" charset="2"/>
+              <a:buChar char="è"/>
+            </a:pPr>
+            <a:r>
+              <a:rPr lang="de-DE" dirty="0">
+                <a:sym typeface="Wingdings" panose="05000000000000000000" pitchFamily="2" charset="2"/>
+              </a:rPr>
+              <a:t>prüft den Schwarzanteil (nicht Himmel) zum Weißanteil (Himmel) des </a:t>
+            </a:r>
+            <a:r>
+              <a:rPr lang="de-DE" dirty="0" err="1">
+                <a:sym typeface="Wingdings" panose="05000000000000000000" pitchFamily="2" charset="2"/>
+              </a:rPr>
+              <a:t>binarisierten</a:t>
+            </a:r>
+            <a:r>
+              <a:rPr lang="de-DE" dirty="0">
+                <a:sym typeface="Wingdings" panose="05000000000000000000" pitchFamily="2" charset="2"/>
+              </a:rPr>
+              <a:t> Bildes, sobald dieser den bestimmen Wert erreicht</a:t>
+            </a:r>
+          </a:p>
+          <a:p>
+            <a:pPr marL="171450" indent="-171450">
+              <a:buFont typeface="Wingdings" panose="05000000000000000000" pitchFamily="2" charset="2"/>
+              <a:buChar char="è"/>
+            </a:pPr>
+            <a:r>
+              <a:rPr lang="de-DE" dirty="0">
+                <a:sym typeface="Wingdings" panose="05000000000000000000" pitchFamily="2" charset="2"/>
+              </a:rPr>
+              <a:t> untere Grenze gefunden und Bild wieder auf Standardformat bringen.</a:t>
             </a:r>
             <a:endParaRPr lang="de-DE" dirty="0"/>
           </a:p>
@@ -2484,7 +2577,7 @@
           <a:p>
             <a:fld id="{FFA30538-EFC0-4593-81AF-509E83D5B3F4}" type="slidenum">
               <a:rPr lang="de-DE" smtClean="0"/>
-              <a:t>10</a:t>
+              <a:t>9</a:t>
             </a:fld>
             <a:endParaRPr lang="de-DE"/>
           </a:p>
@@ -2493,7 +2586,7 @@
     </p:spTree>
     <p:extLst>
       <p:ext uri="{BB962C8B-B14F-4D97-AF65-F5344CB8AC3E}">
-        <p14:creationId xmlns:p14="http://schemas.microsoft.com/office/powerpoint/2010/main" val="2601506680"/>
+        <p14:creationId xmlns:p14="http://schemas.microsoft.com/office/powerpoint/2010/main" val="2042746959"/>
       </p:ext>
     </p:extLst>
   </p:cSld>
@@ -2578,7 +2671,7 @@
           <a:p>
             <a:fld id="{FFA30538-EFC0-4593-81AF-509E83D5B3F4}" type="slidenum">
               <a:rPr lang="de-DE" smtClean="0"/>
-              <a:t>11</a:t>
+              <a:t>10</a:t>
             </a:fld>
             <a:endParaRPr lang="de-DE"/>
           </a:p>
@@ -2587,7 +2680,7 @@
     </p:spTree>
     <p:extLst>
       <p:ext uri="{BB962C8B-B14F-4D97-AF65-F5344CB8AC3E}">
-        <p14:creationId xmlns:p14="http://schemas.microsoft.com/office/powerpoint/2010/main" val="142956413"/>
+        <p14:creationId xmlns:p14="http://schemas.microsoft.com/office/powerpoint/2010/main" val="2601506680"/>
       </p:ext>
     </p:extLst>
   </p:cSld>
@@ -2788,7 +2881,7 @@
           <a:p>
             <a:fld id="{A96754D5-AF5E-411A-9792-199172EBB005}" type="datetimeFigureOut">
               <a:rPr lang="de-DE" smtClean="0"/>
-              <a:t>11.07.2018</a:t>
+              <a:t>12.07.2018</a:t>
             </a:fld>
             <a:endParaRPr lang="de-DE"/>
           </a:p>
@@ -3224,7 +3317,7 @@
           <a:p>
             <a:fld id="{A96754D5-AF5E-411A-9792-199172EBB005}" type="datetimeFigureOut">
               <a:rPr lang="de-DE" smtClean="0"/>
-              <a:t>11.07.2018</a:t>
+              <a:t>12.07.2018</a:t>
             </a:fld>
             <a:endParaRPr lang="de-DE"/>
           </a:p>
@@ -3474,7 +3567,7 @@
           <a:p>
             <a:fld id="{A96754D5-AF5E-411A-9792-199172EBB005}" type="datetimeFigureOut">
               <a:rPr lang="de-DE" smtClean="0"/>
-              <a:t>11.07.2018</a:t>
+              <a:t>12.07.2018</a:t>
             </a:fld>
             <a:endParaRPr lang="de-DE"/>
           </a:p>
@@ -3782,7 +3875,7 @@
           <a:p>
             <a:fld id="{A96754D5-AF5E-411A-9792-199172EBB005}" type="datetimeFigureOut">
               <a:rPr lang="de-DE" smtClean="0"/>
-              <a:t>11.07.2018</a:t>
+              <a:t>12.07.2018</a:t>
             </a:fld>
             <a:endParaRPr lang="de-DE"/>
           </a:p>
@@ -4100,7 +4193,7 @@
           <a:p>
             <a:fld id="{A96754D5-AF5E-411A-9792-199172EBB005}" type="datetimeFigureOut">
               <a:rPr lang="de-DE" smtClean="0"/>
-              <a:t>11.07.2018</a:t>
+              <a:t>12.07.2018</a:t>
             </a:fld>
             <a:endParaRPr lang="de-DE"/>
           </a:p>
@@ -4402,7 +4495,7 @@
           <a:p>
             <a:fld id="{A96754D5-AF5E-411A-9792-199172EBB005}" type="datetimeFigureOut">
               <a:rPr lang="de-DE" smtClean="0"/>
-              <a:t>11.07.2018</a:t>
+              <a:t>12.07.2018</a:t>
             </a:fld>
             <a:endParaRPr lang="de-DE"/>
           </a:p>
@@ -4769,7 +4862,7 @@
           <a:p>
             <a:fld id="{A96754D5-AF5E-411A-9792-199172EBB005}" type="datetimeFigureOut">
               <a:rPr lang="de-DE" smtClean="0"/>
-              <a:t>11.07.2018</a:t>
+              <a:t>12.07.2018</a:t>
             </a:fld>
             <a:endParaRPr lang="de-DE"/>
           </a:p>
@@ -4943,7 +5036,7 @@
           <a:p>
             <a:fld id="{A96754D5-AF5E-411A-9792-199172EBB005}" type="datetimeFigureOut">
               <a:rPr lang="de-DE" smtClean="0"/>
-              <a:t>11.07.2018</a:t>
+              <a:t>12.07.2018</a:t>
             </a:fld>
             <a:endParaRPr lang="de-DE"/>
           </a:p>
@@ -5123,7 +5216,7 @@
           <a:p>
             <a:fld id="{A96754D5-AF5E-411A-9792-199172EBB005}" type="datetimeFigureOut">
               <a:rPr lang="de-DE" smtClean="0"/>
-              <a:t>11.07.2018</a:t>
+              <a:t>12.07.2018</a:t>
             </a:fld>
             <a:endParaRPr lang="de-DE"/>
           </a:p>
@@ -5293,7 +5386,7 @@
           <a:p>
             <a:fld id="{A96754D5-AF5E-411A-9792-199172EBB005}" type="datetimeFigureOut">
               <a:rPr lang="de-DE" smtClean="0"/>
-              <a:t>11.07.2018</a:t>
+              <a:t>12.07.2018</a:t>
             </a:fld>
             <a:endParaRPr lang="de-DE"/>
           </a:p>
@@ -5543,7 +5636,7 @@
           <a:p>
             <a:fld id="{A96754D5-AF5E-411A-9792-199172EBB005}" type="datetimeFigureOut">
               <a:rPr lang="de-DE" smtClean="0"/>
-              <a:t>11.07.2018</a:t>
+              <a:t>12.07.2018</a:t>
             </a:fld>
             <a:endParaRPr lang="de-DE"/>
           </a:p>
@@ -5779,7 +5872,7 @@
           <a:p>
             <a:fld id="{A96754D5-AF5E-411A-9792-199172EBB005}" type="datetimeFigureOut">
               <a:rPr lang="de-DE" smtClean="0"/>
-              <a:t>11.07.2018</a:t>
+              <a:t>12.07.2018</a:t>
             </a:fld>
             <a:endParaRPr lang="de-DE"/>
           </a:p>
@@ -6161,7 +6254,7 @@
           <a:p>
             <a:fld id="{A96754D5-AF5E-411A-9792-199172EBB005}" type="datetimeFigureOut">
               <a:rPr lang="de-DE" smtClean="0"/>
-              <a:t>11.07.2018</a:t>
+              <a:t>12.07.2018</a:t>
             </a:fld>
             <a:endParaRPr lang="de-DE"/>
           </a:p>
@@ -6279,7 +6372,7 @@
           <a:p>
             <a:fld id="{A96754D5-AF5E-411A-9792-199172EBB005}" type="datetimeFigureOut">
               <a:rPr lang="de-DE" smtClean="0"/>
-              <a:t>11.07.2018</a:t>
+              <a:t>12.07.2018</a:t>
             </a:fld>
             <a:endParaRPr lang="de-DE"/>
           </a:p>
@@ -6374,7 +6467,7 @@
           <a:p>
             <a:fld id="{A96754D5-AF5E-411A-9792-199172EBB005}" type="datetimeFigureOut">
               <a:rPr lang="de-DE" smtClean="0"/>
-              <a:t>11.07.2018</a:t>
+              <a:t>12.07.2018</a:t>
             </a:fld>
             <a:endParaRPr lang="de-DE"/>
           </a:p>
@@ -6629,7 +6722,7 @@
           <a:p>
             <a:fld id="{A96754D5-AF5E-411A-9792-199172EBB005}" type="datetimeFigureOut">
               <a:rPr lang="de-DE" smtClean="0"/>
-              <a:t>11.07.2018</a:t>
+              <a:t>12.07.2018</a:t>
             </a:fld>
             <a:endParaRPr lang="de-DE"/>
           </a:p>
@@ -6912,7 +7005,7 @@
           <a:p>
             <a:fld id="{A96754D5-AF5E-411A-9792-199172EBB005}" type="datetimeFigureOut">
               <a:rPr lang="de-DE" smtClean="0"/>
-              <a:t>11.07.2018</a:t>
+              <a:t>12.07.2018</a:t>
             </a:fld>
             <a:endParaRPr lang="de-DE"/>
           </a:p>
@@ -7318,7 +7411,7 @@
           <a:p>
             <a:fld id="{A96754D5-AF5E-411A-9792-199172EBB005}" type="datetimeFigureOut">
               <a:rPr lang="de-DE" smtClean="0"/>
-              <a:t>11.07.2018</a:t>
+              <a:t>12.07.2018</a:t>
             </a:fld>
             <a:endParaRPr lang="de-DE"/>
           </a:p>

--- a/ausarbeitung/Wolken (1).pptx
+++ b/ausarbeitung/Wolken (1).pptx
@@ -5,7 +5,7 @@
     <p:sldMasterId id="2147483690" r:id="rId1"/>
   </p:sldMasterIdLst>
   <p:notesMasterIdLst>
-    <p:notesMasterId r:id="rId24"/>
+    <p:notesMasterId r:id="rId25"/>
   </p:notesMasterIdLst>
   <p:sldIdLst>
     <p:sldId id="256" r:id="rId2"/>
@@ -22,14 +22,15 @@
     <p:sldId id="273" r:id="rId13"/>
     <p:sldId id="274" r:id="rId14"/>
     <p:sldId id="275" r:id="rId15"/>
-    <p:sldId id="280" r:id="rId16"/>
-    <p:sldId id="265" r:id="rId17"/>
+    <p:sldId id="265" r:id="rId16"/>
+    <p:sldId id="280" r:id="rId17"/>
     <p:sldId id="263" r:id="rId18"/>
     <p:sldId id="277" r:id="rId19"/>
     <p:sldId id="266" r:id="rId20"/>
-    <p:sldId id="268" r:id="rId21"/>
-    <p:sldId id="269" r:id="rId22"/>
+    <p:sldId id="269" r:id="rId21"/>
+    <p:sldId id="268" r:id="rId22"/>
     <p:sldId id="279" r:id="rId23"/>
+    <p:sldId id="281" r:id="rId24"/>
   </p:sldIdLst>
   <p:sldSz cx="12192000" cy="6858000"/>
   <p:notesSz cx="6858000" cy="9144000"/>
@@ -1057,45 +1058,15 @@
           <a:p>
             <a:r>
               <a:rPr lang="de-DE" dirty="0"/>
-              <a:t>Ca. 41 % Richtige.</a:t>
-            </a:r>
-          </a:p>
-          <a:p>
-            <a:r>
-              <a:rPr lang="de-DE" dirty="0"/>
-              <a:t>Die Kanten werden mit Sobel gefunden. Vorher wird der </a:t>
+              <a:t>Ca. 39 % Richtige, besonders </a:t>
             </a:r>
             <a:r>
               <a:rPr lang="de-DE" dirty="0" err="1"/>
-              <a:t>Gaussfilter</a:t>
-            </a:r>
-            <a:r>
-              <a:rPr lang="de-DE" dirty="0"/>
-              <a:t> (Weichzeichnen) angewendet, damit die Kanten dicker werden.</a:t>
-            </a:r>
-          </a:p>
-          <a:p>
-            <a:r>
-              <a:rPr lang="de-DE" dirty="0"/>
-              <a:t>Auswertung des Kantenbildes: Weißwerte pro Zeile addieren, sodass ein Art Histogramm entsteht.</a:t>
-            </a:r>
-            <a:br>
-              <a:rPr lang="de-DE" dirty="0"/>
-            </a:br>
-            <a:endParaRPr lang="de-DE" dirty="0"/>
-          </a:p>
-          <a:p>
-            <a:r>
-              <a:rPr lang="de-DE" dirty="0"/>
-              <a:t>Bei Nachfrage: </a:t>
-            </a:r>
-            <a:r>
-              <a:rPr lang="de-DE" dirty="0" err="1"/>
-              <a:t>Stratocumuliform</a:t>
-            </a:r>
-            <a:r>
-              <a:rPr lang="de-DE" dirty="0"/>
-              <a:t> ;)</a:t>
+              <a:t>cirriform</a:t>
+            </a:r>
+            <a:r>
+              <a:rPr lang="de-DE" dirty="0"/>
+              <a:t> wird schlecht erkannt  (da so unterschiedliches aussehen)</a:t>
             </a:r>
           </a:p>
         </p:txBody>
@@ -1126,7 +1097,7 @@
     </p:spTree>
     <p:extLst>
       <p:ext uri="{BB962C8B-B14F-4D97-AF65-F5344CB8AC3E}">
-        <p14:creationId xmlns:p14="http://schemas.microsoft.com/office/powerpoint/2010/main" val="1193158337"/>
+        <p14:creationId xmlns:p14="http://schemas.microsoft.com/office/powerpoint/2010/main" val="290716493"/>
       </p:ext>
     </p:extLst>
   </p:cSld>
@@ -1181,16 +1152,44 @@
           <a:lstStyle/>
           <a:p>
             <a:r>
-              <a:rPr lang="de-DE" dirty="0"/>
-              <a:t>Ca. 39 % Richtige, besonders </a:t>
+              <a:rPr lang="de-DE"/>
+              <a:t>Die </a:t>
+            </a:r>
+            <a:r>
+              <a:rPr lang="de-DE" dirty="0"/>
+              <a:t>Kanten werden mit Sobel gefunden. Vorher wird der </a:t>
             </a:r>
             <a:r>
               <a:rPr lang="de-DE" dirty="0" err="1"/>
-              <a:t>cirriform</a:t>
-            </a:r>
-            <a:r>
-              <a:rPr lang="de-DE" dirty="0"/>
-              <a:t> wird schlecht erkannt  (da so unterschiedliches aussehen)</a:t>
+              <a:t>Gaussfilter</a:t>
+            </a:r>
+            <a:r>
+              <a:rPr lang="de-DE" dirty="0"/>
+              <a:t> (Weichzeichnen) angewendet, damit die Kanten dicker werden.</a:t>
+            </a:r>
+          </a:p>
+          <a:p>
+            <a:r>
+              <a:rPr lang="de-DE" dirty="0"/>
+              <a:t>Auswertung des Kantenbildes: Weißwerte pro Zeile addieren, sodass ein Art Histogramm entsteht.</a:t>
+            </a:r>
+            <a:br>
+              <a:rPr lang="de-DE" dirty="0"/>
+            </a:br>
+            <a:endParaRPr lang="de-DE" dirty="0"/>
+          </a:p>
+          <a:p>
+            <a:r>
+              <a:rPr lang="de-DE" dirty="0"/>
+              <a:t>Bei Nachfrage: </a:t>
+            </a:r>
+            <a:r>
+              <a:rPr lang="de-DE" dirty="0" err="1"/>
+              <a:t>Stratocumuliform</a:t>
+            </a:r>
+            <a:r>
+              <a:rPr lang="de-DE" dirty="0"/>
+              <a:t> ;)</a:t>
             </a:r>
           </a:p>
         </p:txBody>
@@ -1221,7 +1220,7 @@
     </p:spTree>
     <p:extLst>
       <p:ext uri="{BB962C8B-B14F-4D97-AF65-F5344CB8AC3E}">
-        <p14:creationId xmlns:p14="http://schemas.microsoft.com/office/powerpoint/2010/main" val="290716493"/>
+        <p14:creationId xmlns:p14="http://schemas.microsoft.com/office/powerpoint/2010/main" val="1193158337"/>
       </p:ext>
     </p:extLst>
   </p:cSld>
@@ -1760,7 +1759,7 @@
           <a:p>
             <a:fld id="{FFA30538-EFC0-4593-81AF-509E83D5B3F4}" type="slidenum">
               <a:rPr lang="de-DE" smtClean="0"/>
-              <a:t>20</a:t>
+              <a:t>21</a:t>
             </a:fld>
             <a:endParaRPr lang="de-DE"/>
           </a:p>
@@ -8587,387 +8586,6 @@
           <a:p>
             <a:r>
               <a:rPr lang="de-DE" dirty="0"/>
-              <a:t>Kantenerkennung</a:t>
-            </a:r>
-          </a:p>
-        </p:txBody>
-      </p:sp>
-      <p:pic>
-        <p:nvPicPr>
-          <p:cNvPr id="9" name="Grafik 8">
-            <a:extLst>
-              <a:ext uri="{FF2B5EF4-FFF2-40B4-BE49-F238E27FC236}">
-                <a16:creationId xmlns:a16="http://schemas.microsoft.com/office/drawing/2014/main" id="{BB11F558-3577-4984-905E-13B7126A6323}"/>
-              </a:ext>
-            </a:extLst>
-          </p:cNvPr>
-          <p:cNvPicPr>
-            <a:picLocks noChangeAspect="1"/>
-          </p:cNvPicPr>
-          <p:nvPr/>
-        </p:nvPicPr>
-        <p:blipFill>
-          <a:blip r:embed="rId3">
-            <a:extLst>
-              <a:ext uri="{28A0092B-C50C-407E-A947-70E740481C1C}">
-                <a14:useLocalDpi xmlns:a14="http://schemas.microsoft.com/office/drawing/2010/main" val="0"/>
-              </a:ext>
-            </a:extLst>
-          </a:blip>
-          <a:stretch>
-            <a:fillRect/>
-          </a:stretch>
-        </p:blipFill>
-        <p:spPr>
-          <a:xfrm>
-            <a:off x="243828" y="1434424"/>
-            <a:ext cx="5852172" cy="4370841"/>
-          </a:xfrm>
-          <a:prstGeom prst="rect">
-            <a:avLst/>
-          </a:prstGeom>
-        </p:spPr>
-      </p:pic>
-      <p:pic>
-        <p:nvPicPr>
-          <p:cNvPr id="12" name="Grafik 11">
-            <a:extLst>
-              <a:ext uri="{FF2B5EF4-FFF2-40B4-BE49-F238E27FC236}">
-                <a16:creationId xmlns:a16="http://schemas.microsoft.com/office/drawing/2014/main" id="{466863B8-327B-4B6B-8857-388F7915F74E}"/>
-              </a:ext>
-            </a:extLst>
-          </p:cNvPr>
-          <p:cNvPicPr>
-            <a:picLocks noChangeAspect="1"/>
-          </p:cNvPicPr>
-          <p:nvPr/>
-        </p:nvPicPr>
-        <p:blipFill>
-          <a:blip r:embed="rId4">
-            <a:extLst>
-              <a:ext uri="{28A0092B-C50C-407E-A947-70E740481C1C}">
-                <a14:useLocalDpi xmlns:a14="http://schemas.microsoft.com/office/drawing/2010/main" val="0"/>
-              </a:ext>
-            </a:extLst>
-          </a:blip>
-          <a:stretch>
-            <a:fillRect/>
-          </a:stretch>
-        </p:blipFill>
-        <p:spPr>
-          <a:xfrm>
-            <a:off x="6096000" y="1434424"/>
-            <a:ext cx="5852172" cy="4370841"/>
-          </a:xfrm>
-          <a:prstGeom prst="rect">
-            <a:avLst/>
-          </a:prstGeom>
-        </p:spPr>
-      </p:pic>
-      <p:sp>
-        <p:nvSpPr>
-          <p:cNvPr id="8" name="Pfeil: nach rechts 7">
-            <a:extLst>
-              <a:ext uri="{FF2B5EF4-FFF2-40B4-BE49-F238E27FC236}">
-                <a16:creationId xmlns:a16="http://schemas.microsoft.com/office/drawing/2014/main" id="{23D2E248-6082-4B04-A3D8-3D2438A5647B}"/>
-              </a:ext>
-            </a:extLst>
-          </p:cNvPr>
-          <p:cNvSpPr/>
-          <p:nvPr/>
-        </p:nvSpPr>
-        <p:spPr>
-          <a:xfrm>
-            <a:off x="5468251" y="3377528"/>
-            <a:ext cx="978408" cy="484632"/>
-          </a:xfrm>
-          <a:prstGeom prst="rightArrow">
-            <a:avLst/>
-          </a:prstGeom>
-          <a:solidFill>
-            <a:schemeClr val="accent2">
-              <a:lumMod val="60000"/>
-              <a:lumOff val="40000"/>
-            </a:schemeClr>
-          </a:solidFill>
-        </p:spPr>
-        <p:style>
-          <a:lnRef idx="2">
-            <a:schemeClr val="accent6"/>
-          </a:lnRef>
-          <a:fillRef idx="1">
-            <a:schemeClr val="lt1"/>
-          </a:fillRef>
-          <a:effectRef idx="0">
-            <a:schemeClr val="accent6"/>
-          </a:effectRef>
-          <a:fontRef idx="minor">
-            <a:schemeClr val="dk1"/>
-          </a:fontRef>
-        </p:style>
-        <p:txBody>
-          <a:bodyPr rtlCol="0" anchor="ctr"/>
-          <a:lstStyle/>
-          <a:p>
-            <a:pPr algn="ctr"/>
-            <a:endParaRPr lang="de-DE">
-              <a:solidFill>
-                <a:srgbClr val="EF47C8"/>
-              </a:solidFill>
-            </a:endParaRPr>
-          </a:p>
-        </p:txBody>
-      </p:sp>
-      <p:sp>
-        <p:nvSpPr>
-          <p:cNvPr id="11" name="Textfeld 10">
-            <a:extLst>
-              <a:ext uri="{FF2B5EF4-FFF2-40B4-BE49-F238E27FC236}">
-                <a16:creationId xmlns:a16="http://schemas.microsoft.com/office/drawing/2014/main" id="{9F098570-7A38-4888-A8DF-87DE575E93BB}"/>
-              </a:ext>
-            </a:extLst>
-          </p:cNvPr>
-          <p:cNvSpPr txBox="1"/>
-          <p:nvPr/>
-        </p:nvSpPr>
-        <p:spPr>
-          <a:xfrm>
-            <a:off x="4585855" y="3019679"/>
-            <a:ext cx="2743200" cy="1200329"/>
-          </a:xfrm>
-          <a:prstGeom prst="rect">
-            <a:avLst/>
-          </a:prstGeom>
-        </p:spPr>
-        <p:txBody>
-          <a:bodyPr rot="0" spcFirstLastPara="0" vertOverflow="overflow" horzOverflow="overflow" vert="horz" wrap="square" lIns="91440" tIns="45720" rIns="91440" bIns="45720" numCol="1" spcCol="0" rtlCol="0" fromWordArt="0" anchor="t" anchorCtr="0" forceAA="0" compatLnSpc="1">
-            <a:prstTxWarp prst="textNoShape">
-              <a:avLst/>
-            </a:prstTxWarp>
-            <a:spAutoFit/>
-          </a:bodyPr>
-          <a:lstStyle/>
-          <a:p>
-            <a:pPr algn="ctr"/>
-            <a:r>
-              <a:rPr lang="de-DE" sz="2400" dirty="0" err="1">
-                <a:solidFill>
-                  <a:schemeClr val="bg2"/>
-                </a:solidFill>
-              </a:rPr>
-              <a:t>Gauss</a:t>
-            </a:r>
-            <a:endParaRPr lang="de-DE" sz="2400" dirty="0">
-              <a:solidFill>
-                <a:schemeClr val="bg2"/>
-              </a:solidFill>
-            </a:endParaRPr>
-          </a:p>
-          <a:p>
-            <a:pPr algn="ctr"/>
-            <a:r>
-              <a:rPr lang="de-DE" sz="2400" dirty="0">
-                <a:solidFill>
-                  <a:schemeClr val="bg2"/>
-                </a:solidFill>
-              </a:rPr>
-              <a:t>&amp;</a:t>
-            </a:r>
-            <a:br>
-              <a:rPr lang="de-DE" sz="2400" dirty="0">
-                <a:solidFill>
-                  <a:schemeClr val="bg2"/>
-                </a:solidFill>
-              </a:rPr>
-            </a:br>
-            <a:r>
-              <a:rPr lang="de-DE" sz="2400" dirty="0">
-                <a:solidFill>
-                  <a:schemeClr val="bg2"/>
-                </a:solidFill>
-              </a:rPr>
-              <a:t>Sobel</a:t>
-            </a:r>
-          </a:p>
-        </p:txBody>
-      </p:sp>
-      <p:pic>
-        <p:nvPicPr>
-          <p:cNvPr id="16" name="Grafik 15">
-            <a:extLst>
-              <a:ext uri="{FF2B5EF4-FFF2-40B4-BE49-F238E27FC236}">
-                <a16:creationId xmlns:a16="http://schemas.microsoft.com/office/drawing/2014/main" id="{03FA213A-C5DE-4178-9248-41BB5795B0D6}"/>
-              </a:ext>
-            </a:extLst>
-          </p:cNvPr>
-          <p:cNvPicPr>
-            <a:picLocks noChangeAspect="1"/>
-          </p:cNvPicPr>
-          <p:nvPr/>
-        </p:nvPicPr>
-        <p:blipFill>
-          <a:blip r:embed="rId5">
-            <a:extLst>
-              <a:ext uri="{28A0092B-C50C-407E-A947-70E740481C1C}">
-                <a14:useLocalDpi xmlns:a14="http://schemas.microsoft.com/office/drawing/2010/main" val="0"/>
-              </a:ext>
-            </a:extLst>
-          </a:blip>
-          <a:stretch>
-            <a:fillRect/>
-          </a:stretch>
-        </p:blipFill>
-        <p:spPr>
-          <a:xfrm rot="5400000">
-            <a:off x="5987565" y="1250786"/>
-            <a:ext cx="5449451" cy="4425705"/>
-          </a:xfrm>
-          <a:prstGeom prst="rect">
-            <a:avLst/>
-          </a:prstGeom>
-        </p:spPr>
-      </p:pic>
-    </p:spTree>
-    <p:extLst>
-      <p:ext uri="{BB962C8B-B14F-4D97-AF65-F5344CB8AC3E}">
-        <p14:creationId xmlns:p14="http://schemas.microsoft.com/office/powerpoint/2010/main" val="3519410890"/>
-      </p:ext>
-    </p:extLst>
-  </p:cSld>
-  <p:clrMapOvr>
-    <a:masterClrMapping/>
-  </p:clrMapOvr>
-  <p:timing>
-    <p:tnLst>
-      <p:par>
-        <p:cTn id="1" dur="indefinite" restart="never" nodeType="tmRoot">
-          <p:childTnLst>
-            <p:seq concurrent="1" nextAc="seek">
-              <p:cTn id="2" dur="indefinite" nodeType="mainSeq">
-                <p:childTnLst>
-                  <p:par>
-                    <p:cTn id="3" fill="hold">
-                      <p:stCondLst>
-                        <p:cond delay="indefinite"/>
-                      </p:stCondLst>
-                      <p:childTnLst>
-                        <p:par>
-                          <p:cTn id="4" fill="hold">
-                            <p:stCondLst>
-                              <p:cond delay="0"/>
-                            </p:stCondLst>
-                            <p:childTnLst>
-                              <p:par>
-                                <p:cTn id="5" presetID="10" presetClass="entr" presetSubtype="0" fill="hold" nodeType="clickEffect">
-                                  <p:stCondLst>
-                                    <p:cond delay="0"/>
-                                  </p:stCondLst>
-                                  <p:childTnLst>
-                                    <p:set>
-                                      <p:cBhvr>
-                                        <p:cTn id="6" dur="1" fill="hold">
-                                          <p:stCondLst>
-                                            <p:cond delay="0"/>
-                                          </p:stCondLst>
-                                        </p:cTn>
-                                        <p:tgtEl>
-                                          <p:spTgt spid="16"/>
-                                        </p:tgtEl>
-                                        <p:attrNameLst>
-                                          <p:attrName>style.visibility</p:attrName>
-                                        </p:attrNameLst>
-                                      </p:cBhvr>
-                                      <p:to>
-                                        <p:strVal val="visible"/>
-                                      </p:to>
-                                    </p:set>
-                                    <p:animEffect transition="in" filter="fade">
-                                      <p:cBhvr>
-                                        <p:cTn id="7" dur="500"/>
-                                        <p:tgtEl>
-                                          <p:spTgt spid="16"/>
-                                        </p:tgtEl>
-                                      </p:cBhvr>
-                                    </p:animEffect>
-                                  </p:childTnLst>
-                                </p:cTn>
-                              </p:par>
-                            </p:childTnLst>
-                          </p:cTn>
-                        </p:par>
-                      </p:childTnLst>
-                    </p:cTn>
-                  </p:par>
-                </p:childTnLst>
-              </p:cTn>
-              <p:prevCondLst>
-                <p:cond evt="onPrev" delay="0">
-                  <p:tgtEl>
-                    <p:sldTgt/>
-                  </p:tgtEl>
-                </p:cond>
-              </p:prevCondLst>
-              <p:nextCondLst>
-                <p:cond evt="onNext" delay="0">
-                  <p:tgtEl>
-                    <p:sldTgt/>
-                  </p:tgtEl>
-                </p:cond>
-              </p:nextCondLst>
-            </p:seq>
-          </p:childTnLst>
-        </p:cTn>
-      </p:par>
-    </p:tnLst>
-  </p:timing>
-</p:sld>
-</file>
-
-<file path=ppt/slides/slide16.xml><?xml version="1.0" encoding="utf-8"?>
-<p:sld xmlns:a="http://schemas.openxmlformats.org/drawingml/2006/main" xmlns:r="http://schemas.openxmlformats.org/officeDocument/2006/relationships" xmlns:p="http://schemas.openxmlformats.org/presentationml/2006/main">
-  <p:cSld>
-    <p:spTree>
-      <p:nvGrpSpPr>
-        <p:cNvPr id="1" name=""/>
-        <p:cNvGrpSpPr/>
-        <p:nvPr/>
-      </p:nvGrpSpPr>
-      <p:grpSpPr>
-        <a:xfrm>
-          <a:off x="0" y="0"/>
-          <a:ext cx="0" cy="0"/>
-          <a:chOff x="0" y="0"/>
-          <a:chExt cx="0" cy="0"/>
-        </a:xfrm>
-      </p:grpSpPr>
-      <p:sp>
-        <p:nvSpPr>
-          <p:cNvPr id="2" name="Titel 1">
-            <a:extLst>
-              <a:ext uri="{FF2B5EF4-FFF2-40B4-BE49-F238E27FC236}">
-                <a16:creationId xmlns:a16="http://schemas.microsoft.com/office/drawing/2014/main" id="{31E9F22D-4BAA-4BA5-8D0B-3119681A9938}"/>
-              </a:ext>
-            </a:extLst>
-          </p:cNvPr>
-          <p:cNvSpPr>
-            <a:spLocks noGrp="1"/>
-          </p:cNvSpPr>
-          <p:nvPr>
-            <p:ph type="title"/>
-          </p:nvPr>
-        </p:nvSpPr>
-        <p:spPr>
-          <a:xfrm>
-            <a:off x="684212" y="246011"/>
-            <a:ext cx="8534400" cy="1507067"/>
-          </a:xfrm>
-        </p:spPr>
-        <p:txBody>
-          <a:bodyPr/>
-          <a:lstStyle/>
-          <a:p>
-            <a:r>
-              <a:rPr lang="de-DE" dirty="0"/>
               <a:t>Standardmerkmale</a:t>
             </a:r>
           </a:p>
@@ -9660,6 +9278,387 @@
 </p:sld>
 </file>
 
+<file path=ppt/slides/slide16.xml><?xml version="1.0" encoding="utf-8"?>
+<p:sld xmlns:a="http://schemas.openxmlformats.org/drawingml/2006/main" xmlns:r="http://schemas.openxmlformats.org/officeDocument/2006/relationships" xmlns:p="http://schemas.openxmlformats.org/presentationml/2006/main">
+  <p:cSld>
+    <p:spTree>
+      <p:nvGrpSpPr>
+        <p:cNvPr id="1" name=""/>
+        <p:cNvGrpSpPr/>
+        <p:nvPr/>
+      </p:nvGrpSpPr>
+      <p:grpSpPr>
+        <a:xfrm>
+          <a:off x="0" y="0"/>
+          <a:ext cx="0" cy="0"/>
+          <a:chOff x="0" y="0"/>
+          <a:chExt cx="0" cy="0"/>
+        </a:xfrm>
+      </p:grpSpPr>
+      <p:sp>
+        <p:nvSpPr>
+          <p:cNvPr id="2" name="Titel 1">
+            <a:extLst>
+              <a:ext uri="{FF2B5EF4-FFF2-40B4-BE49-F238E27FC236}">
+                <a16:creationId xmlns:a16="http://schemas.microsoft.com/office/drawing/2014/main" id="{31E9F22D-4BAA-4BA5-8D0B-3119681A9938}"/>
+              </a:ext>
+            </a:extLst>
+          </p:cNvPr>
+          <p:cNvSpPr>
+            <a:spLocks noGrp="1"/>
+          </p:cNvSpPr>
+          <p:nvPr>
+            <p:ph type="title"/>
+          </p:nvPr>
+        </p:nvSpPr>
+        <p:spPr>
+          <a:xfrm>
+            <a:off x="684212" y="246011"/>
+            <a:ext cx="8534400" cy="1507067"/>
+          </a:xfrm>
+        </p:spPr>
+        <p:txBody>
+          <a:bodyPr/>
+          <a:lstStyle/>
+          <a:p>
+            <a:r>
+              <a:rPr lang="de-DE" dirty="0"/>
+              <a:t>Kantenerkennung</a:t>
+            </a:r>
+          </a:p>
+        </p:txBody>
+      </p:sp>
+      <p:pic>
+        <p:nvPicPr>
+          <p:cNvPr id="9" name="Grafik 8">
+            <a:extLst>
+              <a:ext uri="{FF2B5EF4-FFF2-40B4-BE49-F238E27FC236}">
+                <a16:creationId xmlns:a16="http://schemas.microsoft.com/office/drawing/2014/main" id="{BB11F558-3577-4984-905E-13B7126A6323}"/>
+              </a:ext>
+            </a:extLst>
+          </p:cNvPr>
+          <p:cNvPicPr>
+            <a:picLocks noChangeAspect="1"/>
+          </p:cNvPicPr>
+          <p:nvPr/>
+        </p:nvPicPr>
+        <p:blipFill>
+          <a:blip r:embed="rId3">
+            <a:extLst>
+              <a:ext uri="{28A0092B-C50C-407E-A947-70E740481C1C}">
+                <a14:useLocalDpi xmlns:a14="http://schemas.microsoft.com/office/drawing/2010/main" val="0"/>
+              </a:ext>
+            </a:extLst>
+          </a:blip>
+          <a:stretch>
+            <a:fillRect/>
+          </a:stretch>
+        </p:blipFill>
+        <p:spPr>
+          <a:xfrm>
+            <a:off x="243828" y="1434424"/>
+            <a:ext cx="5852172" cy="4370841"/>
+          </a:xfrm>
+          <a:prstGeom prst="rect">
+            <a:avLst/>
+          </a:prstGeom>
+        </p:spPr>
+      </p:pic>
+      <p:pic>
+        <p:nvPicPr>
+          <p:cNvPr id="12" name="Grafik 11">
+            <a:extLst>
+              <a:ext uri="{FF2B5EF4-FFF2-40B4-BE49-F238E27FC236}">
+                <a16:creationId xmlns:a16="http://schemas.microsoft.com/office/drawing/2014/main" id="{466863B8-327B-4B6B-8857-388F7915F74E}"/>
+              </a:ext>
+            </a:extLst>
+          </p:cNvPr>
+          <p:cNvPicPr>
+            <a:picLocks noChangeAspect="1"/>
+          </p:cNvPicPr>
+          <p:nvPr/>
+        </p:nvPicPr>
+        <p:blipFill>
+          <a:blip r:embed="rId4">
+            <a:extLst>
+              <a:ext uri="{28A0092B-C50C-407E-A947-70E740481C1C}">
+                <a14:useLocalDpi xmlns:a14="http://schemas.microsoft.com/office/drawing/2010/main" val="0"/>
+              </a:ext>
+            </a:extLst>
+          </a:blip>
+          <a:stretch>
+            <a:fillRect/>
+          </a:stretch>
+        </p:blipFill>
+        <p:spPr>
+          <a:xfrm>
+            <a:off x="6096000" y="1434424"/>
+            <a:ext cx="5852172" cy="4370841"/>
+          </a:xfrm>
+          <a:prstGeom prst="rect">
+            <a:avLst/>
+          </a:prstGeom>
+        </p:spPr>
+      </p:pic>
+      <p:sp>
+        <p:nvSpPr>
+          <p:cNvPr id="8" name="Pfeil: nach rechts 7">
+            <a:extLst>
+              <a:ext uri="{FF2B5EF4-FFF2-40B4-BE49-F238E27FC236}">
+                <a16:creationId xmlns:a16="http://schemas.microsoft.com/office/drawing/2014/main" id="{23D2E248-6082-4B04-A3D8-3D2438A5647B}"/>
+              </a:ext>
+            </a:extLst>
+          </p:cNvPr>
+          <p:cNvSpPr/>
+          <p:nvPr/>
+        </p:nvSpPr>
+        <p:spPr>
+          <a:xfrm>
+            <a:off x="5468251" y="3377528"/>
+            <a:ext cx="978408" cy="484632"/>
+          </a:xfrm>
+          <a:prstGeom prst="rightArrow">
+            <a:avLst/>
+          </a:prstGeom>
+          <a:solidFill>
+            <a:schemeClr val="accent2">
+              <a:lumMod val="60000"/>
+              <a:lumOff val="40000"/>
+            </a:schemeClr>
+          </a:solidFill>
+        </p:spPr>
+        <p:style>
+          <a:lnRef idx="2">
+            <a:schemeClr val="accent6"/>
+          </a:lnRef>
+          <a:fillRef idx="1">
+            <a:schemeClr val="lt1"/>
+          </a:fillRef>
+          <a:effectRef idx="0">
+            <a:schemeClr val="accent6"/>
+          </a:effectRef>
+          <a:fontRef idx="minor">
+            <a:schemeClr val="dk1"/>
+          </a:fontRef>
+        </p:style>
+        <p:txBody>
+          <a:bodyPr rtlCol="0" anchor="ctr"/>
+          <a:lstStyle/>
+          <a:p>
+            <a:pPr algn="ctr"/>
+            <a:endParaRPr lang="de-DE">
+              <a:solidFill>
+                <a:srgbClr val="EF47C8"/>
+              </a:solidFill>
+            </a:endParaRPr>
+          </a:p>
+        </p:txBody>
+      </p:sp>
+      <p:sp>
+        <p:nvSpPr>
+          <p:cNvPr id="11" name="Textfeld 10">
+            <a:extLst>
+              <a:ext uri="{FF2B5EF4-FFF2-40B4-BE49-F238E27FC236}">
+                <a16:creationId xmlns:a16="http://schemas.microsoft.com/office/drawing/2014/main" id="{9F098570-7A38-4888-A8DF-87DE575E93BB}"/>
+              </a:ext>
+            </a:extLst>
+          </p:cNvPr>
+          <p:cNvSpPr txBox="1"/>
+          <p:nvPr/>
+        </p:nvSpPr>
+        <p:spPr>
+          <a:xfrm>
+            <a:off x="4585855" y="3019679"/>
+            <a:ext cx="2743200" cy="1200329"/>
+          </a:xfrm>
+          <a:prstGeom prst="rect">
+            <a:avLst/>
+          </a:prstGeom>
+        </p:spPr>
+        <p:txBody>
+          <a:bodyPr rot="0" spcFirstLastPara="0" vertOverflow="overflow" horzOverflow="overflow" vert="horz" wrap="square" lIns="91440" tIns="45720" rIns="91440" bIns="45720" numCol="1" spcCol="0" rtlCol="0" fromWordArt="0" anchor="t" anchorCtr="0" forceAA="0" compatLnSpc="1">
+            <a:prstTxWarp prst="textNoShape">
+              <a:avLst/>
+            </a:prstTxWarp>
+            <a:spAutoFit/>
+          </a:bodyPr>
+          <a:lstStyle/>
+          <a:p>
+            <a:pPr algn="ctr"/>
+            <a:r>
+              <a:rPr lang="de-DE" sz="2400" dirty="0" err="1">
+                <a:solidFill>
+                  <a:schemeClr val="bg2"/>
+                </a:solidFill>
+              </a:rPr>
+              <a:t>Gauss</a:t>
+            </a:r>
+            <a:endParaRPr lang="de-DE" sz="2400" dirty="0">
+              <a:solidFill>
+                <a:schemeClr val="bg2"/>
+              </a:solidFill>
+            </a:endParaRPr>
+          </a:p>
+          <a:p>
+            <a:pPr algn="ctr"/>
+            <a:r>
+              <a:rPr lang="de-DE" sz="2400" dirty="0">
+                <a:solidFill>
+                  <a:schemeClr val="bg2"/>
+                </a:solidFill>
+              </a:rPr>
+              <a:t>&amp;</a:t>
+            </a:r>
+            <a:br>
+              <a:rPr lang="de-DE" sz="2400" dirty="0">
+                <a:solidFill>
+                  <a:schemeClr val="bg2"/>
+                </a:solidFill>
+              </a:rPr>
+            </a:br>
+            <a:r>
+              <a:rPr lang="de-DE" sz="2400" dirty="0">
+                <a:solidFill>
+                  <a:schemeClr val="bg2"/>
+                </a:solidFill>
+              </a:rPr>
+              <a:t>Sobel</a:t>
+            </a:r>
+          </a:p>
+        </p:txBody>
+      </p:sp>
+      <p:pic>
+        <p:nvPicPr>
+          <p:cNvPr id="16" name="Grafik 15">
+            <a:extLst>
+              <a:ext uri="{FF2B5EF4-FFF2-40B4-BE49-F238E27FC236}">
+                <a16:creationId xmlns:a16="http://schemas.microsoft.com/office/drawing/2014/main" id="{03FA213A-C5DE-4178-9248-41BB5795B0D6}"/>
+              </a:ext>
+            </a:extLst>
+          </p:cNvPr>
+          <p:cNvPicPr>
+            <a:picLocks noChangeAspect="1"/>
+          </p:cNvPicPr>
+          <p:nvPr/>
+        </p:nvPicPr>
+        <p:blipFill>
+          <a:blip r:embed="rId5">
+            <a:extLst>
+              <a:ext uri="{28A0092B-C50C-407E-A947-70E740481C1C}">
+                <a14:useLocalDpi xmlns:a14="http://schemas.microsoft.com/office/drawing/2010/main" val="0"/>
+              </a:ext>
+            </a:extLst>
+          </a:blip>
+          <a:stretch>
+            <a:fillRect/>
+          </a:stretch>
+        </p:blipFill>
+        <p:spPr>
+          <a:xfrm rot="5400000">
+            <a:off x="5987565" y="1250786"/>
+            <a:ext cx="5449451" cy="4425705"/>
+          </a:xfrm>
+          <a:prstGeom prst="rect">
+            <a:avLst/>
+          </a:prstGeom>
+        </p:spPr>
+      </p:pic>
+    </p:spTree>
+    <p:extLst>
+      <p:ext uri="{BB962C8B-B14F-4D97-AF65-F5344CB8AC3E}">
+        <p14:creationId xmlns:p14="http://schemas.microsoft.com/office/powerpoint/2010/main" val="3519410890"/>
+      </p:ext>
+    </p:extLst>
+  </p:cSld>
+  <p:clrMapOvr>
+    <a:masterClrMapping/>
+  </p:clrMapOvr>
+  <p:timing>
+    <p:tnLst>
+      <p:par>
+        <p:cTn id="1" dur="indefinite" restart="never" nodeType="tmRoot">
+          <p:childTnLst>
+            <p:seq concurrent="1" nextAc="seek">
+              <p:cTn id="2" dur="indefinite" nodeType="mainSeq">
+                <p:childTnLst>
+                  <p:par>
+                    <p:cTn id="3" fill="hold">
+                      <p:stCondLst>
+                        <p:cond delay="indefinite"/>
+                      </p:stCondLst>
+                      <p:childTnLst>
+                        <p:par>
+                          <p:cTn id="4" fill="hold">
+                            <p:stCondLst>
+                              <p:cond delay="0"/>
+                            </p:stCondLst>
+                            <p:childTnLst>
+                              <p:par>
+                                <p:cTn id="5" presetID="10" presetClass="entr" presetSubtype="0" fill="hold" nodeType="clickEffect">
+                                  <p:stCondLst>
+                                    <p:cond delay="0"/>
+                                  </p:stCondLst>
+                                  <p:childTnLst>
+                                    <p:set>
+                                      <p:cBhvr>
+                                        <p:cTn id="6" dur="1" fill="hold">
+                                          <p:stCondLst>
+                                            <p:cond delay="0"/>
+                                          </p:stCondLst>
+                                        </p:cTn>
+                                        <p:tgtEl>
+                                          <p:spTgt spid="16"/>
+                                        </p:tgtEl>
+                                        <p:attrNameLst>
+                                          <p:attrName>style.visibility</p:attrName>
+                                        </p:attrNameLst>
+                                      </p:cBhvr>
+                                      <p:to>
+                                        <p:strVal val="visible"/>
+                                      </p:to>
+                                    </p:set>
+                                    <p:animEffect transition="in" filter="fade">
+                                      <p:cBhvr>
+                                        <p:cTn id="7" dur="500"/>
+                                        <p:tgtEl>
+                                          <p:spTgt spid="16"/>
+                                        </p:tgtEl>
+                                      </p:cBhvr>
+                                    </p:animEffect>
+                                  </p:childTnLst>
+                                </p:cTn>
+                              </p:par>
+                            </p:childTnLst>
+                          </p:cTn>
+                        </p:par>
+                      </p:childTnLst>
+                    </p:cTn>
+                  </p:par>
+                </p:childTnLst>
+              </p:cTn>
+              <p:prevCondLst>
+                <p:cond evt="onPrev" delay="0">
+                  <p:tgtEl>
+                    <p:sldTgt/>
+                  </p:tgtEl>
+                </p:cond>
+              </p:prevCondLst>
+              <p:nextCondLst>
+                <p:cond evt="onNext" delay="0">
+                  <p:tgtEl>
+                    <p:sldTgt/>
+                  </p:tgtEl>
+                </p:cond>
+              </p:nextCondLst>
+            </p:seq>
+          </p:childTnLst>
+        </p:cTn>
+      </p:par>
+    </p:tnLst>
+  </p:timing>
+</p:sld>
+</file>
+
 <file path=ppt/slides/slide17.xml><?xml version="1.0" encoding="utf-8"?>
 <p:sld xmlns:a="http://schemas.openxmlformats.org/drawingml/2006/main" xmlns:r="http://schemas.openxmlformats.org/officeDocument/2006/relationships" xmlns:p="http://schemas.openxmlformats.org/presentationml/2006/main">
   <p:cSld>
@@ -10291,7 +10290,7 @@
                   <a:srgbClr val="F2F2F2"/>
                 </a:solidFill>
               </a:rPr>
-              <a:t>Aufteilen der Bilder in je zwei Kacheln</a:t>
+              <a:t>Aufteilen der Bilder in Kacheln</a:t>
             </a:r>
           </a:p>
           <a:p>
@@ -10578,6 +10577,99 @@
 </file>
 
 <file path=ppt/slides/slide20.xml><?xml version="1.0" encoding="utf-8"?>
+<p:sld xmlns:a="http://schemas.openxmlformats.org/drawingml/2006/main" xmlns:r="http://schemas.openxmlformats.org/officeDocument/2006/relationships" xmlns:p="http://schemas.openxmlformats.org/presentationml/2006/main">
+  <p:cSld>
+    <p:spTree>
+      <p:nvGrpSpPr>
+        <p:cNvPr id="1" name=""/>
+        <p:cNvGrpSpPr/>
+        <p:nvPr/>
+      </p:nvGrpSpPr>
+      <p:grpSpPr>
+        <a:xfrm>
+          <a:off x="0" y="0"/>
+          <a:ext cx="0" cy="0"/>
+          <a:chOff x="0" y="0"/>
+          <a:chExt cx="0" cy="0"/>
+        </a:xfrm>
+      </p:grpSpPr>
+      <p:sp>
+        <p:nvSpPr>
+          <p:cNvPr id="2" name="Titel 1">
+            <a:extLst>
+              <a:ext uri="{FF2B5EF4-FFF2-40B4-BE49-F238E27FC236}">
+                <a16:creationId xmlns:a16="http://schemas.microsoft.com/office/drawing/2014/main" id="{6F464106-0B1E-4D36-8F44-D2A65CFFC6EF}"/>
+              </a:ext>
+            </a:extLst>
+          </p:cNvPr>
+          <p:cNvSpPr>
+            <a:spLocks noGrp="1"/>
+          </p:cNvSpPr>
+          <p:nvPr>
+            <p:ph type="title"/>
+          </p:nvPr>
+        </p:nvSpPr>
+        <p:spPr>
+          <a:xfrm>
+            <a:off x="539695" y="297571"/>
+            <a:ext cx="8534400" cy="1507067"/>
+          </a:xfrm>
+        </p:spPr>
+        <p:txBody>
+          <a:bodyPr/>
+          <a:lstStyle/>
+          <a:p>
+            <a:r>
+              <a:rPr lang="de-DE" dirty="0"/>
+              <a:t>Deep-Learning Ansatz</a:t>
+            </a:r>
+          </a:p>
+        </p:txBody>
+      </p:sp>
+      <p:pic>
+        <p:nvPicPr>
+          <p:cNvPr id="10" name="Grafik 10" descr="Ein Bild, das Himmel, Foto, anzeigend enthält.&#10;&#10;Mit sehr hoher Zuverlässigkeit generierte Beschreibung">
+            <a:extLst>
+              <a:ext uri="{FF2B5EF4-FFF2-40B4-BE49-F238E27FC236}">
+                <a16:creationId xmlns:a16="http://schemas.microsoft.com/office/drawing/2014/main" id="{BD32800F-51D3-4D6F-B7F9-B30BD25495A7}"/>
+              </a:ext>
+            </a:extLst>
+          </p:cNvPr>
+          <p:cNvPicPr>
+            <a:picLocks noChangeAspect="1"/>
+          </p:cNvPicPr>
+          <p:nvPr/>
+        </p:nvPicPr>
+        <p:blipFill>
+          <a:blip r:embed="rId2"/>
+          <a:stretch>
+            <a:fillRect/>
+          </a:stretch>
+        </p:blipFill>
+        <p:spPr>
+          <a:xfrm>
+            <a:off x="178674" y="1746535"/>
+            <a:ext cx="12084268" cy="3601412"/>
+          </a:xfrm>
+          <a:prstGeom prst="rect">
+            <a:avLst/>
+          </a:prstGeom>
+        </p:spPr>
+      </p:pic>
+    </p:spTree>
+    <p:extLst>
+      <p:ext uri="{BB962C8B-B14F-4D97-AF65-F5344CB8AC3E}">
+        <p14:creationId xmlns:p14="http://schemas.microsoft.com/office/powerpoint/2010/main" val="1598145405"/>
+      </p:ext>
+    </p:extLst>
+  </p:cSld>
+  <p:clrMapOvr>
+    <a:masterClrMapping/>
+  </p:clrMapOvr>
+</p:sld>
+</file>
+
+<file path=ppt/slides/slide21.xml><?xml version="1.0" encoding="utf-8"?>
 <p:sld xmlns:a="http://schemas.openxmlformats.org/drawingml/2006/main" xmlns:r="http://schemas.openxmlformats.org/officeDocument/2006/relationships" xmlns:p="http://schemas.openxmlformats.org/presentationml/2006/main">
   <p:cSld>
     <p:spTree>
@@ -10661,99 +10753,6 @@
     <p:extLst>
       <p:ext uri="{BB962C8B-B14F-4D97-AF65-F5344CB8AC3E}">
         <p14:creationId xmlns:p14="http://schemas.microsoft.com/office/powerpoint/2010/main" val="2687462137"/>
-      </p:ext>
-    </p:extLst>
-  </p:cSld>
-  <p:clrMapOvr>
-    <a:masterClrMapping/>
-  </p:clrMapOvr>
-</p:sld>
-</file>
-
-<file path=ppt/slides/slide21.xml><?xml version="1.0" encoding="utf-8"?>
-<p:sld xmlns:a="http://schemas.openxmlformats.org/drawingml/2006/main" xmlns:r="http://schemas.openxmlformats.org/officeDocument/2006/relationships" xmlns:p="http://schemas.openxmlformats.org/presentationml/2006/main">
-  <p:cSld>
-    <p:spTree>
-      <p:nvGrpSpPr>
-        <p:cNvPr id="1" name=""/>
-        <p:cNvGrpSpPr/>
-        <p:nvPr/>
-      </p:nvGrpSpPr>
-      <p:grpSpPr>
-        <a:xfrm>
-          <a:off x="0" y="0"/>
-          <a:ext cx="0" cy="0"/>
-          <a:chOff x="0" y="0"/>
-          <a:chExt cx="0" cy="0"/>
-        </a:xfrm>
-      </p:grpSpPr>
-      <p:sp>
-        <p:nvSpPr>
-          <p:cNvPr id="2" name="Titel 1">
-            <a:extLst>
-              <a:ext uri="{FF2B5EF4-FFF2-40B4-BE49-F238E27FC236}">
-                <a16:creationId xmlns:a16="http://schemas.microsoft.com/office/drawing/2014/main" id="{6F464106-0B1E-4D36-8F44-D2A65CFFC6EF}"/>
-              </a:ext>
-            </a:extLst>
-          </p:cNvPr>
-          <p:cNvSpPr>
-            <a:spLocks noGrp="1"/>
-          </p:cNvSpPr>
-          <p:nvPr>
-            <p:ph type="title"/>
-          </p:nvPr>
-        </p:nvSpPr>
-        <p:spPr>
-          <a:xfrm>
-            <a:off x="539695" y="297571"/>
-            <a:ext cx="8534400" cy="1507067"/>
-          </a:xfrm>
-        </p:spPr>
-        <p:txBody>
-          <a:bodyPr/>
-          <a:lstStyle/>
-          <a:p>
-            <a:r>
-              <a:rPr lang="de-DE" dirty="0"/>
-              <a:t>Deep-Learning Ansatz</a:t>
-            </a:r>
-          </a:p>
-        </p:txBody>
-      </p:sp>
-      <p:pic>
-        <p:nvPicPr>
-          <p:cNvPr id="10" name="Grafik 10" descr="Ein Bild, das Himmel, Foto, anzeigend enthält.&#10;&#10;Mit sehr hoher Zuverlässigkeit generierte Beschreibung">
-            <a:extLst>
-              <a:ext uri="{FF2B5EF4-FFF2-40B4-BE49-F238E27FC236}">
-                <a16:creationId xmlns:a16="http://schemas.microsoft.com/office/drawing/2014/main" id="{BD32800F-51D3-4D6F-B7F9-B30BD25495A7}"/>
-              </a:ext>
-            </a:extLst>
-          </p:cNvPr>
-          <p:cNvPicPr>
-            <a:picLocks noChangeAspect="1"/>
-          </p:cNvPicPr>
-          <p:nvPr/>
-        </p:nvPicPr>
-        <p:blipFill>
-          <a:blip r:embed="rId2"/>
-          <a:stretch>
-            <a:fillRect/>
-          </a:stretch>
-        </p:blipFill>
-        <p:spPr>
-          <a:xfrm>
-            <a:off x="178674" y="1746535"/>
-            <a:ext cx="12084268" cy="3601412"/>
-          </a:xfrm>
-          <a:prstGeom prst="rect">
-            <a:avLst/>
-          </a:prstGeom>
-        </p:spPr>
-      </p:pic>
-    </p:spTree>
-    <p:extLst>
-      <p:ext uri="{BB962C8B-B14F-4D97-AF65-F5344CB8AC3E}">
-        <p14:creationId xmlns:p14="http://schemas.microsoft.com/office/powerpoint/2010/main" val="1598145405"/>
       </p:ext>
     </p:extLst>
   </p:cSld>
@@ -11380,6 +11379,80 @@
 </p:sld>
 </file>
 
+<file path=ppt/slides/slide23.xml><?xml version="1.0" encoding="utf-8"?>
+<p:sld xmlns:a="http://schemas.openxmlformats.org/drawingml/2006/main" xmlns:r="http://schemas.openxmlformats.org/officeDocument/2006/relationships" xmlns:p="http://schemas.openxmlformats.org/presentationml/2006/main">
+  <p:cSld>
+    <p:spTree>
+      <p:nvGrpSpPr>
+        <p:cNvPr id="1" name=""/>
+        <p:cNvGrpSpPr/>
+        <p:nvPr/>
+      </p:nvGrpSpPr>
+      <p:grpSpPr>
+        <a:xfrm>
+          <a:off x="0" y="0"/>
+          <a:ext cx="0" cy="0"/>
+          <a:chOff x="0" y="0"/>
+          <a:chExt cx="0" cy="0"/>
+        </a:xfrm>
+      </p:grpSpPr>
+      <p:sp>
+        <p:nvSpPr>
+          <p:cNvPr id="2" name="Titel 1">
+            <a:extLst>
+              <a:ext uri="{FF2B5EF4-FFF2-40B4-BE49-F238E27FC236}">
+                <a16:creationId xmlns:a16="http://schemas.microsoft.com/office/drawing/2014/main" id="{714B76C0-B763-4E91-821B-194B71D2017A}"/>
+              </a:ext>
+            </a:extLst>
+          </p:cNvPr>
+          <p:cNvSpPr>
+            <a:spLocks noGrp="1"/>
+          </p:cNvSpPr>
+          <p:nvPr>
+            <p:ph type="title"/>
+          </p:nvPr>
+        </p:nvSpPr>
+        <p:spPr>
+          <a:xfrm>
+            <a:off x="2128043" y="2675466"/>
+            <a:ext cx="7935913" cy="1507067"/>
+          </a:xfrm>
+        </p:spPr>
+        <p:txBody>
+          <a:bodyPr/>
+          <a:lstStyle/>
+          <a:p>
+            <a:pPr algn="ctr"/>
+            <a:r>
+              <a:rPr lang="de-DE" dirty="0"/>
+              <a:t>Danke für eure Aufmerksamkeit</a:t>
+            </a:r>
+            <a:br>
+              <a:rPr lang="de-DE" dirty="0"/>
+            </a:br>
+            <a:r>
+              <a:rPr lang="de-DE" dirty="0">
+                <a:sym typeface="Wingdings" panose="05000000000000000000" pitchFamily="2" charset="2"/>
+              </a:rPr>
+              <a:t></a:t>
+            </a:r>
+            <a:endParaRPr lang="de-DE" dirty="0"/>
+          </a:p>
+        </p:txBody>
+      </p:sp>
+    </p:spTree>
+    <p:extLst>
+      <p:ext uri="{BB962C8B-B14F-4D97-AF65-F5344CB8AC3E}">
+        <p14:creationId xmlns:p14="http://schemas.microsoft.com/office/powerpoint/2010/main" val="1566121383"/>
+      </p:ext>
+    </p:extLst>
+  </p:cSld>
+  <p:clrMapOvr>
+    <a:masterClrMapping/>
+  </p:clrMapOvr>
+</p:sld>
+</file>
+
 <file path=ppt/slides/slide3.xml><?xml version="1.0" encoding="utf-8"?>
 <p:sld xmlns:a="http://schemas.openxmlformats.org/drawingml/2006/main" xmlns:r="http://schemas.openxmlformats.org/officeDocument/2006/relationships" xmlns:p="http://schemas.openxmlformats.org/presentationml/2006/main">
   <p:cSld>
@@ -12626,13 +12699,10 @@
           <a:lstStyle/>
           <a:p>
             <a:r>
-              <a:rPr lang="de-DE" dirty="0"/>
-              <a:t>"Klassisch"- </a:t>
-            </a:r>
-            <a:r>
               <a:rPr lang="de-DE" dirty="0" err="1"/>
               <a:t>Binarisierung</a:t>
             </a:r>
+            <a:endParaRPr lang="de-DE" dirty="0"/>
           </a:p>
         </p:txBody>
       </p:sp>
@@ -12774,20 +12844,12 @@
               </a:buClr>
             </a:pPr>
             <a:r>
-              <a:rPr lang="de-DE" sz="2800" dirty="0" err="1">
-                <a:solidFill>
-                  <a:srgbClr val="F2F2F2"/>
-                </a:solidFill>
-              </a:rPr>
-              <a:t>Orginalbild</a:t>
-            </a:r>
-            <a:r>
               <a:rPr lang="de-DE" sz="2800" dirty="0">
                 <a:solidFill>
                   <a:srgbClr val="F2F2F2"/>
                 </a:solidFill>
               </a:rPr>
-              <a:t> wird geschnitten und </a:t>
+              <a:t>Originalbild wird geschnitten und </a:t>
             </a:r>
             <a:r>
               <a:rPr lang="de-DE" sz="2800" dirty="0" err="1">
